--- a/Progetto/Presentazione/Event Manager.pptx
+++ b/Progetto/Presentazione/Event Manager.pptx
@@ -6,10 +6,10 @@
     <p:sldMasterId id="2147483718" r:id="rId2"/>
   </p:sldMasterIdLst>
   <p:notesMasterIdLst>
-    <p:notesMasterId r:id="rId9"/>
+    <p:notesMasterId r:id="rId15"/>
   </p:notesMasterIdLst>
   <p:handoutMasterIdLst>
-    <p:handoutMasterId r:id="rId10"/>
+    <p:handoutMasterId r:id="rId16"/>
   </p:handoutMasterIdLst>
   <p:sldIdLst>
     <p:sldId id="256" r:id="rId3"/>
@@ -18,6 +18,12 @@
     <p:sldId id="263" r:id="rId6"/>
     <p:sldId id="260" r:id="rId7"/>
     <p:sldId id="261" r:id="rId8"/>
+    <p:sldId id="265" r:id="rId9"/>
+    <p:sldId id="267" r:id="rId10"/>
+    <p:sldId id="268" r:id="rId11"/>
+    <p:sldId id="266" r:id="rId12"/>
+    <p:sldId id="270" r:id="rId13"/>
+    <p:sldId id="275" r:id="rId14"/>
   </p:sldIdLst>
   <p:sldSz cx="12192000" cy="6858000"/>
   <p:notesSz cx="6858000" cy="9144000"/>
@@ -116,6 +122,11 @@
       </a:defRPr>
     </a:lvl9pPr>
   </p:defaultTextStyle>
+  <p:extLst>
+    <p:ext uri="{EFAFB233-063F-42B5-8137-9DF3F51BA10A}">
+      <p15:sldGuideLst xmlns:p15="http://schemas.microsoft.com/office/powerpoint/2012/main"/>
+    </p:ext>
+  </p:extLst>
 </p:presentation>
 </file>
 
@@ -854,6 +865,348 @@
 </p:notes>
 </file>
 
+<file path=ppt/notesSlides/notesSlide10.xml><?xml version="1.0" encoding="utf-8"?>
+<p:notes xmlns:a="http://schemas.openxmlformats.org/drawingml/2006/main" xmlns:r="http://schemas.openxmlformats.org/officeDocument/2006/relationships" xmlns:p="http://schemas.openxmlformats.org/presentationml/2006/main">
+  <p:cSld>
+    <p:spTree>
+      <p:nvGrpSpPr>
+        <p:cNvPr id="1" name=""/>
+        <p:cNvGrpSpPr/>
+        <p:nvPr/>
+      </p:nvGrpSpPr>
+      <p:grpSpPr>
+        <a:xfrm>
+          <a:off x="0" y="0"/>
+          <a:ext cx="0" cy="0"/>
+          <a:chOff x="0" y="0"/>
+          <a:chExt cx="0" cy="0"/>
+        </a:xfrm>
+      </p:grpSpPr>
+      <p:sp>
+        <p:nvSpPr>
+          <p:cNvPr id="4" name="Segnaposto numero diapositiva 3">
+            <a:extLst>
+              <a:ext uri="{FF2B5EF4-FFF2-40B4-BE49-F238E27FC236}">
+                <a16:creationId xmlns:a16="http://schemas.microsoft.com/office/drawing/2014/main" id="{64DF7190-C93C-4ACA-979F-7E70F27A4087}"/>
+              </a:ext>
+            </a:extLst>
+          </p:cNvPr>
+          <p:cNvSpPr txBox="1">
+            <a:spLocks noGrp="1"/>
+          </p:cNvSpPr>
+          <p:nvPr>
+            <p:ph type="sldNum" sz="quarter" idx="8"/>
+          </p:nvPr>
+        </p:nvSpPr>
+        <p:spPr>
+          <a:xfrm>
+            <a:off x="3884759" y="8685360"/>
+            <a:ext cx="2971440" cy="458279"/>
+          </a:xfrm>
+        </p:spPr>
+        <p:txBody>
+          <a:bodyPr wrap="square" lIns="90000" tIns="45000" rIns="90000" bIns="45000" anchor="t"/>
+          <a:lstStyle/>
+          <a:p>
+            <a:pPr lvl="0" algn="l" hangingPunct="1"/>
+            <a:fld id="{139BDD60-61D1-4C79-888E-A88A6977F4EC}" type="slidenum">
+              <a:t>11</a:t>
+            </a:fld>
+            <a:endParaRPr lang="it-IT" sz="1800">
+              <a:solidFill>
+                <a:srgbClr val="000000"/>
+              </a:solidFill>
+              <a:latin typeface="+mn-lt" pitchFamily="18"/>
+              <a:ea typeface="+mn-ea" pitchFamily="2"/>
+              <a:cs typeface="+mn-cs" pitchFamily="2"/>
+            </a:endParaRPr>
+          </a:p>
+        </p:txBody>
+      </p:sp>
+      <p:sp>
+        <p:nvSpPr>
+          <p:cNvPr id="8" name="Segnaposto numero diapositiva 6">
+            <a:extLst>
+              <a:ext uri="{FF2B5EF4-FFF2-40B4-BE49-F238E27FC236}">
+                <a16:creationId xmlns:a16="http://schemas.microsoft.com/office/drawing/2014/main" id="{309D9658-91A1-4259-90C9-BCC91E631E7F}"/>
+              </a:ext>
+            </a:extLst>
+          </p:cNvPr>
+          <p:cNvSpPr txBox="1">
+            <a:spLocks noGrp="1"/>
+          </p:cNvSpPr>
+          <p:nvPr>
+            <p:ph type="sldNum" sz="quarter" idx="5"/>
+          </p:nvPr>
+        </p:nvSpPr>
+        <p:spPr>
+          <a:ln/>
+        </p:spPr>
+        <p:txBody>
+          <a:bodyPr lIns="0" tIns="0" rIns="0" bIns="0" anchor="b" anchorCtr="0">
+            <a:noAutofit/>
+          </a:bodyPr>
+          <a:lstStyle/>
+          <a:p>
+            <a:pPr lvl="0"/>
+            <a:fld id="{2916DF58-1C3F-4DA7-A4B1-E6D6C7B2AA70}" type="slidenum">
+              <a:t>11</a:t>
+            </a:fld>
+            <a:endParaRPr lang="it-IT"/>
+          </a:p>
+        </p:txBody>
+      </p:sp>
+      <p:sp>
+        <p:nvSpPr>
+          <p:cNvPr id="2" name="Segnaposto immagine diapositiva 1">
+            <a:extLst>
+              <a:ext uri="{FF2B5EF4-FFF2-40B4-BE49-F238E27FC236}">
+                <a16:creationId xmlns:a16="http://schemas.microsoft.com/office/drawing/2014/main" id="{41041A4E-F290-4B99-88CE-53D058910554}"/>
+              </a:ext>
+            </a:extLst>
+          </p:cNvPr>
+          <p:cNvSpPr>
+            <a:spLocks noGrp="1" noRot="1" noChangeAspect="1" noResize="1"/>
+          </p:cNvSpPr>
+          <p:nvPr>
+            <p:ph type="sldImg"/>
+          </p:nvPr>
+        </p:nvSpPr>
+        <p:spPr>
+          <a:xfrm>
+            <a:off x="685800" y="1143000"/>
+            <a:ext cx="5486400" cy="3086100"/>
+          </a:xfrm>
+          <a:solidFill>
+            <a:schemeClr val="accent1"/>
+          </a:solidFill>
+          <a:ln w="25400">
+            <a:solidFill>
+              <a:schemeClr val="accent1">
+                <a:shade val="50000"/>
+              </a:schemeClr>
+            </a:solidFill>
+            <a:prstDash val="solid"/>
+          </a:ln>
+        </p:spPr>
+      </p:sp>
+      <p:sp>
+        <p:nvSpPr>
+          <p:cNvPr id="3" name="Segnaposto note 2">
+            <a:extLst>
+              <a:ext uri="{FF2B5EF4-FFF2-40B4-BE49-F238E27FC236}">
+                <a16:creationId xmlns:a16="http://schemas.microsoft.com/office/drawing/2014/main" id="{B6CB25A7-C202-4916-A97D-5D561424AE2A}"/>
+              </a:ext>
+            </a:extLst>
+          </p:cNvPr>
+          <p:cNvSpPr txBox="1">
+            <a:spLocks noGrp="1"/>
+          </p:cNvSpPr>
+          <p:nvPr>
+            <p:ph type="body" sz="quarter" idx="1"/>
+          </p:nvPr>
+        </p:nvSpPr>
+        <p:spPr>
+          <a:xfrm>
+            <a:off x="685799" y="4400639"/>
+            <a:ext cx="5486040" cy="3600000"/>
+          </a:xfrm>
+        </p:spPr>
+        <p:txBody>
+          <a:bodyPr wrap="square" lIns="90000" tIns="45000" rIns="90000" bIns="45000" anchor="t">
+            <a:noAutofit/>
+          </a:bodyPr>
+          <a:lstStyle/>
+          <a:p>
+            <a:pPr lvl="0"/>
+            <a:endParaRPr lang="it-IT"/>
+          </a:p>
+        </p:txBody>
+      </p:sp>
+    </p:spTree>
+    <p:extLst>
+      <p:ext uri="{BB962C8B-B14F-4D97-AF65-F5344CB8AC3E}">
+        <p14:creationId xmlns:p14="http://schemas.microsoft.com/office/powerpoint/2010/main" val="3185201432"/>
+      </p:ext>
+    </p:extLst>
+  </p:cSld>
+  <p:clrMapOvr>
+    <a:masterClrMapping/>
+  </p:clrMapOvr>
+</p:notes>
+</file>
+
+<file path=ppt/notesSlides/notesSlide11.xml><?xml version="1.0" encoding="utf-8"?>
+<p:notes xmlns:a="http://schemas.openxmlformats.org/drawingml/2006/main" xmlns:r="http://schemas.openxmlformats.org/officeDocument/2006/relationships" xmlns:p="http://schemas.openxmlformats.org/presentationml/2006/main">
+  <p:cSld>
+    <p:spTree>
+      <p:nvGrpSpPr>
+        <p:cNvPr id="1" name=""/>
+        <p:cNvGrpSpPr/>
+        <p:nvPr/>
+      </p:nvGrpSpPr>
+      <p:grpSpPr>
+        <a:xfrm>
+          <a:off x="0" y="0"/>
+          <a:ext cx="0" cy="0"/>
+          <a:chOff x="0" y="0"/>
+          <a:chExt cx="0" cy="0"/>
+        </a:xfrm>
+      </p:grpSpPr>
+      <p:sp>
+        <p:nvSpPr>
+          <p:cNvPr id="4" name="Segnaposto numero diapositiva 3">
+            <a:extLst>
+              <a:ext uri="{FF2B5EF4-FFF2-40B4-BE49-F238E27FC236}">
+                <a16:creationId xmlns:a16="http://schemas.microsoft.com/office/drawing/2014/main" id="{64DF7190-C93C-4ACA-979F-7E70F27A4087}"/>
+              </a:ext>
+            </a:extLst>
+          </p:cNvPr>
+          <p:cNvSpPr txBox="1">
+            <a:spLocks noGrp="1"/>
+          </p:cNvSpPr>
+          <p:nvPr>
+            <p:ph type="sldNum" sz="quarter" idx="8"/>
+          </p:nvPr>
+        </p:nvSpPr>
+        <p:spPr>
+          <a:xfrm>
+            <a:off x="3884759" y="8685360"/>
+            <a:ext cx="2971440" cy="458279"/>
+          </a:xfrm>
+        </p:spPr>
+        <p:txBody>
+          <a:bodyPr wrap="square" lIns="90000" tIns="45000" rIns="90000" bIns="45000" anchor="t"/>
+          <a:lstStyle/>
+          <a:p>
+            <a:pPr lvl="0" algn="l" hangingPunct="1"/>
+            <a:fld id="{139BDD60-61D1-4C79-888E-A88A6977F4EC}" type="slidenum">
+              <a:t>12</a:t>
+            </a:fld>
+            <a:endParaRPr lang="it-IT" sz="1800">
+              <a:solidFill>
+                <a:srgbClr val="000000"/>
+              </a:solidFill>
+              <a:latin typeface="+mn-lt" pitchFamily="18"/>
+              <a:ea typeface="+mn-ea" pitchFamily="2"/>
+              <a:cs typeface="+mn-cs" pitchFamily="2"/>
+            </a:endParaRPr>
+          </a:p>
+        </p:txBody>
+      </p:sp>
+      <p:sp>
+        <p:nvSpPr>
+          <p:cNvPr id="8" name="Segnaposto numero diapositiva 6">
+            <a:extLst>
+              <a:ext uri="{FF2B5EF4-FFF2-40B4-BE49-F238E27FC236}">
+                <a16:creationId xmlns:a16="http://schemas.microsoft.com/office/drawing/2014/main" id="{309D9658-91A1-4259-90C9-BCC91E631E7F}"/>
+              </a:ext>
+            </a:extLst>
+          </p:cNvPr>
+          <p:cNvSpPr txBox="1">
+            <a:spLocks noGrp="1"/>
+          </p:cNvSpPr>
+          <p:nvPr>
+            <p:ph type="sldNum" sz="quarter" idx="5"/>
+          </p:nvPr>
+        </p:nvSpPr>
+        <p:spPr>
+          <a:ln/>
+        </p:spPr>
+        <p:txBody>
+          <a:bodyPr lIns="0" tIns="0" rIns="0" bIns="0" anchor="b" anchorCtr="0">
+            <a:noAutofit/>
+          </a:bodyPr>
+          <a:lstStyle/>
+          <a:p>
+            <a:pPr lvl="0"/>
+            <a:fld id="{2916DF58-1C3F-4DA7-A4B1-E6D6C7B2AA70}" type="slidenum">
+              <a:t>12</a:t>
+            </a:fld>
+            <a:endParaRPr lang="it-IT"/>
+          </a:p>
+        </p:txBody>
+      </p:sp>
+      <p:sp>
+        <p:nvSpPr>
+          <p:cNvPr id="2" name="Segnaposto immagine diapositiva 1">
+            <a:extLst>
+              <a:ext uri="{FF2B5EF4-FFF2-40B4-BE49-F238E27FC236}">
+                <a16:creationId xmlns:a16="http://schemas.microsoft.com/office/drawing/2014/main" id="{41041A4E-F290-4B99-88CE-53D058910554}"/>
+              </a:ext>
+            </a:extLst>
+          </p:cNvPr>
+          <p:cNvSpPr>
+            <a:spLocks noGrp="1" noRot="1" noChangeAspect="1" noResize="1"/>
+          </p:cNvSpPr>
+          <p:nvPr>
+            <p:ph type="sldImg"/>
+          </p:nvPr>
+        </p:nvSpPr>
+        <p:spPr>
+          <a:xfrm>
+            <a:off x="685800" y="1143000"/>
+            <a:ext cx="5486400" cy="3086100"/>
+          </a:xfrm>
+          <a:solidFill>
+            <a:schemeClr val="accent1"/>
+          </a:solidFill>
+          <a:ln w="25400">
+            <a:solidFill>
+              <a:schemeClr val="accent1">
+                <a:shade val="50000"/>
+              </a:schemeClr>
+            </a:solidFill>
+            <a:prstDash val="solid"/>
+          </a:ln>
+        </p:spPr>
+      </p:sp>
+      <p:sp>
+        <p:nvSpPr>
+          <p:cNvPr id="3" name="Segnaposto note 2">
+            <a:extLst>
+              <a:ext uri="{FF2B5EF4-FFF2-40B4-BE49-F238E27FC236}">
+                <a16:creationId xmlns:a16="http://schemas.microsoft.com/office/drawing/2014/main" id="{B6CB25A7-C202-4916-A97D-5D561424AE2A}"/>
+              </a:ext>
+            </a:extLst>
+          </p:cNvPr>
+          <p:cNvSpPr txBox="1">
+            <a:spLocks noGrp="1"/>
+          </p:cNvSpPr>
+          <p:nvPr>
+            <p:ph type="body" sz="quarter" idx="1"/>
+          </p:nvPr>
+        </p:nvSpPr>
+        <p:spPr>
+          <a:xfrm>
+            <a:off x="685799" y="4400639"/>
+            <a:ext cx="5486040" cy="3600000"/>
+          </a:xfrm>
+        </p:spPr>
+        <p:txBody>
+          <a:bodyPr wrap="square" lIns="90000" tIns="45000" rIns="90000" bIns="45000" anchor="t">
+            <a:noAutofit/>
+          </a:bodyPr>
+          <a:lstStyle/>
+          <a:p>
+            <a:pPr lvl="0"/>
+            <a:endParaRPr lang="it-IT"/>
+          </a:p>
+        </p:txBody>
+      </p:sp>
+    </p:spTree>
+    <p:extLst>
+      <p:ext uri="{BB962C8B-B14F-4D97-AF65-F5344CB8AC3E}">
+        <p14:creationId xmlns:p14="http://schemas.microsoft.com/office/powerpoint/2010/main" val="890449892"/>
+      </p:ext>
+    </p:extLst>
+  </p:cSld>
+  <p:clrMapOvr>
+    <a:masterClrMapping/>
+  </p:clrMapOvr>
+</p:notes>
+</file>
+
 <file path=ppt/notesSlides/notesSlide2.xml><?xml version="1.0" encoding="utf-8"?>
 <p:notes xmlns:a="http://schemas.openxmlformats.org/drawingml/2006/main" xmlns:r="http://schemas.openxmlformats.org/officeDocument/2006/relationships" xmlns:p="http://schemas.openxmlformats.org/presentationml/2006/main">
   <p:cSld>
@@ -1364,6 +1717,690 @@
         </p:txBody>
       </p:sp>
     </p:spTree>
+  </p:cSld>
+  <p:clrMapOvr>
+    <a:masterClrMapping/>
+  </p:clrMapOvr>
+</p:notes>
+</file>
+
+<file path=ppt/notesSlides/notesSlide6.xml><?xml version="1.0" encoding="utf-8"?>
+<p:notes xmlns:a="http://schemas.openxmlformats.org/drawingml/2006/main" xmlns:r="http://schemas.openxmlformats.org/officeDocument/2006/relationships" xmlns:p="http://schemas.openxmlformats.org/presentationml/2006/main">
+  <p:cSld>
+    <p:spTree>
+      <p:nvGrpSpPr>
+        <p:cNvPr id="1" name=""/>
+        <p:cNvGrpSpPr/>
+        <p:nvPr/>
+      </p:nvGrpSpPr>
+      <p:grpSpPr>
+        <a:xfrm>
+          <a:off x="0" y="0"/>
+          <a:ext cx="0" cy="0"/>
+          <a:chOff x="0" y="0"/>
+          <a:chExt cx="0" cy="0"/>
+        </a:xfrm>
+      </p:grpSpPr>
+      <p:sp>
+        <p:nvSpPr>
+          <p:cNvPr id="4" name="Segnaposto numero diapositiva 3">
+            <a:extLst>
+              <a:ext uri="{FF2B5EF4-FFF2-40B4-BE49-F238E27FC236}">
+                <a16:creationId xmlns:a16="http://schemas.microsoft.com/office/drawing/2014/main" id="{64DF7190-C93C-4ACA-979F-7E70F27A4087}"/>
+              </a:ext>
+            </a:extLst>
+          </p:cNvPr>
+          <p:cNvSpPr txBox="1">
+            <a:spLocks noGrp="1"/>
+          </p:cNvSpPr>
+          <p:nvPr>
+            <p:ph type="sldNum" sz="quarter" idx="8"/>
+          </p:nvPr>
+        </p:nvSpPr>
+        <p:spPr>
+          <a:xfrm>
+            <a:off x="3884759" y="8685360"/>
+            <a:ext cx="2971440" cy="458279"/>
+          </a:xfrm>
+        </p:spPr>
+        <p:txBody>
+          <a:bodyPr wrap="square" lIns="90000" tIns="45000" rIns="90000" bIns="45000" anchor="t"/>
+          <a:lstStyle/>
+          <a:p>
+            <a:pPr lvl="0" algn="l" hangingPunct="1"/>
+            <a:fld id="{139BDD60-61D1-4C79-888E-A88A6977F4EC}" type="slidenum">
+              <a:t>7</a:t>
+            </a:fld>
+            <a:endParaRPr lang="it-IT" sz="1800">
+              <a:solidFill>
+                <a:srgbClr val="000000"/>
+              </a:solidFill>
+              <a:latin typeface="+mn-lt" pitchFamily="18"/>
+              <a:ea typeface="+mn-ea" pitchFamily="2"/>
+              <a:cs typeface="+mn-cs" pitchFamily="2"/>
+            </a:endParaRPr>
+          </a:p>
+        </p:txBody>
+      </p:sp>
+      <p:sp>
+        <p:nvSpPr>
+          <p:cNvPr id="8" name="Segnaposto numero diapositiva 6">
+            <a:extLst>
+              <a:ext uri="{FF2B5EF4-FFF2-40B4-BE49-F238E27FC236}">
+                <a16:creationId xmlns:a16="http://schemas.microsoft.com/office/drawing/2014/main" id="{309D9658-91A1-4259-90C9-BCC91E631E7F}"/>
+              </a:ext>
+            </a:extLst>
+          </p:cNvPr>
+          <p:cNvSpPr txBox="1">
+            <a:spLocks noGrp="1"/>
+          </p:cNvSpPr>
+          <p:nvPr>
+            <p:ph type="sldNum" sz="quarter" idx="5"/>
+          </p:nvPr>
+        </p:nvSpPr>
+        <p:spPr>
+          <a:ln/>
+        </p:spPr>
+        <p:txBody>
+          <a:bodyPr lIns="0" tIns="0" rIns="0" bIns="0" anchor="b" anchorCtr="0">
+            <a:noAutofit/>
+          </a:bodyPr>
+          <a:lstStyle/>
+          <a:p>
+            <a:pPr lvl="0"/>
+            <a:fld id="{2916DF58-1C3F-4DA7-A4B1-E6D6C7B2AA70}" type="slidenum">
+              <a:t>7</a:t>
+            </a:fld>
+            <a:endParaRPr lang="it-IT"/>
+          </a:p>
+        </p:txBody>
+      </p:sp>
+      <p:sp>
+        <p:nvSpPr>
+          <p:cNvPr id="2" name="Segnaposto immagine diapositiva 1">
+            <a:extLst>
+              <a:ext uri="{FF2B5EF4-FFF2-40B4-BE49-F238E27FC236}">
+                <a16:creationId xmlns:a16="http://schemas.microsoft.com/office/drawing/2014/main" id="{41041A4E-F290-4B99-88CE-53D058910554}"/>
+              </a:ext>
+            </a:extLst>
+          </p:cNvPr>
+          <p:cNvSpPr>
+            <a:spLocks noGrp="1" noRot="1" noChangeAspect="1" noResize="1"/>
+          </p:cNvSpPr>
+          <p:nvPr>
+            <p:ph type="sldImg"/>
+          </p:nvPr>
+        </p:nvSpPr>
+        <p:spPr>
+          <a:xfrm>
+            <a:off x="685800" y="1143000"/>
+            <a:ext cx="5486400" cy="3086100"/>
+          </a:xfrm>
+          <a:solidFill>
+            <a:schemeClr val="accent1"/>
+          </a:solidFill>
+          <a:ln w="25400">
+            <a:solidFill>
+              <a:schemeClr val="accent1">
+                <a:shade val="50000"/>
+              </a:schemeClr>
+            </a:solidFill>
+            <a:prstDash val="solid"/>
+          </a:ln>
+        </p:spPr>
+      </p:sp>
+      <p:sp>
+        <p:nvSpPr>
+          <p:cNvPr id="3" name="Segnaposto note 2">
+            <a:extLst>
+              <a:ext uri="{FF2B5EF4-FFF2-40B4-BE49-F238E27FC236}">
+                <a16:creationId xmlns:a16="http://schemas.microsoft.com/office/drawing/2014/main" id="{B6CB25A7-C202-4916-A97D-5D561424AE2A}"/>
+              </a:ext>
+            </a:extLst>
+          </p:cNvPr>
+          <p:cNvSpPr txBox="1">
+            <a:spLocks noGrp="1"/>
+          </p:cNvSpPr>
+          <p:nvPr>
+            <p:ph type="body" sz="quarter" idx="1"/>
+          </p:nvPr>
+        </p:nvSpPr>
+        <p:spPr>
+          <a:xfrm>
+            <a:off x="685799" y="4400639"/>
+            <a:ext cx="5486040" cy="3600000"/>
+          </a:xfrm>
+        </p:spPr>
+        <p:txBody>
+          <a:bodyPr wrap="square" lIns="90000" tIns="45000" rIns="90000" bIns="45000" anchor="t">
+            <a:noAutofit/>
+          </a:bodyPr>
+          <a:lstStyle/>
+          <a:p>
+            <a:pPr lvl="0"/>
+            <a:endParaRPr lang="it-IT"/>
+          </a:p>
+        </p:txBody>
+      </p:sp>
+    </p:spTree>
+    <p:extLst>
+      <p:ext uri="{BB962C8B-B14F-4D97-AF65-F5344CB8AC3E}">
+        <p14:creationId xmlns:p14="http://schemas.microsoft.com/office/powerpoint/2010/main" val="2644985448"/>
+      </p:ext>
+    </p:extLst>
+  </p:cSld>
+  <p:clrMapOvr>
+    <a:masterClrMapping/>
+  </p:clrMapOvr>
+</p:notes>
+</file>
+
+<file path=ppt/notesSlides/notesSlide7.xml><?xml version="1.0" encoding="utf-8"?>
+<p:notes xmlns:a="http://schemas.openxmlformats.org/drawingml/2006/main" xmlns:r="http://schemas.openxmlformats.org/officeDocument/2006/relationships" xmlns:p="http://schemas.openxmlformats.org/presentationml/2006/main">
+  <p:cSld>
+    <p:spTree>
+      <p:nvGrpSpPr>
+        <p:cNvPr id="1" name=""/>
+        <p:cNvGrpSpPr/>
+        <p:nvPr/>
+      </p:nvGrpSpPr>
+      <p:grpSpPr>
+        <a:xfrm>
+          <a:off x="0" y="0"/>
+          <a:ext cx="0" cy="0"/>
+          <a:chOff x="0" y="0"/>
+          <a:chExt cx="0" cy="0"/>
+        </a:xfrm>
+      </p:grpSpPr>
+      <p:sp>
+        <p:nvSpPr>
+          <p:cNvPr id="4" name="Segnaposto numero diapositiva 3">
+            <a:extLst>
+              <a:ext uri="{FF2B5EF4-FFF2-40B4-BE49-F238E27FC236}">
+                <a16:creationId xmlns:a16="http://schemas.microsoft.com/office/drawing/2014/main" id="{64DF7190-C93C-4ACA-979F-7E70F27A4087}"/>
+              </a:ext>
+            </a:extLst>
+          </p:cNvPr>
+          <p:cNvSpPr txBox="1">
+            <a:spLocks noGrp="1"/>
+          </p:cNvSpPr>
+          <p:nvPr>
+            <p:ph type="sldNum" sz="quarter" idx="8"/>
+          </p:nvPr>
+        </p:nvSpPr>
+        <p:spPr>
+          <a:xfrm>
+            <a:off x="3884759" y="8685360"/>
+            <a:ext cx="2971440" cy="458279"/>
+          </a:xfrm>
+        </p:spPr>
+        <p:txBody>
+          <a:bodyPr wrap="square" lIns="90000" tIns="45000" rIns="90000" bIns="45000" anchor="t"/>
+          <a:lstStyle/>
+          <a:p>
+            <a:pPr lvl="0" algn="l" hangingPunct="1"/>
+            <a:fld id="{139BDD60-61D1-4C79-888E-A88A6977F4EC}" type="slidenum">
+              <a:t>8</a:t>
+            </a:fld>
+            <a:endParaRPr lang="it-IT" sz="1800">
+              <a:solidFill>
+                <a:srgbClr val="000000"/>
+              </a:solidFill>
+              <a:latin typeface="+mn-lt" pitchFamily="18"/>
+              <a:ea typeface="+mn-ea" pitchFamily="2"/>
+              <a:cs typeface="+mn-cs" pitchFamily="2"/>
+            </a:endParaRPr>
+          </a:p>
+        </p:txBody>
+      </p:sp>
+      <p:sp>
+        <p:nvSpPr>
+          <p:cNvPr id="8" name="Segnaposto numero diapositiva 6">
+            <a:extLst>
+              <a:ext uri="{FF2B5EF4-FFF2-40B4-BE49-F238E27FC236}">
+                <a16:creationId xmlns:a16="http://schemas.microsoft.com/office/drawing/2014/main" id="{309D9658-91A1-4259-90C9-BCC91E631E7F}"/>
+              </a:ext>
+            </a:extLst>
+          </p:cNvPr>
+          <p:cNvSpPr txBox="1">
+            <a:spLocks noGrp="1"/>
+          </p:cNvSpPr>
+          <p:nvPr>
+            <p:ph type="sldNum" sz="quarter" idx="5"/>
+          </p:nvPr>
+        </p:nvSpPr>
+        <p:spPr>
+          <a:ln/>
+        </p:spPr>
+        <p:txBody>
+          <a:bodyPr lIns="0" tIns="0" rIns="0" bIns="0" anchor="b" anchorCtr="0">
+            <a:noAutofit/>
+          </a:bodyPr>
+          <a:lstStyle/>
+          <a:p>
+            <a:pPr lvl="0"/>
+            <a:fld id="{2916DF58-1C3F-4DA7-A4B1-E6D6C7B2AA70}" type="slidenum">
+              <a:t>8</a:t>
+            </a:fld>
+            <a:endParaRPr lang="it-IT"/>
+          </a:p>
+        </p:txBody>
+      </p:sp>
+      <p:sp>
+        <p:nvSpPr>
+          <p:cNvPr id="2" name="Segnaposto immagine diapositiva 1">
+            <a:extLst>
+              <a:ext uri="{FF2B5EF4-FFF2-40B4-BE49-F238E27FC236}">
+                <a16:creationId xmlns:a16="http://schemas.microsoft.com/office/drawing/2014/main" id="{41041A4E-F290-4B99-88CE-53D058910554}"/>
+              </a:ext>
+            </a:extLst>
+          </p:cNvPr>
+          <p:cNvSpPr>
+            <a:spLocks noGrp="1" noRot="1" noChangeAspect="1" noResize="1"/>
+          </p:cNvSpPr>
+          <p:nvPr>
+            <p:ph type="sldImg"/>
+          </p:nvPr>
+        </p:nvSpPr>
+        <p:spPr>
+          <a:xfrm>
+            <a:off x="685800" y="1143000"/>
+            <a:ext cx="5486400" cy="3086100"/>
+          </a:xfrm>
+          <a:solidFill>
+            <a:schemeClr val="accent1"/>
+          </a:solidFill>
+          <a:ln w="25400">
+            <a:solidFill>
+              <a:schemeClr val="accent1">
+                <a:shade val="50000"/>
+              </a:schemeClr>
+            </a:solidFill>
+            <a:prstDash val="solid"/>
+          </a:ln>
+        </p:spPr>
+      </p:sp>
+      <p:sp>
+        <p:nvSpPr>
+          <p:cNvPr id="3" name="Segnaposto note 2">
+            <a:extLst>
+              <a:ext uri="{FF2B5EF4-FFF2-40B4-BE49-F238E27FC236}">
+                <a16:creationId xmlns:a16="http://schemas.microsoft.com/office/drawing/2014/main" id="{B6CB25A7-C202-4916-A97D-5D561424AE2A}"/>
+              </a:ext>
+            </a:extLst>
+          </p:cNvPr>
+          <p:cNvSpPr txBox="1">
+            <a:spLocks noGrp="1"/>
+          </p:cNvSpPr>
+          <p:nvPr>
+            <p:ph type="body" sz="quarter" idx="1"/>
+          </p:nvPr>
+        </p:nvSpPr>
+        <p:spPr>
+          <a:xfrm>
+            <a:off x="685799" y="4400639"/>
+            <a:ext cx="5486040" cy="3600000"/>
+          </a:xfrm>
+        </p:spPr>
+        <p:txBody>
+          <a:bodyPr wrap="square" lIns="90000" tIns="45000" rIns="90000" bIns="45000" anchor="t">
+            <a:noAutofit/>
+          </a:bodyPr>
+          <a:lstStyle/>
+          <a:p>
+            <a:pPr lvl="0"/>
+            <a:endParaRPr lang="it-IT"/>
+          </a:p>
+        </p:txBody>
+      </p:sp>
+    </p:spTree>
+    <p:extLst>
+      <p:ext uri="{BB962C8B-B14F-4D97-AF65-F5344CB8AC3E}">
+        <p14:creationId xmlns:p14="http://schemas.microsoft.com/office/powerpoint/2010/main" val="3997510720"/>
+      </p:ext>
+    </p:extLst>
+  </p:cSld>
+  <p:clrMapOvr>
+    <a:masterClrMapping/>
+  </p:clrMapOvr>
+</p:notes>
+</file>
+
+<file path=ppt/notesSlides/notesSlide8.xml><?xml version="1.0" encoding="utf-8"?>
+<p:notes xmlns:a="http://schemas.openxmlformats.org/drawingml/2006/main" xmlns:r="http://schemas.openxmlformats.org/officeDocument/2006/relationships" xmlns:p="http://schemas.openxmlformats.org/presentationml/2006/main">
+  <p:cSld>
+    <p:spTree>
+      <p:nvGrpSpPr>
+        <p:cNvPr id="1" name=""/>
+        <p:cNvGrpSpPr/>
+        <p:nvPr/>
+      </p:nvGrpSpPr>
+      <p:grpSpPr>
+        <a:xfrm>
+          <a:off x="0" y="0"/>
+          <a:ext cx="0" cy="0"/>
+          <a:chOff x="0" y="0"/>
+          <a:chExt cx="0" cy="0"/>
+        </a:xfrm>
+      </p:grpSpPr>
+      <p:sp>
+        <p:nvSpPr>
+          <p:cNvPr id="4" name="Segnaposto numero diapositiva 3">
+            <a:extLst>
+              <a:ext uri="{FF2B5EF4-FFF2-40B4-BE49-F238E27FC236}">
+                <a16:creationId xmlns:a16="http://schemas.microsoft.com/office/drawing/2014/main" id="{64DF7190-C93C-4ACA-979F-7E70F27A4087}"/>
+              </a:ext>
+            </a:extLst>
+          </p:cNvPr>
+          <p:cNvSpPr txBox="1">
+            <a:spLocks noGrp="1"/>
+          </p:cNvSpPr>
+          <p:nvPr>
+            <p:ph type="sldNum" sz="quarter" idx="8"/>
+          </p:nvPr>
+        </p:nvSpPr>
+        <p:spPr>
+          <a:xfrm>
+            <a:off x="3884759" y="8685360"/>
+            <a:ext cx="2971440" cy="458279"/>
+          </a:xfrm>
+        </p:spPr>
+        <p:txBody>
+          <a:bodyPr wrap="square" lIns="90000" tIns="45000" rIns="90000" bIns="45000" anchor="t"/>
+          <a:lstStyle/>
+          <a:p>
+            <a:pPr lvl="0" algn="l" hangingPunct="1"/>
+            <a:fld id="{139BDD60-61D1-4C79-888E-A88A6977F4EC}" type="slidenum">
+              <a:t>9</a:t>
+            </a:fld>
+            <a:endParaRPr lang="it-IT" sz="1800">
+              <a:solidFill>
+                <a:srgbClr val="000000"/>
+              </a:solidFill>
+              <a:latin typeface="+mn-lt" pitchFamily="18"/>
+              <a:ea typeface="+mn-ea" pitchFamily="2"/>
+              <a:cs typeface="+mn-cs" pitchFamily="2"/>
+            </a:endParaRPr>
+          </a:p>
+        </p:txBody>
+      </p:sp>
+      <p:sp>
+        <p:nvSpPr>
+          <p:cNvPr id="8" name="Segnaposto numero diapositiva 6">
+            <a:extLst>
+              <a:ext uri="{FF2B5EF4-FFF2-40B4-BE49-F238E27FC236}">
+                <a16:creationId xmlns:a16="http://schemas.microsoft.com/office/drawing/2014/main" id="{309D9658-91A1-4259-90C9-BCC91E631E7F}"/>
+              </a:ext>
+            </a:extLst>
+          </p:cNvPr>
+          <p:cNvSpPr txBox="1">
+            <a:spLocks noGrp="1"/>
+          </p:cNvSpPr>
+          <p:nvPr>
+            <p:ph type="sldNum" sz="quarter" idx="5"/>
+          </p:nvPr>
+        </p:nvSpPr>
+        <p:spPr>
+          <a:ln/>
+        </p:spPr>
+        <p:txBody>
+          <a:bodyPr lIns="0" tIns="0" rIns="0" bIns="0" anchor="b" anchorCtr="0">
+            <a:noAutofit/>
+          </a:bodyPr>
+          <a:lstStyle/>
+          <a:p>
+            <a:pPr lvl="0"/>
+            <a:fld id="{2916DF58-1C3F-4DA7-A4B1-E6D6C7B2AA70}" type="slidenum">
+              <a:t>9</a:t>
+            </a:fld>
+            <a:endParaRPr lang="it-IT"/>
+          </a:p>
+        </p:txBody>
+      </p:sp>
+      <p:sp>
+        <p:nvSpPr>
+          <p:cNvPr id="2" name="Segnaposto immagine diapositiva 1">
+            <a:extLst>
+              <a:ext uri="{FF2B5EF4-FFF2-40B4-BE49-F238E27FC236}">
+                <a16:creationId xmlns:a16="http://schemas.microsoft.com/office/drawing/2014/main" id="{41041A4E-F290-4B99-88CE-53D058910554}"/>
+              </a:ext>
+            </a:extLst>
+          </p:cNvPr>
+          <p:cNvSpPr>
+            <a:spLocks noGrp="1" noRot="1" noChangeAspect="1" noResize="1"/>
+          </p:cNvSpPr>
+          <p:nvPr>
+            <p:ph type="sldImg"/>
+          </p:nvPr>
+        </p:nvSpPr>
+        <p:spPr>
+          <a:xfrm>
+            <a:off x="685800" y="1143000"/>
+            <a:ext cx="5486400" cy="3086100"/>
+          </a:xfrm>
+          <a:solidFill>
+            <a:schemeClr val="accent1"/>
+          </a:solidFill>
+          <a:ln w="25400">
+            <a:solidFill>
+              <a:schemeClr val="accent1">
+                <a:shade val="50000"/>
+              </a:schemeClr>
+            </a:solidFill>
+            <a:prstDash val="solid"/>
+          </a:ln>
+        </p:spPr>
+      </p:sp>
+      <p:sp>
+        <p:nvSpPr>
+          <p:cNvPr id="3" name="Segnaposto note 2">
+            <a:extLst>
+              <a:ext uri="{FF2B5EF4-FFF2-40B4-BE49-F238E27FC236}">
+                <a16:creationId xmlns:a16="http://schemas.microsoft.com/office/drawing/2014/main" id="{B6CB25A7-C202-4916-A97D-5D561424AE2A}"/>
+              </a:ext>
+            </a:extLst>
+          </p:cNvPr>
+          <p:cNvSpPr txBox="1">
+            <a:spLocks noGrp="1"/>
+          </p:cNvSpPr>
+          <p:nvPr>
+            <p:ph type="body" sz="quarter" idx="1"/>
+          </p:nvPr>
+        </p:nvSpPr>
+        <p:spPr>
+          <a:xfrm>
+            <a:off x="685799" y="4400639"/>
+            <a:ext cx="5486040" cy="3600000"/>
+          </a:xfrm>
+        </p:spPr>
+        <p:txBody>
+          <a:bodyPr wrap="square" lIns="90000" tIns="45000" rIns="90000" bIns="45000" anchor="t">
+            <a:noAutofit/>
+          </a:bodyPr>
+          <a:lstStyle/>
+          <a:p>
+            <a:pPr lvl="0"/>
+            <a:endParaRPr lang="it-IT"/>
+          </a:p>
+        </p:txBody>
+      </p:sp>
+    </p:spTree>
+    <p:extLst>
+      <p:ext uri="{BB962C8B-B14F-4D97-AF65-F5344CB8AC3E}">
+        <p14:creationId xmlns:p14="http://schemas.microsoft.com/office/powerpoint/2010/main" val="3382133411"/>
+      </p:ext>
+    </p:extLst>
+  </p:cSld>
+  <p:clrMapOvr>
+    <a:masterClrMapping/>
+  </p:clrMapOvr>
+</p:notes>
+</file>
+
+<file path=ppt/notesSlides/notesSlide9.xml><?xml version="1.0" encoding="utf-8"?>
+<p:notes xmlns:a="http://schemas.openxmlformats.org/drawingml/2006/main" xmlns:r="http://schemas.openxmlformats.org/officeDocument/2006/relationships" xmlns:p="http://schemas.openxmlformats.org/presentationml/2006/main">
+  <p:cSld>
+    <p:spTree>
+      <p:nvGrpSpPr>
+        <p:cNvPr id="1" name=""/>
+        <p:cNvGrpSpPr/>
+        <p:nvPr/>
+      </p:nvGrpSpPr>
+      <p:grpSpPr>
+        <a:xfrm>
+          <a:off x="0" y="0"/>
+          <a:ext cx="0" cy="0"/>
+          <a:chOff x="0" y="0"/>
+          <a:chExt cx="0" cy="0"/>
+        </a:xfrm>
+      </p:grpSpPr>
+      <p:sp>
+        <p:nvSpPr>
+          <p:cNvPr id="4" name="Segnaposto numero diapositiva 3">
+            <a:extLst>
+              <a:ext uri="{FF2B5EF4-FFF2-40B4-BE49-F238E27FC236}">
+                <a16:creationId xmlns:a16="http://schemas.microsoft.com/office/drawing/2014/main" id="{64DF7190-C93C-4ACA-979F-7E70F27A4087}"/>
+              </a:ext>
+            </a:extLst>
+          </p:cNvPr>
+          <p:cNvSpPr txBox="1">
+            <a:spLocks noGrp="1"/>
+          </p:cNvSpPr>
+          <p:nvPr>
+            <p:ph type="sldNum" sz="quarter" idx="8"/>
+          </p:nvPr>
+        </p:nvSpPr>
+        <p:spPr>
+          <a:xfrm>
+            <a:off x="3884759" y="8685360"/>
+            <a:ext cx="2971440" cy="458279"/>
+          </a:xfrm>
+        </p:spPr>
+        <p:txBody>
+          <a:bodyPr wrap="square" lIns="90000" tIns="45000" rIns="90000" bIns="45000" anchor="t"/>
+          <a:lstStyle/>
+          <a:p>
+            <a:pPr lvl="0" algn="l" hangingPunct="1"/>
+            <a:fld id="{139BDD60-61D1-4C79-888E-A88A6977F4EC}" type="slidenum">
+              <a:t>10</a:t>
+            </a:fld>
+            <a:endParaRPr lang="it-IT" sz="1800">
+              <a:solidFill>
+                <a:srgbClr val="000000"/>
+              </a:solidFill>
+              <a:latin typeface="+mn-lt" pitchFamily="18"/>
+              <a:ea typeface="+mn-ea" pitchFamily="2"/>
+              <a:cs typeface="+mn-cs" pitchFamily="2"/>
+            </a:endParaRPr>
+          </a:p>
+        </p:txBody>
+      </p:sp>
+      <p:sp>
+        <p:nvSpPr>
+          <p:cNvPr id="8" name="Segnaposto numero diapositiva 6">
+            <a:extLst>
+              <a:ext uri="{FF2B5EF4-FFF2-40B4-BE49-F238E27FC236}">
+                <a16:creationId xmlns:a16="http://schemas.microsoft.com/office/drawing/2014/main" id="{309D9658-91A1-4259-90C9-BCC91E631E7F}"/>
+              </a:ext>
+            </a:extLst>
+          </p:cNvPr>
+          <p:cNvSpPr txBox="1">
+            <a:spLocks noGrp="1"/>
+          </p:cNvSpPr>
+          <p:nvPr>
+            <p:ph type="sldNum" sz="quarter" idx="5"/>
+          </p:nvPr>
+        </p:nvSpPr>
+        <p:spPr>
+          <a:ln/>
+        </p:spPr>
+        <p:txBody>
+          <a:bodyPr lIns="0" tIns="0" rIns="0" bIns="0" anchor="b" anchorCtr="0">
+            <a:noAutofit/>
+          </a:bodyPr>
+          <a:lstStyle/>
+          <a:p>
+            <a:pPr lvl="0"/>
+            <a:fld id="{2916DF58-1C3F-4DA7-A4B1-E6D6C7B2AA70}" type="slidenum">
+              <a:t>10</a:t>
+            </a:fld>
+            <a:endParaRPr lang="it-IT"/>
+          </a:p>
+        </p:txBody>
+      </p:sp>
+      <p:sp>
+        <p:nvSpPr>
+          <p:cNvPr id="2" name="Segnaposto immagine diapositiva 1">
+            <a:extLst>
+              <a:ext uri="{FF2B5EF4-FFF2-40B4-BE49-F238E27FC236}">
+                <a16:creationId xmlns:a16="http://schemas.microsoft.com/office/drawing/2014/main" id="{41041A4E-F290-4B99-88CE-53D058910554}"/>
+              </a:ext>
+            </a:extLst>
+          </p:cNvPr>
+          <p:cNvSpPr>
+            <a:spLocks noGrp="1" noRot="1" noChangeAspect="1" noResize="1"/>
+          </p:cNvSpPr>
+          <p:nvPr>
+            <p:ph type="sldImg"/>
+          </p:nvPr>
+        </p:nvSpPr>
+        <p:spPr>
+          <a:xfrm>
+            <a:off x="685800" y="1143000"/>
+            <a:ext cx="5486400" cy="3086100"/>
+          </a:xfrm>
+          <a:solidFill>
+            <a:schemeClr val="accent1"/>
+          </a:solidFill>
+          <a:ln w="25400">
+            <a:solidFill>
+              <a:schemeClr val="accent1">
+                <a:shade val="50000"/>
+              </a:schemeClr>
+            </a:solidFill>
+            <a:prstDash val="solid"/>
+          </a:ln>
+        </p:spPr>
+      </p:sp>
+      <p:sp>
+        <p:nvSpPr>
+          <p:cNvPr id="3" name="Segnaposto note 2">
+            <a:extLst>
+              <a:ext uri="{FF2B5EF4-FFF2-40B4-BE49-F238E27FC236}">
+                <a16:creationId xmlns:a16="http://schemas.microsoft.com/office/drawing/2014/main" id="{B6CB25A7-C202-4916-A97D-5D561424AE2A}"/>
+              </a:ext>
+            </a:extLst>
+          </p:cNvPr>
+          <p:cNvSpPr txBox="1">
+            <a:spLocks noGrp="1"/>
+          </p:cNvSpPr>
+          <p:nvPr>
+            <p:ph type="body" sz="quarter" idx="1"/>
+          </p:nvPr>
+        </p:nvSpPr>
+        <p:spPr>
+          <a:xfrm>
+            <a:off x="685799" y="4400639"/>
+            <a:ext cx="5486040" cy="3600000"/>
+          </a:xfrm>
+        </p:spPr>
+        <p:txBody>
+          <a:bodyPr wrap="square" lIns="90000" tIns="45000" rIns="90000" bIns="45000" anchor="t">
+            <a:noAutofit/>
+          </a:bodyPr>
+          <a:lstStyle/>
+          <a:p>
+            <a:pPr lvl="0"/>
+            <a:endParaRPr lang="it-IT"/>
+          </a:p>
+        </p:txBody>
+      </p:sp>
+    </p:spTree>
+    <p:extLst>
+      <p:ext uri="{BB962C8B-B14F-4D97-AF65-F5344CB8AC3E}">
+        <p14:creationId xmlns:p14="http://schemas.microsoft.com/office/powerpoint/2010/main" val="4015565049"/>
+      </p:ext>
+    </p:extLst>
   </p:cSld>
   <p:clrMapOvr>
     <a:masterClrMapping/>
@@ -1561,7 +2598,7 @@
             <a:fld id="{FC705422-EE29-4556-AA24-78C897E3AEA4}" type="datetime1">
               <a:rPr lang="it-IT" smtClean="0"/>
               <a:pPr lvl="0"/>
-              <a:t>10/11/2018</a:t>
+              <a:t>13/11/2018</a:t>
             </a:fld>
             <a:endParaRPr lang="it-IT"/>
           </a:p>
@@ -1903,7 +2940,7 @@
             <a:fld id="{FC705422-EE29-4556-AA24-78C897E3AEA4}" type="datetime1">
               <a:rPr lang="it-IT" smtClean="0"/>
               <a:pPr lvl="0"/>
-              <a:t>2018/11/10</a:t>
+              <a:t>13/11/2018</a:t>
             </a:fld>
             <a:endParaRPr lang="it-IT"/>
           </a:p>
@@ -2308,7 +3345,7 @@
             <a:fld id="{FC705422-EE29-4556-AA24-78C897E3AEA4}" type="datetime1">
               <a:rPr lang="it-IT" smtClean="0"/>
               <a:pPr lvl="0"/>
-              <a:t>2018/11/10</a:t>
+              <a:t>13/11/2018</a:t>
             </a:fld>
             <a:endParaRPr lang="it-IT"/>
           </a:p>
@@ -2648,7 +3685,7 @@
             <a:fld id="{FC705422-EE29-4556-AA24-78C897E3AEA4}" type="datetime1">
               <a:rPr lang="it-IT" smtClean="0"/>
               <a:pPr lvl="0"/>
-              <a:t>2018/11/10</a:t>
+              <a:t>13/11/2018</a:t>
             </a:fld>
             <a:endParaRPr lang="it-IT"/>
           </a:p>
@@ -2972,7 +4009,7 @@
             <a:fld id="{FC705422-EE29-4556-AA24-78C897E3AEA4}" type="datetime1">
               <a:rPr lang="it-IT" smtClean="0"/>
               <a:pPr lvl="0"/>
-              <a:t>2018/11/10</a:t>
+              <a:t>13/11/2018</a:t>
             </a:fld>
             <a:endParaRPr lang="it-IT"/>
           </a:p>
@@ -3372,7 +4409,7 @@
             <a:fld id="{FC705422-EE29-4556-AA24-78C897E3AEA4}" type="datetime1">
               <a:rPr lang="it-IT" smtClean="0"/>
               <a:pPr lvl="0"/>
-              <a:t>2018/11/10</a:t>
+              <a:t>13/11/2018</a:t>
             </a:fld>
             <a:endParaRPr lang="it-IT"/>
           </a:p>
@@ -3633,7 +4670,7 @@
             <a:fld id="{FC705422-EE29-4556-AA24-78C897E3AEA4}" type="datetime1">
               <a:rPr lang="it-IT" smtClean="0"/>
               <a:pPr lvl="0"/>
-              <a:t>10/11/2018</a:t>
+              <a:t>13/11/2018</a:t>
             </a:fld>
             <a:endParaRPr lang="it-IT"/>
           </a:p>
@@ -3899,7 +4936,7 @@
             <a:fld id="{FC705422-EE29-4556-AA24-78C897E3AEA4}" type="datetime1">
               <a:rPr lang="it-IT" smtClean="0"/>
               <a:pPr lvl="0"/>
-              <a:t>2018/11/10</a:t>
+              <a:t>13/11/2018</a:t>
             </a:fld>
             <a:endParaRPr lang="it-IT"/>
           </a:p>
@@ -4234,7 +5271,7 @@
             <a:fld id="{C3A8BDE6-3BB0-47D2-B966-816121F569E3}" type="datetime1">
               <a:rPr lang="it-IT" smtClean="0"/>
               <a:pPr lvl="0"/>
-              <a:t>10/11/2018</a:t>
+              <a:t>13/11/2018</a:t>
             </a:fld>
             <a:endParaRPr lang="it-IT"/>
           </a:p>
@@ -4505,7 +5542,7 @@
             <a:fld id="{C3A8BDE6-3BB0-47D2-B966-816121F569E3}" type="datetime1">
               <a:rPr lang="it-IT" smtClean="0"/>
               <a:pPr lvl="0"/>
-              <a:t>10/11/2018</a:t>
+              <a:t>13/11/2018</a:t>
             </a:fld>
             <a:endParaRPr lang="it-IT"/>
           </a:p>
@@ -4838,7 +5875,7 @@
             <a:fld id="{C3A8BDE6-3BB0-47D2-B966-816121F569E3}" type="datetime1">
               <a:rPr lang="it-IT" smtClean="0"/>
               <a:pPr lvl="0"/>
-              <a:t>10/11/2018</a:t>
+              <a:t>13/11/2018</a:t>
             </a:fld>
             <a:endParaRPr lang="it-IT"/>
           </a:p>
@@ -5109,7 +6146,7 @@
             <a:fld id="{FC705422-EE29-4556-AA24-78C897E3AEA4}" type="datetime1">
               <a:rPr lang="it-IT" smtClean="0"/>
               <a:pPr lvl="0"/>
-              <a:t>10/11/2018</a:t>
+              <a:t>13/11/2018</a:t>
             </a:fld>
             <a:endParaRPr lang="it-IT"/>
           </a:p>
@@ -5431,7 +6468,7 @@
             <a:fld id="{C3A8BDE6-3BB0-47D2-B966-816121F569E3}" type="datetime1">
               <a:rPr lang="it-IT" smtClean="0"/>
               <a:pPr lvl="0"/>
-              <a:t>10/11/2018</a:t>
+              <a:t>13/11/2018</a:t>
             </a:fld>
             <a:endParaRPr lang="it-IT"/>
           </a:p>
@@ -5892,7 +6929,7 @@
             <a:fld id="{C3A8BDE6-3BB0-47D2-B966-816121F569E3}" type="datetime1">
               <a:rPr lang="it-IT" smtClean="0"/>
               <a:pPr lvl="0"/>
-              <a:t>10/11/2018</a:t>
+              <a:t>13/11/2018</a:t>
             </a:fld>
             <a:endParaRPr lang="it-IT"/>
           </a:p>
@@ -6101,7 +7138,7 @@
             <a:fld id="{C3A8BDE6-3BB0-47D2-B966-816121F569E3}" type="datetime1">
               <a:rPr lang="it-IT" smtClean="0"/>
               <a:pPr lvl="0"/>
-              <a:t>10/11/2018</a:t>
+              <a:t>13/11/2018</a:t>
             </a:fld>
             <a:endParaRPr lang="it-IT"/>
           </a:p>
@@ -6282,7 +7319,7 @@
             <a:fld id="{C3A8BDE6-3BB0-47D2-B966-816121F569E3}" type="datetime1">
               <a:rPr lang="it-IT" smtClean="0"/>
               <a:pPr lvl="0"/>
-              <a:t>10/11/2018</a:t>
+              <a:t>13/11/2018</a:t>
             </a:fld>
             <a:endParaRPr lang="it-IT"/>
           </a:p>
@@ -6620,7 +7657,7 @@
             <a:fld id="{C3A8BDE6-3BB0-47D2-B966-816121F569E3}" type="datetime1">
               <a:rPr lang="it-IT" smtClean="0"/>
               <a:pPr lvl="0"/>
-              <a:t>10/11/2018</a:t>
+              <a:t>13/11/2018</a:t>
             </a:fld>
             <a:endParaRPr lang="it-IT"/>
           </a:p>
@@ -6969,7 +8006,7 @@
             <a:fld id="{C3A8BDE6-3BB0-47D2-B966-816121F569E3}" type="datetime1">
               <a:rPr lang="it-IT" smtClean="0"/>
               <a:pPr lvl="0"/>
-              <a:t>10/11/2018</a:t>
+              <a:t>13/11/2018</a:t>
             </a:fld>
             <a:endParaRPr lang="it-IT"/>
           </a:p>
@@ -7311,7 +8348,7 @@
             <a:fld id="{FC705422-EE29-4556-AA24-78C897E3AEA4}" type="datetime1">
               <a:rPr lang="it-IT" smtClean="0"/>
               <a:pPr lvl="0"/>
-              <a:t>2018/11/10</a:t>
+              <a:t>13/11/2018</a:t>
             </a:fld>
             <a:endParaRPr lang="it-IT"/>
           </a:p>
@@ -7716,7 +8753,7 @@
             <a:fld id="{FC705422-EE29-4556-AA24-78C897E3AEA4}" type="datetime1">
               <a:rPr lang="it-IT" smtClean="0"/>
               <a:pPr lvl="0"/>
-              <a:t>2018/11/10</a:t>
+              <a:t>13/11/2018</a:t>
             </a:fld>
             <a:endParaRPr lang="it-IT"/>
           </a:p>
@@ -8056,7 +9093,7 @@
             <a:fld id="{FC705422-EE29-4556-AA24-78C897E3AEA4}" type="datetime1">
               <a:rPr lang="it-IT" smtClean="0"/>
               <a:pPr lvl="0"/>
-              <a:t>2018/11/10</a:t>
+              <a:t>13/11/2018</a:t>
             </a:fld>
             <a:endParaRPr lang="it-IT"/>
           </a:p>
@@ -8380,7 +9417,7 @@
             <a:fld id="{FC705422-EE29-4556-AA24-78C897E3AEA4}" type="datetime1">
               <a:rPr lang="it-IT" smtClean="0"/>
               <a:pPr lvl="0"/>
-              <a:t>2018/11/10</a:t>
+              <a:t>13/11/2018</a:t>
             </a:fld>
             <a:endParaRPr lang="it-IT"/>
           </a:p>
@@ -8794,7 +9831,7 @@
             <a:fld id="{FC705422-EE29-4556-AA24-78C897E3AEA4}" type="datetime1">
               <a:rPr lang="it-IT" smtClean="0"/>
               <a:pPr lvl="0"/>
-              <a:t>10/11/2018</a:t>
+              <a:t>13/11/2018</a:t>
             </a:fld>
             <a:endParaRPr lang="it-IT"/>
           </a:p>
@@ -9118,7 +10155,7 @@
             <a:fld id="{FC705422-EE29-4556-AA24-78C897E3AEA4}" type="datetime1">
               <a:rPr lang="it-IT" smtClean="0"/>
               <a:pPr lvl="0"/>
-              <a:t>2018/11/10</a:t>
+              <a:t>13/11/2018</a:t>
             </a:fld>
             <a:endParaRPr lang="it-IT"/>
           </a:p>
@@ -9379,7 +10416,7 @@
             <a:fld id="{C3A8BDE6-3BB0-47D2-B966-816121F569E3}" type="datetime1">
               <a:rPr lang="it-IT" smtClean="0"/>
               <a:pPr lvl="0"/>
-              <a:t>10/11/2018</a:t>
+              <a:t>13/11/2018</a:t>
             </a:fld>
             <a:endParaRPr lang="it-IT"/>
           </a:p>
@@ -9645,7 +10682,7 @@
             <a:fld id="{C3A8BDE6-3BB0-47D2-B966-816121F569E3}" type="datetime1">
               <a:rPr lang="it-IT" smtClean="0"/>
               <a:pPr lvl="0"/>
-              <a:t>2018/11/10</a:t>
+              <a:t>13/11/2018</a:t>
             </a:fld>
             <a:endParaRPr lang="it-IT"/>
           </a:p>
@@ -9967,7 +11004,7 @@
             <a:fld id="{FC705422-EE29-4556-AA24-78C897E3AEA4}" type="datetime1">
               <a:rPr lang="it-IT" smtClean="0"/>
               <a:pPr lvl="0"/>
-              <a:t>10/11/2018</a:t>
+              <a:t>13/11/2018</a:t>
             </a:fld>
             <a:endParaRPr lang="it-IT"/>
           </a:p>
@@ -10428,7 +11465,7 @@
             <a:fld id="{FC705422-EE29-4556-AA24-78C897E3AEA4}" type="datetime1">
               <a:rPr lang="it-IT" smtClean="0"/>
               <a:pPr lvl="0"/>
-              <a:t>10/11/2018</a:t>
+              <a:t>13/11/2018</a:t>
             </a:fld>
             <a:endParaRPr lang="it-IT"/>
           </a:p>
@@ -10637,7 +11674,7 @@
             <a:fld id="{FC705422-EE29-4556-AA24-78C897E3AEA4}" type="datetime1">
               <a:rPr lang="it-IT" smtClean="0"/>
               <a:pPr lvl="0"/>
-              <a:t>10/11/2018</a:t>
+              <a:t>13/11/2018</a:t>
             </a:fld>
             <a:endParaRPr lang="it-IT"/>
           </a:p>
@@ -10818,7 +11855,7 @@
             <a:fld id="{FC705422-EE29-4556-AA24-78C897E3AEA4}" type="datetime1">
               <a:rPr lang="it-IT" smtClean="0"/>
               <a:pPr lvl="0"/>
-              <a:t>10/11/2018</a:t>
+              <a:t>13/11/2018</a:t>
             </a:fld>
             <a:endParaRPr lang="it-IT"/>
           </a:p>
@@ -11156,7 +12193,7 @@
             <a:fld id="{FC705422-EE29-4556-AA24-78C897E3AEA4}" type="datetime1">
               <a:rPr lang="it-IT" smtClean="0"/>
               <a:pPr lvl="0"/>
-              <a:t>10/11/2018</a:t>
+              <a:t>13/11/2018</a:t>
             </a:fld>
             <a:endParaRPr lang="it-IT"/>
           </a:p>
@@ -11505,7 +12542,7 @@
             <a:fld id="{FC705422-EE29-4556-AA24-78C897E3AEA4}" type="datetime1">
               <a:rPr lang="it-IT" smtClean="0"/>
               <a:pPr lvl="0"/>
-              <a:t>10/11/2018</a:t>
+              <a:t>13/11/2018</a:t>
             </a:fld>
             <a:endParaRPr lang="it-IT"/>
           </a:p>
@@ -13626,7 +14663,7 @@
             <a:fld id="{FC705422-EE29-4556-AA24-78C897E3AEA4}" type="datetime1">
               <a:rPr lang="it-IT" smtClean="0"/>
               <a:pPr lvl="0"/>
-              <a:t>2018/11/10</a:t>
+              <a:t>13/11/2018</a:t>
             </a:fld>
             <a:endParaRPr lang="it-IT"/>
           </a:p>
@@ -16100,7 +17137,7 @@
             <a:fld id="{FC705422-EE29-4556-AA24-78C897E3AEA4}" type="datetime1">
               <a:rPr lang="it-IT" smtClean="0"/>
               <a:pPr lvl="0"/>
-              <a:t>2018/11/10</a:t>
+              <a:t>13/11/2018</a:t>
             </a:fld>
             <a:endParaRPr lang="it-IT"/>
           </a:p>
@@ -16740,6 +17777,629 @@
 </p:sld>
 </file>
 
+<file path=ppt/slides/slide10.xml><?xml version="1.0" encoding="utf-8"?>
+<p:sld xmlns:a="http://schemas.openxmlformats.org/drawingml/2006/main" xmlns:r="http://schemas.openxmlformats.org/officeDocument/2006/relationships" xmlns:p="http://schemas.openxmlformats.org/presentationml/2006/main">
+  <p:cSld>
+    <p:bg>
+      <p:bgPr>
+        <a:gradFill rotWithShape="1">
+          <a:gsLst>
+            <a:gs pos="0">
+              <a:schemeClr val="bg2">
+                <a:tint val="90000"/>
+                <a:satMod val="92000"/>
+                <a:lumMod val="120000"/>
+              </a:schemeClr>
+            </a:gs>
+            <a:gs pos="100000">
+              <a:schemeClr val="bg2">
+                <a:shade val="98000"/>
+                <a:satMod val="120000"/>
+                <a:lumMod val="66000"/>
+                <a:lumOff val="34000"/>
+              </a:schemeClr>
+            </a:gs>
+          </a:gsLst>
+          <a:path path="circle">
+            <a:fillToRect l="50000" t="50000" r="100000" b="100000"/>
+          </a:path>
+        </a:gradFill>
+        <a:effectLst/>
+      </p:bgPr>
+    </p:bg>
+    <p:spTree>
+      <p:nvGrpSpPr>
+        <p:cNvPr id="1" name=""/>
+        <p:cNvGrpSpPr/>
+        <p:nvPr/>
+      </p:nvGrpSpPr>
+      <p:grpSpPr>
+        <a:xfrm>
+          <a:off x="0" y="0"/>
+          <a:ext cx="0" cy="0"/>
+          <a:chOff x="0" y="0"/>
+          <a:chExt cx="0" cy="0"/>
+        </a:xfrm>
+      </p:grpSpPr>
+      <p:sp>
+        <p:nvSpPr>
+          <p:cNvPr id="2" name="Titolo 1">
+            <a:extLst>
+              <a:ext uri="{FF2B5EF4-FFF2-40B4-BE49-F238E27FC236}">
+                <a16:creationId xmlns:a16="http://schemas.microsoft.com/office/drawing/2014/main" id="{A9A2AE18-01FE-40DC-A465-66F5C4AA9BA2}"/>
+              </a:ext>
+            </a:extLst>
+          </p:cNvPr>
+          <p:cNvSpPr txBox="1">
+            <a:spLocks noGrp="1"/>
+          </p:cNvSpPr>
+          <p:nvPr>
+            <p:ph type="title" idx="4294967295"/>
+          </p:nvPr>
+        </p:nvSpPr>
+        <p:spPr>
+          <a:xfrm>
+            <a:off x="3279775" y="623888"/>
+            <a:ext cx="8912225" cy="1281112"/>
+          </a:xfrm>
+        </p:spPr>
+        <p:txBody>
+          <a:bodyPr/>
+          <a:lstStyle/>
+          <a:p>
+            <a:pPr lvl="0"/>
+            <a:r>
+              <a:rPr lang="en-US" dirty="0" err="1" smtClean="0"/>
+              <a:t>Riutilizzabilità</a:t>
+            </a:r>
+            <a:r>
+              <a:rPr lang="en-US" dirty="0" smtClean="0"/>
+              <a:t> del </a:t>
+            </a:r>
+            <a:r>
+              <a:rPr lang="en-US" dirty="0" err="1" smtClean="0"/>
+              <a:t>Codice</a:t>
+            </a:r>
+            <a:endParaRPr lang="en-US" dirty="0"/>
+          </a:p>
+        </p:txBody>
+      </p:sp>
+      <p:sp>
+        <p:nvSpPr>
+          <p:cNvPr id="3" name="Segnaposto contenuto 2">
+            <a:extLst>
+              <a:ext uri="{FF2B5EF4-FFF2-40B4-BE49-F238E27FC236}">
+                <a16:creationId xmlns:a16="http://schemas.microsoft.com/office/drawing/2014/main" id="{9FD96C0F-73F9-452F-A6FE-405DB0FE0C4C}"/>
+              </a:ext>
+            </a:extLst>
+          </p:cNvPr>
+          <p:cNvSpPr txBox="1">
+            <a:spLocks noGrp="1"/>
+          </p:cNvSpPr>
+          <p:nvPr>
+            <p:ph type="body" idx="4294967295"/>
+          </p:nvPr>
+        </p:nvSpPr>
+        <p:spPr>
+          <a:xfrm>
+            <a:off x="3276600" y="2133600"/>
+            <a:ext cx="8915400" cy="4583084"/>
+          </a:xfrm>
+        </p:spPr>
+        <p:txBody>
+          <a:bodyPr>
+            <a:normAutofit/>
+          </a:bodyPr>
+          <a:lstStyle/>
+          <a:p>
+            <a:r>
+              <a:rPr lang="it-IT" dirty="0"/>
+              <a:t>Un altro esempio, di classe questa volta, è '</a:t>
+            </a:r>
+            <a:r>
+              <a:rPr lang="it-IT" dirty="0" err="1"/>
+              <a:t>UtilityDB</a:t>
+            </a:r>
+            <a:r>
+              <a:rPr lang="it-IT" dirty="0"/>
+              <a:t>' il quale prevede tutte le funzionalità necessarie per creare una connessione ed chiuderla per un DB di tipo Oracle 11g.</a:t>
+            </a:r>
+          </a:p>
+          <a:p>
+            <a:endParaRPr lang="it-IT" dirty="0"/>
+          </a:p>
+          <a:p>
+            <a:endParaRPr lang="it-IT" dirty="0" smtClean="0"/>
+          </a:p>
+          <a:p>
+            <a:endParaRPr lang="it-IT" dirty="0"/>
+          </a:p>
+          <a:p>
+            <a:endParaRPr lang="it-IT" dirty="0" smtClean="0"/>
+          </a:p>
+          <a:p>
+            <a:endParaRPr lang="it-IT" dirty="0" smtClean="0"/>
+          </a:p>
+          <a:p>
+            <a:endParaRPr lang="it-IT" dirty="0"/>
+          </a:p>
+          <a:p>
+            <a:pPr marL="0" indent="0">
+              <a:buNone/>
+            </a:pPr>
+            <a:endParaRPr lang="it-IT" dirty="0" smtClean="0"/>
+          </a:p>
+        </p:txBody>
+      </p:sp>
+      <p:pic>
+        <p:nvPicPr>
+          <p:cNvPr id="22" name="Immagine 21"/>
+          <p:cNvPicPr>
+            <a:picLocks noChangeAspect="1"/>
+          </p:cNvPicPr>
+          <p:nvPr/>
+        </p:nvPicPr>
+        <p:blipFill>
+          <a:blip r:embed="rId3">
+            <a:extLst>
+              <a:ext uri="{28A0092B-C50C-407E-A947-70E740481C1C}">
+                <a14:useLocalDpi xmlns:a14="http://schemas.microsoft.com/office/drawing/2010/main" val="0"/>
+              </a:ext>
+            </a:extLst>
+          </a:blip>
+          <a:stretch>
+            <a:fillRect/>
+          </a:stretch>
+        </p:blipFill>
+        <p:spPr>
+          <a:xfrm>
+            <a:off x="5007316" y="3865416"/>
+            <a:ext cx="4059620" cy="1963907"/>
+          </a:xfrm>
+          <a:prstGeom prst="rect">
+            <a:avLst/>
+          </a:prstGeom>
+        </p:spPr>
+      </p:pic>
+    </p:spTree>
+    <p:extLst>
+      <p:ext uri="{BB962C8B-B14F-4D97-AF65-F5344CB8AC3E}">
+        <p14:creationId xmlns:p14="http://schemas.microsoft.com/office/powerpoint/2010/main" val="3935245340"/>
+      </p:ext>
+    </p:extLst>
+  </p:cSld>
+  <p:clrMapOvr>
+    <a:masterClrMapping/>
+  </p:clrMapOvr>
+  <p:timing>
+    <p:tnLst>
+      <p:par>
+        <p:cTn id="1" dur="indefinite" restart="never" nodeType="tmRoot"/>
+      </p:par>
+    </p:tnLst>
+  </p:timing>
+</p:sld>
+</file>
+
+<file path=ppt/slides/slide11.xml><?xml version="1.0" encoding="utf-8"?>
+<p:sld xmlns:a="http://schemas.openxmlformats.org/drawingml/2006/main" xmlns:r="http://schemas.openxmlformats.org/officeDocument/2006/relationships" xmlns:p="http://schemas.openxmlformats.org/presentationml/2006/main">
+  <p:cSld>
+    <p:bg>
+      <p:bgPr>
+        <a:gradFill rotWithShape="1">
+          <a:gsLst>
+            <a:gs pos="0">
+              <a:schemeClr val="bg2">
+                <a:tint val="90000"/>
+                <a:satMod val="92000"/>
+                <a:lumMod val="120000"/>
+              </a:schemeClr>
+            </a:gs>
+            <a:gs pos="100000">
+              <a:schemeClr val="bg2">
+                <a:shade val="98000"/>
+                <a:satMod val="120000"/>
+                <a:lumMod val="66000"/>
+                <a:lumOff val="34000"/>
+              </a:schemeClr>
+            </a:gs>
+          </a:gsLst>
+          <a:path path="circle">
+            <a:fillToRect l="50000" t="50000" r="100000" b="100000"/>
+          </a:path>
+        </a:gradFill>
+        <a:effectLst/>
+      </p:bgPr>
+    </p:bg>
+    <p:spTree>
+      <p:nvGrpSpPr>
+        <p:cNvPr id="1" name=""/>
+        <p:cNvGrpSpPr/>
+        <p:nvPr/>
+      </p:nvGrpSpPr>
+      <p:grpSpPr>
+        <a:xfrm>
+          <a:off x="0" y="0"/>
+          <a:ext cx="0" cy="0"/>
+          <a:chOff x="0" y="0"/>
+          <a:chExt cx="0" cy="0"/>
+        </a:xfrm>
+      </p:grpSpPr>
+      <p:sp>
+        <p:nvSpPr>
+          <p:cNvPr id="2" name="Titolo 1">
+            <a:extLst>
+              <a:ext uri="{FF2B5EF4-FFF2-40B4-BE49-F238E27FC236}">
+                <a16:creationId xmlns:a16="http://schemas.microsoft.com/office/drawing/2014/main" id="{A9A2AE18-01FE-40DC-A465-66F5C4AA9BA2}"/>
+              </a:ext>
+            </a:extLst>
+          </p:cNvPr>
+          <p:cNvSpPr txBox="1">
+            <a:spLocks noGrp="1"/>
+          </p:cNvSpPr>
+          <p:nvPr>
+            <p:ph type="title" idx="4294967295"/>
+          </p:nvPr>
+        </p:nvSpPr>
+        <p:spPr>
+          <a:xfrm>
+            <a:off x="3279775" y="623888"/>
+            <a:ext cx="8912225" cy="1281112"/>
+          </a:xfrm>
+        </p:spPr>
+        <p:txBody>
+          <a:bodyPr/>
+          <a:lstStyle/>
+          <a:p>
+            <a:pPr lvl="0"/>
+            <a:r>
+              <a:rPr lang="en-US" dirty="0" err="1" smtClean="0"/>
+              <a:t>Riutilizzabilità</a:t>
+            </a:r>
+            <a:r>
+              <a:rPr lang="en-US" dirty="0" smtClean="0"/>
+              <a:t> del </a:t>
+            </a:r>
+            <a:r>
+              <a:rPr lang="en-US" dirty="0" err="1" smtClean="0"/>
+              <a:t>Codice</a:t>
+            </a:r>
+            <a:endParaRPr lang="en-US" dirty="0"/>
+          </a:p>
+        </p:txBody>
+      </p:sp>
+      <p:sp>
+        <p:nvSpPr>
+          <p:cNvPr id="3" name="Segnaposto contenuto 2">
+            <a:extLst>
+              <a:ext uri="{FF2B5EF4-FFF2-40B4-BE49-F238E27FC236}">
+                <a16:creationId xmlns:a16="http://schemas.microsoft.com/office/drawing/2014/main" id="{9FD96C0F-73F9-452F-A6FE-405DB0FE0C4C}"/>
+              </a:ext>
+            </a:extLst>
+          </p:cNvPr>
+          <p:cNvSpPr txBox="1">
+            <a:spLocks noGrp="1"/>
+          </p:cNvSpPr>
+          <p:nvPr>
+            <p:ph type="body" idx="4294967295"/>
+          </p:nvPr>
+        </p:nvSpPr>
+        <p:spPr>
+          <a:xfrm>
+            <a:off x="3276600" y="2133600"/>
+            <a:ext cx="8915400" cy="4657898"/>
+          </a:xfrm>
+        </p:spPr>
+        <p:txBody>
+          <a:bodyPr>
+            <a:normAutofit/>
+          </a:bodyPr>
+          <a:lstStyle/>
+          <a:p>
+            <a:r>
+              <a:rPr lang="it-IT" dirty="0"/>
+              <a:t>Abbiamo usato molto l'ereditarietà per rappresentare le varie </a:t>
+            </a:r>
+            <a:r>
+              <a:rPr lang="it-IT" dirty="0" smtClean="0"/>
+              <a:t>Entità:</a:t>
+            </a:r>
+          </a:p>
+          <a:p>
+            <a:endParaRPr lang="it-IT" dirty="0"/>
+          </a:p>
+          <a:p>
+            <a:endParaRPr lang="it-IT" dirty="0" smtClean="0"/>
+          </a:p>
+          <a:p>
+            <a:endParaRPr lang="it-IT" dirty="0"/>
+          </a:p>
+          <a:p>
+            <a:endParaRPr lang="it-IT" dirty="0" smtClean="0"/>
+          </a:p>
+          <a:p>
+            <a:endParaRPr lang="it-IT" dirty="0"/>
+          </a:p>
+          <a:p>
+            <a:endParaRPr lang="it-IT" dirty="0" smtClean="0"/>
+          </a:p>
+          <a:p>
+            <a:endParaRPr lang="it-IT" dirty="0"/>
+          </a:p>
+          <a:p>
+            <a:endParaRPr lang="it-IT" dirty="0" smtClean="0"/>
+          </a:p>
+          <a:p>
+            <a:endParaRPr lang="it-IT" dirty="0"/>
+          </a:p>
+          <a:p>
+            <a:r>
+              <a:rPr lang="it-IT" dirty="0"/>
+              <a:t>In questo modo possiamo utilizzare le singole sottoclassi qualora fosse necessario una entità con caratteristiche simili.</a:t>
+            </a:r>
+          </a:p>
+          <a:p>
+            <a:endParaRPr lang="it-IT" dirty="0"/>
+          </a:p>
+          <a:p>
+            <a:endParaRPr lang="it-IT" dirty="0" smtClean="0"/>
+          </a:p>
+          <a:p>
+            <a:endParaRPr lang="it-IT" dirty="0"/>
+          </a:p>
+          <a:p>
+            <a:endParaRPr lang="it-IT" dirty="0" smtClean="0"/>
+          </a:p>
+          <a:p>
+            <a:endParaRPr lang="it-IT" dirty="0" smtClean="0"/>
+          </a:p>
+          <a:p>
+            <a:endParaRPr lang="it-IT" dirty="0"/>
+          </a:p>
+          <a:p>
+            <a:pPr marL="0" indent="0">
+              <a:buNone/>
+            </a:pPr>
+            <a:endParaRPr lang="it-IT" dirty="0" smtClean="0"/>
+          </a:p>
+        </p:txBody>
+      </p:sp>
+      <p:pic>
+        <p:nvPicPr>
+          <p:cNvPr id="4" name="Immagine 3"/>
+          <p:cNvPicPr>
+            <a:picLocks noChangeAspect="1"/>
+          </p:cNvPicPr>
+          <p:nvPr/>
+        </p:nvPicPr>
+        <p:blipFill>
+          <a:blip r:embed="rId3">
+            <a:extLst>
+              <a:ext uri="{28A0092B-C50C-407E-A947-70E740481C1C}">
+                <a14:useLocalDpi xmlns:a14="http://schemas.microsoft.com/office/drawing/2010/main" val="0"/>
+              </a:ext>
+            </a:extLst>
+          </a:blip>
+          <a:stretch>
+            <a:fillRect/>
+          </a:stretch>
+        </p:blipFill>
+        <p:spPr>
+          <a:xfrm>
+            <a:off x="4690667" y="2642121"/>
+            <a:ext cx="5301231" cy="3258673"/>
+          </a:xfrm>
+          <a:prstGeom prst="rect">
+            <a:avLst/>
+          </a:prstGeom>
+        </p:spPr>
+      </p:pic>
+    </p:spTree>
+    <p:extLst>
+      <p:ext uri="{BB962C8B-B14F-4D97-AF65-F5344CB8AC3E}">
+        <p14:creationId xmlns:p14="http://schemas.microsoft.com/office/powerpoint/2010/main" val="1330017933"/>
+      </p:ext>
+    </p:extLst>
+  </p:cSld>
+  <p:clrMapOvr>
+    <a:masterClrMapping/>
+  </p:clrMapOvr>
+  <p:timing>
+    <p:tnLst>
+      <p:par>
+        <p:cTn id="1" dur="indefinite" restart="never" nodeType="tmRoot"/>
+      </p:par>
+    </p:tnLst>
+  </p:timing>
+</p:sld>
+</file>
+
+<file path=ppt/slides/slide12.xml><?xml version="1.0" encoding="utf-8"?>
+<p:sld xmlns:a="http://schemas.openxmlformats.org/drawingml/2006/main" xmlns:r="http://schemas.openxmlformats.org/officeDocument/2006/relationships" xmlns:p="http://schemas.openxmlformats.org/presentationml/2006/main">
+  <p:cSld>
+    <p:bg>
+      <p:bgPr>
+        <a:gradFill rotWithShape="1">
+          <a:gsLst>
+            <a:gs pos="0">
+              <a:schemeClr val="bg2">
+                <a:tint val="90000"/>
+                <a:satMod val="92000"/>
+                <a:lumMod val="120000"/>
+              </a:schemeClr>
+            </a:gs>
+            <a:gs pos="100000">
+              <a:schemeClr val="bg2">
+                <a:shade val="98000"/>
+                <a:satMod val="120000"/>
+                <a:lumMod val="66000"/>
+                <a:lumOff val="34000"/>
+              </a:schemeClr>
+            </a:gs>
+          </a:gsLst>
+          <a:path path="circle">
+            <a:fillToRect l="50000" t="50000" r="100000" b="100000"/>
+          </a:path>
+        </a:gradFill>
+        <a:effectLst/>
+      </p:bgPr>
+    </p:bg>
+    <p:spTree>
+      <p:nvGrpSpPr>
+        <p:cNvPr id="1" name=""/>
+        <p:cNvGrpSpPr/>
+        <p:nvPr/>
+      </p:nvGrpSpPr>
+      <p:grpSpPr>
+        <a:xfrm>
+          <a:off x="0" y="0"/>
+          <a:ext cx="0" cy="0"/>
+          <a:chOff x="0" y="0"/>
+          <a:chExt cx="0" cy="0"/>
+        </a:xfrm>
+      </p:grpSpPr>
+      <p:sp>
+        <p:nvSpPr>
+          <p:cNvPr id="2" name="Titolo 1">
+            <a:extLst>
+              <a:ext uri="{FF2B5EF4-FFF2-40B4-BE49-F238E27FC236}">
+                <a16:creationId xmlns:a16="http://schemas.microsoft.com/office/drawing/2014/main" id="{A9A2AE18-01FE-40DC-A465-66F5C4AA9BA2}"/>
+              </a:ext>
+            </a:extLst>
+          </p:cNvPr>
+          <p:cNvSpPr txBox="1">
+            <a:spLocks noGrp="1"/>
+          </p:cNvSpPr>
+          <p:nvPr>
+            <p:ph type="title" idx="4294967295"/>
+          </p:nvPr>
+        </p:nvSpPr>
+        <p:spPr>
+          <a:xfrm>
+            <a:off x="3279775" y="623888"/>
+            <a:ext cx="8912225" cy="1281112"/>
+          </a:xfrm>
+        </p:spPr>
+        <p:txBody>
+          <a:bodyPr/>
+          <a:lstStyle/>
+          <a:p>
+            <a:pPr lvl="0"/>
+            <a:r>
+              <a:rPr lang="en-US" dirty="0" err="1" smtClean="0"/>
+              <a:t>Manutenibilità</a:t>
+            </a:r>
+            <a:r>
+              <a:rPr lang="en-US" dirty="0" smtClean="0"/>
+              <a:t> del </a:t>
+            </a:r>
+            <a:r>
+              <a:rPr lang="en-US" dirty="0" err="1" smtClean="0"/>
+              <a:t>Codice</a:t>
+            </a:r>
+            <a:endParaRPr lang="en-US" dirty="0"/>
+          </a:p>
+        </p:txBody>
+      </p:sp>
+      <p:sp>
+        <p:nvSpPr>
+          <p:cNvPr id="3" name="Segnaposto contenuto 2">
+            <a:extLst>
+              <a:ext uri="{FF2B5EF4-FFF2-40B4-BE49-F238E27FC236}">
+                <a16:creationId xmlns:a16="http://schemas.microsoft.com/office/drawing/2014/main" id="{9FD96C0F-73F9-452F-A6FE-405DB0FE0C4C}"/>
+              </a:ext>
+            </a:extLst>
+          </p:cNvPr>
+          <p:cNvSpPr txBox="1">
+            <a:spLocks noGrp="1"/>
+          </p:cNvSpPr>
+          <p:nvPr>
+            <p:ph type="body" idx="4294967295"/>
+          </p:nvPr>
+        </p:nvSpPr>
+        <p:spPr>
+          <a:xfrm>
+            <a:off x="3276600" y="2133600"/>
+            <a:ext cx="8915400" cy="4583084"/>
+          </a:xfrm>
+        </p:spPr>
+        <p:txBody>
+          <a:bodyPr>
+            <a:normAutofit/>
+          </a:bodyPr>
+          <a:lstStyle/>
+          <a:p>
+            <a:r>
+              <a:rPr lang="it-IT" dirty="0"/>
+              <a:t>Come obiettivo di ottenere una alta coesione e un basso accoppiamento, utilizzando anche la Legge di Demetra per mantenere queste proprietà, abbiamo reso il più possibile il codice facile da mantenere e modificare per futuri </a:t>
+            </a:r>
+            <a:r>
+              <a:rPr lang="it-IT" dirty="0" smtClean="0"/>
+              <a:t>cambiamenti.</a:t>
+            </a:r>
+            <a:endParaRPr lang="it-IT" dirty="0"/>
+          </a:p>
+          <a:p>
+            <a:r>
+              <a:rPr lang="it-IT" dirty="0"/>
+              <a:t>Ogni Classe e Metodo si occuperà di un solo compito preciso, e si farà aiutare da eventuali altri moduli per </a:t>
+            </a:r>
+            <a:r>
+              <a:rPr lang="it-IT" dirty="0" smtClean="0"/>
+              <a:t>completarlo</a:t>
+            </a:r>
+            <a:r>
+              <a:rPr lang="it-IT" dirty="0"/>
+              <a:t>.</a:t>
+            </a:r>
+            <a:br>
+              <a:rPr lang="it-IT" dirty="0"/>
+            </a:br>
+            <a:endParaRPr lang="it-IT" dirty="0"/>
+          </a:p>
+          <a:p>
+            <a:endParaRPr lang="it-IT" dirty="0" smtClean="0"/>
+          </a:p>
+          <a:p>
+            <a:endParaRPr lang="it-IT" dirty="0"/>
+          </a:p>
+          <a:p>
+            <a:endParaRPr lang="it-IT" dirty="0" smtClean="0"/>
+          </a:p>
+          <a:p>
+            <a:endParaRPr lang="it-IT" dirty="0" smtClean="0"/>
+          </a:p>
+          <a:p>
+            <a:endParaRPr lang="it-IT" dirty="0"/>
+          </a:p>
+          <a:p>
+            <a:pPr marL="0" indent="0">
+              <a:buNone/>
+            </a:pPr>
+            <a:endParaRPr lang="it-IT" dirty="0" smtClean="0"/>
+          </a:p>
+        </p:txBody>
+      </p:sp>
+    </p:spTree>
+    <p:extLst>
+      <p:ext uri="{BB962C8B-B14F-4D97-AF65-F5344CB8AC3E}">
+        <p14:creationId xmlns:p14="http://schemas.microsoft.com/office/powerpoint/2010/main" val="3827840192"/>
+      </p:ext>
+    </p:extLst>
+  </p:cSld>
+  <p:clrMapOvr>
+    <a:masterClrMapping/>
+  </p:clrMapOvr>
+  <p:timing>
+    <p:tnLst>
+      <p:par>
+        <p:cTn id="1" dur="indefinite" restart="never" nodeType="tmRoot"/>
+      </p:par>
+    </p:tnLst>
+  </p:timing>
+</p:sld>
+</file>
+
 <file path=ppt/slides/slide2.xml><?xml version="1.0" encoding="utf-8"?>
 <p:sld xmlns:a="http://schemas.openxmlformats.org/drawingml/2006/main" xmlns:r="http://schemas.openxmlformats.org/officeDocument/2006/relationships" xmlns:p="http://schemas.openxmlformats.org/presentationml/2006/main">
   <p:cSld name="page2">
@@ -19563,8 +21223,20 @@
           <a:p>
             <a:pPr lvl="0"/>
             <a:r>
-              <a:rPr lang="en-US"/>
-              <a:t>Scelta dei Design Pattern</a:t>
+              <a:rPr lang="en-US" dirty="0" err="1"/>
+              <a:t>Scelta</a:t>
+            </a:r>
+            <a:r>
+              <a:rPr lang="en-US" dirty="0"/>
+              <a:t> </a:t>
+            </a:r>
+            <a:r>
+              <a:rPr lang="en-US" dirty="0" err="1"/>
+              <a:t>dei</a:t>
+            </a:r>
+            <a:r>
+              <a:rPr lang="en-US" dirty="0"/>
+              <a:t> Design Pattern</a:t>
             </a:r>
           </a:p>
         </p:txBody>
@@ -21007,6 +22679,458 @@
         </p:style>
       </p:cxnSp>
     </p:spTree>
+  </p:cSld>
+  <p:clrMapOvr>
+    <a:masterClrMapping/>
+  </p:clrMapOvr>
+</p:sld>
+</file>
+
+<file path=ppt/slides/slide7.xml><?xml version="1.0" encoding="utf-8"?>
+<p:sld xmlns:a="http://schemas.openxmlformats.org/drawingml/2006/main" xmlns:r="http://schemas.openxmlformats.org/officeDocument/2006/relationships" xmlns:p="http://schemas.openxmlformats.org/presentationml/2006/main">
+  <p:cSld>
+    <p:bg>
+      <p:bgPr>
+        <a:gradFill rotWithShape="1">
+          <a:gsLst>
+            <a:gs pos="0">
+              <a:schemeClr val="bg2">
+                <a:tint val="90000"/>
+                <a:satMod val="92000"/>
+                <a:lumMod val="120000"/>
+              </a:schemeClr>
+            </a:gs>
+            <a:gs pos="100000">
+              <a:schemeClr val="bg2">
+                <a:shade val="98000"/>
+                <a:satMod val="120000"/>
+                <a:lumMod val="66000"/>
+                <a:lumOff val="34000"/>
+              </a:schemeClr>
+            </a:gs>
+          </a:gsLst>
+          <a:path path="circle">
+            <a:fillToRect l="50000" t="50000" r="100000" b="100000"/>
+          </a:path>
+        </a:gradFill>
+        <a:effectLst/>
+      </p:bgPr>
+    </p:bg>
+    <p:spTree>
+      <p:nvGrpSpPr>
+        <p:cNvPr id="1" name=""/>
+        <p:cNvGrpSpPr/>
+        <p:nvPr/>
+      </p:nvGrpSpPr>
+      <p:grpSpPr>
+        <a:xfrm>
+          <a:off x="0" y="0"/>
+          <a:ext cx="0" cy="0"/>
+          <a:chOff x="0" y="0"/>
+          <a:chExt cx="0" cy="0"/>
+        </a:xfrm>
+      </p:grpSpPr>
+      <p:sp>
+        <p:nvSpPr>
+          <p:cNvPr id="2" name="Titolo 1">
+            <a:extLst>
+              <a:ext uri="{FF2B5EF4-FFF2-40B4-BE49-F238E27FC236}">
+                <a16:creationId xmlns:a16="http://schemas.microsoft.com/office/drawing/2014/main" id="{A9A2AE18-01FE-40DC-A465-66F5C4AA9BA2}"/>
+              </a:ext>
+            </a:extLst>
+          </p:cNvPr>
+          <p:cNvSpPr txBox="1">
+            <a:spLocks noGrp="1"/>
+          </p:cNvSpPr>
+          <p:nvPr>
+            <p:ph type="title" idx="4294967295"/>
+          </p:nvPr>
+        </p:nvSpPr>
+        <p:spPr>
+          <a:xfrm>
+            <a:off x="3279775" y="623888"/>
+            <a:ext cx="8912225" cy="1281112"/>
+          </a:xfrm>
+        </p:spPr>
+        <p:txBody>
+          <a:bodyPr/>
+          <a:lstStyle/>
+          <a:p>
+            <a:pPr lvl="0"/>
+            <a:r>
+              <a:rPr lang="en-US" dirty="0" err="1" smtClean="0"/>
+              <a:t>Riutilizzabilità</a:t>
+            </a:r>
+            <a:r>
+              <a:rPr lang="en-US" dirty="0" smtClean="0"/>
+              <a:t> del </a:t>
+            </a:r>
+            <a:r>
+              <a:rPr lang="en-US" dirty="0" err="1" smtClean="0"/>
+              <a:t>Codice</a:t>
+            </a:r>
+            <a:endParaRPr lang="en-US" dirty="0"/>
+          </a:p>
+        </p:txBody>
+      </p:sp>
+      <p:sp>
+        <p:nvSpPr>
+          <p:cNvPr id="3" name="Segnaposto contenuto 2">
+            <a:extLst>
+              <a:ext uri="{FF2B5EF4-FFF2-40B4-BE49-F238E27FC236}">
+                <a16:creationId xmlns:a16="http://schemas.microsoft.com/office/drawing/2014/main" id="{9FD96C0F-73F9-452F-A6FE-405DB0FE0C4C}"/>
+              </a:ext>
+            </a:extLst>
+          </p:cNvPr>
+          <p:cNvSpPr txBox="1">
+            <a:spLocks noGrp="1"/>
+          </p:cNvSpPr>
+          <p:nvPr>
+            <p:ph type="body" idx="4294967295"/>
+          </p:nvPr>
+        </p:nvSpPr>
+        <p:spPr>
+          <a:xfrm>
+            <a:off x="3276600" y="2133600"/>
+            <a:ext cx="8915400" cy="4583084"/>
+          </a:xfrm>
+        </p:spPr>
+        <p:txBody>
+          <a:bodyPr/>
+          <a:lstStyle/>
+          <a:p>
+            <a:r>
+              <a:rPr lang="it-IT" dirty="0"/>
+              <a:t>Un esempio di codice riutilizzabile è la funzionalità di Login</a:t>
+            </a:r>
+            <a:r>
+              <a:rPr lang="it-IT" dirty="0" smtClean="0"/>
+              <a:t>:</a:t>
+            </a:r>
+          </a:p>
+          <a:p>
+            <a:endParaRPr lang="it-IT" dirty="0"/>
+          </a:p>
+          <a:p>
+            <a:endParaRPr lang="it-IT" dirty="0" smtClean="0"/>
+          </a:p>
+          <a:p>
+            <a:endParaRPr lang="it-IT" dirty="0"/>
+          </a:p>
+          <a:p>
+            <a:endParaRPr lang="it-IT" dirty="0" smtClean="0"/>
+          </a:p>
+          <a:p>
+            <a:endParaRPr lang="it-IT" dirty="0" smtClean="0"/>
+          </a:p>
+          <a:p>
+            <a:endParaRPr lang="it-IT" dirty="0"/>
+          </a:p>
+          <a:p>
+            <a:endParaRPr lang="it-IT" dirty="0" smtClean="0"/>
+          </a:p>
+          <a:p>
+            <a:endParaRPr lang="it-IT" dirty="0" smtClean="0"/>
+          </a:p>
+        </p:txBody>
+      </p:sp>
+    </p:spTree>
+    <p:extLst>
+      <p:ext uri="{BB962C8B-B14F-4D97-AF65-F5344CB8AC3E}">
+        <p14:creationId xmlns:p14="http://schemas.microsoft.com/office/powerpoint/2010/main" val="2901190215"/>
+      </p:ext>
+    </p:extLst>
+  </p:cSld>
+  <p:clrMapOvr>
+    <a:masterClrMapping/>
+  </p:clrMapOvr>
+</p:sld>
+</file>
+
+<file path=ppt/slides/slide8.xml><?xml version="1.0" encoding="utf-8"?>
+<p:sld xmlns:a="http://schemas.openxmlformats.org/drawingml/2006/main" xmlns:r="http://schemas.openxmlformats.org/officeDocument/2006/relationships" xmlns:p="http://schemas.openxmlformats.org/presentationml/2006/main">
+  <p:cSld>
+    <p:bg>
+      <p:bgPr>
+        <a:gradFill rotWithShape="1">
+          <a:gsLst>
+            <a:gs pos="0">
+              <a:schemeClr val="bg2">
+                <a:tint val="90000"/>
+                <a:satMod val="92000"/>
+                <a:lumMod val="120000"/>
+              </a:schemeClr>
+            </a:gs>
+            <a:gs pos="100000">
+              <a:schemeClr val="bg2">
+                <a:shade val="98000"/>
+                <a:satMod val="120000"/>
+                <a:lumMod val="66000"/>
+                <a:lumOff val="34000"/>
+              </a:schemeClr>
+            </a:gs>
+          </a:gsLst>
+          <a:path path="circle">
+            <a:fillToRect l="50000" t="50000" r="100000" b="100000"/>
+          </a:path>
+        </a:gradFill>
+        <a:effectLst/>
+      </p:bgPr>
+    </p:bg>
+    <p:spTree>
+      <p:nvGrpSpPr>
+        <p:cNvPr id="1" name=""/>
+        <p:cNvGrpSpPr/>
+        <p:nvPr/>
+      </p:nvGrpSpPr>
+      <p:grpSpPr>
+        <a:xfrm>
+          <a:off x="0" y="0"/>
+          <a:ext cx="0" cy="0"/>
+          <a:chOff x="0" y="0"/>
+          <a:chExt cx="0" cy="0"/>
+        </a:xfrm>
+      </p:grpSpPr>
+      <p:sp>
+        <p:nvSpPr>
+          <p:cNvPr id="2" name="Titolo 1">
+            <a:extLst>
+              <a:ext uri="{FF2B5EF4-FFF2-40B4-BE49-F238E27FC236}">
+                <a16:creationId xmlns:a16="http://schemas.microsoft.com/office/drawing/2014/main" id="{A9A2AE18-01FE-40DC-A465-66F5C4AA9BA2}"/>
+              </a:ext>
+            </a:extLst>
+          </p:cNvPr>
+          <p:cNvSpPr txBox="1">
+            <a:spLocks noGrp="1"/>
+          </p:cNvSpPr>
+          <p:nvPr>
+            <p:ph type="title" idx="4294967295"/>
+          </p:nvPr>
+        </p:nvSpPr>
+        <p:spPr>
+          <a:xfrm>
+            <a:off x="3279775" y="623888"/>
+            <a:ext cx="8912225" cy="1281112"/>
+          </a:xfrm>
+        </p:spPr>
+        <p:txBody>
+          <a:bodyPr/>
+          <a:lstStyle/>
+          <a:p>
+            <a:pPr lvl="0"/>
+            <a:r>
+              <a:rPr lang="en-US" dirty="0" err="1" smtClean="0"/>
+              <a:t>Riutilizzabilità</a:t>
+            </a:r>
+            <a:r>
+              <a:rPr lang="en-US" dirty="0" smtClean="0"/>
+              <a:t> del </a:t>
+            </a:r>
+            <a:r>
+              <a:rPr lang="en-US" dirty="0" err="1" smtClean="0"/>
+              <a:t>Codice</a:t>
+            </a:r>
+            <a:endParaRPr lang="en-US" dirty="0"/>
+          </a:p>
+        </p:txBody>
+      </p:sp>
+      <p:pic>
+        <p:nvPicPr>
+          <p:cNvPr id="4" name="Immagine 3"/>
+          <p:cNvPicPr>
+            <a:picLocks noChangeAspect="1"/>
+          </p:cNvPicPr>
+          <p:nvPr/>
+        </p:nvPicPr>
+        <p:blipFill>
+          <a:blip r:embed="rId3">
+            <a:extLst>
+              <a:ext uri="{28A0092B-C50C-407E-A947-70E740481C1C}">
+                <a14:useLocalDpi xmlns:a14="http://schemas.microsoft.com/office/drawing/2010/main" val="0"/>
+              </a:ext>
+            </a:extLst>
+          </a:blip>
+          <a:stretch>
+            <a:fillRect/>
+          </a:stretch>
+        </p:blipFill>
+        <p:spPr>
+          <a:xfrm>
+            <a:off x="3279775" y="1264444"/>
+            <a:ext cx="5950964" cy="5477178"/>
+          </a:xfrm>
+          <a:prstGeom prst="rect">
+            <a:avLst/>
+          </a:prstGeom>
+        </p:spPr>
+      </p:pic>
+    </p:spTree>
+    <p:extLst>
+      <p:ext uri="{BB962C8B-B14F-4D97-AF65-F5344CB8AC3E}">
+        <p14:creationId xmlns:p14="http://schemas.microsoft.com/office/powerpoint/2010/main" val="656062299"/>
+      </p:ext>
+    </p:extLst>
+  </p:cSld>
+  <p:clrMapOvr>
+    <a:masterClrMapping/>
+  </p:clrMapOvr>
+  <p:timing>
+    <p:tnLst>
+      <p:par>
+        <p:cTn id="1" dur="indefinite" restart="never" nodeType="tmRoot"/>
+      </p:par>
+    </p:tnLst>
+  </p:timing>
+</p:sld>
+</file>
+
+<file path=ppt/slides/slide9.xml><?xml version="1.0" encoding="utf-8"?>
+<p:sld xmlns:a="http://schemas.openxmlformats.org/drawingml/2006/main" xmlns:r="http://schemas.openxmlformats.org/officeDocument/2006/relationships" xmlns:p="http://schemas.openxmlformats.org/presentationml/2006/main">
+  <p:cSld>
+    <p:bg>
+      <p:bgPr>
+        <a:gradFill rotWithShape="1">
+          <a:gsLst>
+            <a:gs pos="0">
+              <a:schemeClr val="bg2">
+                <a:tint val="90000"/>
+                <a:satMod val="92000"/>
+                <a:lumMod val="120000"/>
+              </a:schemeClr>
+            </a:gs>
+            <a:gs pos="100000">
+              <a:schemeClr val="bg2">
+                <a:shade val="98000"/>
+                <a:satMod val="120000"/>
+                <a:lumMod val="66000"/>
+                <a:lumOff val="34000"/>
+              </a:schemeClr>
+            </a:gs>
+          </a:gsLst>
+          <a:path path="circle">
+            <a:fillToRect l="50000" t="50000" r="100000" b="100000"/>
+          </a:path>
+        </a:gradFill>
+        <a:effectLst/>
+      </p:bgPr>
+    </p:bg>
+    <p:spTree>
+      <p:nvGrpSpPr>
+        <p:cNvPr id="1" name=""/>
+        <p:cNvGrpSpPr/>
+        <p:nvPr/>
+      </p:nvGrpSpPr>
+      <p:grpSpPr>
+        <a:xfrm>
+          <a:off x="0" y="0"/>
+          <a:ext cx="0" cy="0"/>
+          <a:chOff x="0" y="0"/>
+          <a:chExt cx="0" cy="0"/>
+        </a:xfrm>
+      </p:grpSpPr>
+      <p:sp>
+        <p:nvSpPr>
+          <p:cNvPr id="2" name="Titolo 1">
+            <a:extLst>
+              <a:ext uri="{FF2B5EF4-FFF2-40B4-BE49-F238E27FC236}">
+                <a16:creationId xmlns:a16="http://schemas.microsoft.com/office/drawing/2014/main" id="{A9A2AE18-01FE-40DC-A465-66F5C4AA9BA2}"/>
+              </a:ext>
+            </a:extLst>
+          </p:cNvPr>
+          <p:cNvSpPr txBox="1">
+            <a:spLocks noGrp="1"/>
+          </p:cNvSpPr>
+          <p:nvPr>
+            <p:ph type="title" idx="4294967295"/>
+          </p:nvPr>
+        </p:nvSpPr>
+        <p:spPr>
+          <a:xfrm>
+            <a:off x="3279775" y="623888"/>
+            <a:ext cx="8912225" cy="1281112"/>
+          </a:xfrm>
+        </p:spPr>
+        <p:txBody>
+          <a:bodyPr/>
+          <a:lstStyle/>
+          <a:p>
+            <a:pPr lvl="0"/>
+            <a:r>
+              <a:rPr lang="en-US" dirty="0" err="1" smtClean="0"/>
+              <a:t>Riutilizzabilità</a:t>
+            </a:r>
+            <a:r>
+              <a:rPr lang="en-US" dirty="0" smtClean="0"/>
+              <a:t> del </a:t>
+            </a:r>
+            <a:r>
+              <a:rPr lang="en-US" dirty="0" err="1" smtClean="0"/>
+              <a:t>Codice</a:t>
+            </a:r>
+            <a:endParaRPr lang="en-US" dirty="0"/>
+          </a:p>
+        </p:txBody>
+      </p:sp>
+      <p:sp>
+        <p:nvSpPr>
+          <p:cNvPr id="3" name="Segnaposto contenuto 2">
+            <a:extLst>
+              <a:ext uri="{FF2B5EF4-FFF2-40B4-BE49-F238E27FC236}">
+                <a16:creationId xmlns:a16="http://schemas.microsoft.com/office/drawing/2014/main" id="{9FD96C0F-73F9-452F-A6FE-405DB0FE0C4C}"/>
+              </a:ext>
+            </a:extLst>
+          </p:cNvPr>
+          <p:cNvSpPr txBox="1">
+            <a:spLocks noGrp="1"/>
+          </p:cNvSpPr>
+          <p:nvPr>
+            <p:ph type="body" idx="4294967295"/>
+          </p:nvPr>
+        </p:nvSpPr>
+        <p:spPr>
+          <a:xfrm>
+            <a:off x="3276600" y="2133600"/>
+            <a:ext cx="8915400" cy="4583084"/>
+          </a:xfrm>
+        </p:spPr>
+        <p:txBody>
+          <a:bodyPr/>
+          <a:lstStyle/>
+          <a:p>
+            <a:r>
+              <a:rPr lang="it-IT" dirty="0"/>
+              <a:t>Come si vede è indipendente da tutto il resto del sistema, e può prevedere anche più metodi di autenticazione per il sistema, grazie all'uso dell'interfaccia 'Autenticazione'</a:t>
+            </a:r>
+          </a:p>
+          <a:p>
+            <a:endParaRPr lang="it-IT" dirty="0" smtClean="0"/>
+          </a:p>
+          <a:p>
+            <a:endParaRPr lang="it-IT" dirty="0"/>
+          </a:p>
+          <a:p>
+            <a:endParaRPr lang="it-IT" dirty="0" smtClean="0"/>
+          </a:p>
+          <a:p>
+            <a:endParaRPr lang="it-IT" dirty="0" smtClean="0"/>
+          </a:p>
+          <a:p>
+            <a:endParaRPr lang="it-IT" dirty="0"/>
+          </a:p>
+          <a:p>
+            <a:endParaRPr lang="it-IT" dirty="0" smtClean="0"/>
+          </a:p>
+          <a:p>
+            <a:endParaRPr lang="it-IT" dirty="0" smtClean="0"/>
+          </a:p>
+        </p:txBody>
+      </p:sp>
+    </p:spTree>
+    <p:extLst>
+      <p:ext uri="{BB962C8B-B14F-4D97-AF65-F5344CB8AC3E}">
+        <p14:creationId xmlns:p14="http://schemas.microsoft.com/office/powerpoint/2010/main" val="325337373"/>
+      </p:ext>
+    </p:extLst>
   </p:cSld>
   <p:clrMapOvr>
     <a:masterClrMapping/>

--- a/Progetto/Presentazione/Event Manager.pptx
+++ b/Progetto/Presentazione/Event Manager.pptx
@@ -2598,7 +2598,7 @@
             <a:fld id="{FC705422-EE29-4556-AA24-78C897E3AEA4}" type="datetime1">
               <a:rPr lang="it-IT" smtClean="0"/>
               <a:pPr lvl="0"/>
-              <a:t>13/11/2018</a:t>
+              <a:t>14/11/2018</a:t>
             </a:fld>
             <a:endParaRPr lang="it-IT"/>
           </a:p>
@@ -2940,7 +2940,7 @@
             <a:fld id="{FC705422-EE29-4556-AA24-78C897E3AEA4}" type="datetime1">
               <a:rPr lang="it-IT" smtClean="0"/>
               <a:pPr lvl="0"/>
-              <a:t>13/11/2018</a:t>
+              <a:t>14/11/2018</a:t>
             </a:fld>
             <a:endParaRPr lang="it-IT"/>
           </a:p>
@@ -3345,7 +3345,7 @@
             <a:fld id="{FC705422-EE29-4556-AA24-78C897E3AEA4}" type="datetime1">
               <a:rPr lang="it-IT" smtClean="0"/>
               <a:pPr lvl="0"/>
-              <a:t>13/11/2018</a:t>
+              <a:t>14/11/2018</a:t>
             </a:fld>
             <a:endParaRPr lang="it-IT"/>
           </a:p>
@@ -3685,7 +3685,7 @@
             <a:fld id="{FC705422-EE29-4556-AA24-78C897E3AEA4}" type="datetime1">
               <a:rPr lang="it-IT" smtClean="0"/>
               <a:pPr lvl="0"/>
-              <a:t>13/11/2018</a:t>
+              <a:t>14/11/2018</a:t>
             </a:fld>
             <a:endParaRPr lang="it-IT"/>
           </a:p>
@@ -4009,7 +4009,7 @@
             <a:fld id="{FC705422-EE29-4556-AA24-78C897E3AEA4}" type="datetime1">
               <a:rPr lang="it-IT" smtClean="0"/>
               <a:pPr lvl="0"/>
-              <a:t>13/11/2018</a:t>
+              <a:t>14/11/2018</a:t>
             </a:fld>
             <a:endParaRPr lang="it-IT"/>
           </a:p>
@@ -4409,7 +4409,7 @@
             <a:fld id="{FC705422-EE29-4556-AA24-78C897E3AEA4}" type="datetime1">
               <a:rPr lang="it-IT" smtClean="0"/>
               <a:pPr lvl="0"/>
-              <a:t>13/11/2018</a:t>
+              <a:t>14/11/2018</a:t>
             </a:fld>
             <a:endParaRPr lang="it-IT"/>
           </a:p>
@@ -4670,7 +4670,7 @@
             <a:fld id="{FC705422-EE29-4556-AA24-78C897E3AEA4}" type="datetime1">
               <a:rPr lang="it-IT" smtClean="0"/>
               <a:pPr lvl="0"/>
-              <a:t>13/11/2018</a:t>
+              <a:t>14/11/2018</a:t>
             </a:fld>
             <a:endParaRPr lang="it-IT"/>
           </a:p>
@@ -4936,7 +4936,7 @@
             <a:fld id="{FC705422-EE29-4556-AA24-78C897E3AEA4}" type="datetime1">
               <a:rPr lang="it-IT" smtClean="0"/>
               <a:pPr lvl="0"/>
-              <a:t>13/11/2018</a:t>
+              <a:t>14/11/2018</a:t>
             </a:fld>
             <a:endParaRPr lang="it-IT"/>
           </a:p>
@@ -5271,7 +5271,7 @@
             <a:fld id="{C3A8BDE6-3BB0-47D2-B966-816121F569E3}" type="datetime1">
               <a:rPr lang="it-IT" smtClean="0"/>
               <a:pPr lvl="0"/>
-              <a:t>13/11/2018</a:t>
+              <a:t>14/11/2018</a:t>
             </a:fld>
             <a:endParaRPr lang="it-IT"/>
           </a:p>
@@ -5542,7 +5542,7 @@
             <a:fld id="{C3A8BDE6-3BB0-47D2-B966-816121F569E3}" type="datetime1">
               <a:rPr lang="it-IT" smtClean="0"/>
               <a:pPr lvl="0"/>
-              <a:t>13/11/2018</a:t>
+              <a:t>14/11/2018</a:t>
             </a:fld>
             <a:endParaRPr lang="it-IT"/>
           </a:p>
@@ -5875,7 +5875,7 @@
             <a:fld id="{C3A8BDE6-3BB0-47D2-B966-816121F569E3}" type="datetime1">
               <a:rPr lang="it-IT" smtClean="0"/>
               <a:pPr lvl="0"/>
-              <a:t>13/11/2018</a:t>
+              <a:t>14/11/2018</a:t>
             </a:fld>
             <a:endParaRPr lang="it-IT"/>
           </a:p>
@@ -6146,7 +6146,7 @@
             <a:fld id="{FC705422-EE29-4556-AA24-78C897E3AEA4}" type="datetime1">
               <a:rPr lang="it-IT" smtClean="0"/>
               <a:pPr lvl="0"/>
-              <a:t>13/11/2018</a:t>
+              <a:t>14/11/2018</a:t>
             </a:fld>
             <a:endParaRPr lang="it-IT"/>
           </a:p>
@@ -6468,7 +6468,7 @@
             <a:fld id="{C3A8BDE6-3BB0-47D2-B966-816121F569E3}" type="datetime1">
               <a:rPr lang="it-IT" smtClean="0"/>
               <a:pPr lvl="0"/>
-              <a:t>13/11/2018</a:t>
+              <a:t>14/11/2018</a:t>
             </a:fld>
             <a:endParaRPr lang="it-IT"/>
           </a:p>
@@ -6929,7 +6929,7 @@
             <a:fld id="{C3A8BDE6-3BB0-47D2-B966-816121F569E3}" type="datetime1">
               <a:rPr lang="it-IT" smtClean="0"/>
               <a:pPr lvl="0"/>
-              <a:t>13/11/2018</a:t>
+              <a:t>14/11/2018</a:t>
             </a:fld>
             <a:endParaRPr lang="it-IT"/>
           </a:p>
@@ -7138,7 +7138,7 @@
             <a:fld id="{C3A8BDE6-3BB0-47D2-B966-816121F569E3}" type="datetime1">
               <a:rPr lang="it-IT" smtClean="0"/>
               <a:pPr lvl="0"/>
-              <a:t>13/11/2018</a:t>
+              <a:t>14/11/2018</a:t>
             </a:fld>
             <a:endParaRPr lang="it-IT"/>
           </a:p>
@@ -7319,7 +7319,7 @@
             <a:fld id="{C3A8BDE6-3BB0-47D2-B966-816121F569E3}" type="datetime1">
               <a:rPr lang="it-IT" smtClean="0"/>
               <a:pPr lvl="0"/>
-              <a:t>13/11/2018</a:t>
+              <a:t>14/11/2018</a:t>
             </a:fld>
             <a:endParaRPr lang="it-IT"/>
           </a:p>
@@ -7657,7 +7657,7 @@
             <a:fld id="{C3A8BDE6-3BB0-47D2-B966-816121F569E3}" type="datetime1">
               <a:rPr lang="it-IT" smtClean="0"/>
               <a:pPr lvl="0"/>
-              <a:t>13/11/2018</a:t>
+              <a:t>14/11/2018</a:t>
             </a:fld>
             <a:endParaRPr lang="it-IT"/>
           </a:p>
@@ -8006,7 +8006,7 @@
             <a:fld id="{C3A8BDE6-3BB0-47D2-B966-816121F569E3}" type="datetime1">
               <a:rPr lang="it-IT" smtClean="0"/>
               <a:pPr lvl="0"/>
-              <a:t>13/11/2018</a:t>
+              <a:t>14/11/2018</a:t>
             </a:fld>
             <a:endParaRPr lang="it-IT"/>
           </a:p>
@@ -8348,7 +8348,7 @@
             <a:fld id="{FC705422-EE29-4556-AA24-78C897E3AEA4}" type="datetime1">
               <a:rPr lang="it-IT" smtClean="0"/>
               <a:pPr lvl="0"/>
-              <a:t>13/11/2018</a:t>
+              <a:t>14/11/2018</a:t>
             </a:fld>
             <a:endParaRPr lang="it-IT"/>
           </a:p>
@@ -8753,7 +8753,7 @@
             <a:fld id="{FC705422-EE29-4556-AA24-78C897E3AEA4}" type="datetime1">
               <a:rPr lang="it-IT" smtClean="0"/>
               <a:pPr lvl="0"/>
-              <a:t>13/11/2018</a:t>
+              <a:t>14/11/2018</a:t>
             </a:fld>
             <a:endParaRPr lang="it-IT"/>
           </a:p>
@@ -9093,7 +9093,7 @@
             <a:fld id="{FC705422-EE29-4556-AA24-78C897E3AEA4}" type="datetime1">
               <a:rPr lang="it-IT" smtClean="0"/>
               <a:pPr lvl="0"/>
-              <a:t>13/11/2018</a:t>
+              <a:t>14/11/2018</a:t>
             </a:fld>
             <a:endParaRPr lang="it-IT"/>
           </a:p>
@@ -9417,7 +9417,7 @@
             <a:fld id="{FC705422-EE29-4556-AA24-78C897E3AEA4}" type="datetime1">
               <a:rPr lang="it-IT" smtClean="0"/>
               <a:pPr lvl="0"/>
-              <a:t>13/11/2018</a:t>
+              <a:t>14/11/2018</a:t>
             </a:fld>
             <a:endParaRPr lang="it-IT"/>
           </a:p>
@@ -9831,7 +9831,7 @@
             <a:fld id="{FC705422-EE29-4556-AA24-78C897E3AEA4}" type="datetime1">
               <a:rPr lang="it-IT" smtClean="0"/>
               <a:pPr lvl="0"/>
-              <a:t>13/11/2018</a:t>
+              <a:t>14/11/2018</a:t>
             </a:fld>
             <a:endParaRPr lang="it-IT"/>
           </a:p>
@@ -10155,7 +10155,7 @@
             <a:fld id="{FC705422-EE29-4556-AA24-78C897E3AEA4}" type="datetime1">
               <a:rPr lang="it-IT" smtClean="0"/>
               <a:pPr lvl="0"/>
-              <a:t>13/11/2018</a:t>
+              <a:t>14/11/2018</a:t>
             </a:fld>
             <a:endParaRPr lang="it-IT"/>
           </a:p>
@@ -10416,7 +10416,7 @@
             <a:fld id="{C3A8BDE6-3BB0-47D2-B966-816121F569E3}" type="datetime1">
               <a:rPr lang="it-IT" smtClean="0"/>
               <a:pPr lvl="0"/>
-              <a:t>13/11/2018</a:t>
+              <a:t>14/11/2018</a:t>
             </a:fld>
             <a:endParaRPr lang="it-IT"/>
           </a:p>
@@ -10682,7 +10682,7 @@
             <a:fld id="{C3A8BDE6-3BB0-47D2-B966-816121F569E3}" type="datetime1">
               <a:rPr lang="it-IT" smtClean="0"/>
               <a:pPr lvl="0"/>
-              <a:t>13/11/2018</a:t>
+              <a:t>14/11/2018</a:t>
             </a:fld>
             <a:endParaRPr lang="it-IT"/>
           </a:p>
@@ -11004,7 +11004,7 @@
             <a:fld id="{FC705422-EE29-4556-AA24-78C897E3AEA4}" type="datetime1">
               <a:rPr lang="it-IT" smtClean="0"/>
               <a:pPr lvl="0"/>
-              <a:t>13/11/2018</a:t>
+              <a:t>14/11/2018</a:t>
             </a:fld>
             <a:endParaRPr lang="it-IT"/>
           </a:p>
@@ -11465,7 +11465,7 @@
             <a:fld id="{FC705422-EE29-4556-AA24-78C897E3AEA4}" type="datetime1">
               <a:rPr lang="it-IT" smtClean="0"/>
               <a:pPr lvl="0"/>
-              <a:t>13/11/2018</a:t>
+              <a:t>14/11/2018</a:t>
             </a:fld>
             <a:endParaRPr lang="it-IT"/>
           </a:p>
@@ -11674,7 +11674,7 @@
             <a:fld id="{FC705422-EE29-4556-AA24-78C897E3AEA4}" type="datetime1">
               <a:rPr lang="it-IT" smtClean="0"/>
               <a:pPr lvl="0"/>
-              <a:t>13/11/2018</a:t>
+              <a:t>14/11/2018</a:t>
             </a:fld>
             <a:endParaRPr lang="it-IT"/>
           </a:p>
@@ -11855,7 +11855,7 @@
             <a:fld id="{FC705422-EE29-4556-AA24-78C897E3AEA4}" type="datetime1">
               <a:rPr lang="it-IT" smtClean="0"/>
               <a:pPr lvl="0"/>
-              <a:t>13/11/2018</a:t>
+              <a:t>14/11/2018</a:t>
             </a:fld>
             <a:endParaRPr lang="it-IT"/>
           </a:p>
@@ -12193,7 +12193,7 @@
             <a:fld id="{FC705422-EE29-4556-AA24-78C897E3AEA4}" type="datetime1">
               <a:rPr lang="it-IT" smtClean="0"/>
               <a:pPr lvl="0"/>
-              <a:t>13/11/2018</a:t>
+              <a:t>14/11/2018</a:t>
             </a:fld>
             <a:endParaRPr lang="it-IT"/>
           </a:p>
@@ -12542,7 +12542,7 @@
             <a:fld id="{FC705422-EE29-4556-AA24-78C897E3AEA4}" type="datetime1">
               <a:rPr lang="it-IT" smtClean="0"/>
               <a:pPr lvl="0"/>
-              <a:t>13/11/2018</a:t>
+              <a:t>14/11/2018</a:t>
             </a:fld>
             <a:endParaRPr lang="it-IT"/>
           </a:p>
@@ -14663,7 +14663,7 @@
             <a:fld id="{FC705422-EE29-4556-AA24-78C897E3AEA4}" type="datetime1">
               <a:rPr lang="it-IT" smtClean="0"/>
               <a:pPr lvl="0"/>
-              <a:t>13/11/2018</a:t>
+              <a:t>14/11/2018</a:t>
             </a:fld>
             <a:endParaRPr lang="it-IT"/>
           </a:p>
@@ -17137,7 +17137,7 @@
             <a:fld id="{FC705422-EE29-4556-AA24-78C897E3AEA4}" type="datetime1">
               <a:rPr lang="it-IT" smtClean="0"/>
               <a:pPr lvl="0"/>
-              <a:t>13/11/2018</a:t>
+              <a:t>14/11/2018</a:t>
             </a:fld>
             <a:endParaRPr lang="it-IT"/>
           </a:p>
@@ -17643,148 +17643,11 @@
 <file path=ppt/slides/slide1.xml><?xml version="1.0" encoding="utf-8"?>
 <p:sld xmlns:a="http://schemas.openxmlformats.org/drawingml/2006/main" xmlns:r="http://schemas.openxmlformats.org/officeDocument/2006/relationships" xmlns:p="http://schemas.openxmlformats.org/presentationml/2006/main">
   <p:cSld name="page1">
-    <p:spTree>
-      <p:nvGrpSpPr>
-        <p:cNvPr id="1" name=""/>
-        <p:cNvGrpSpPr/>
-        <p:nvPr/>
-      </p:nvGrpSpPr>
-      <p:grpSpPr>
-        <a:xfrm>
-          <a:off x="0" y="0"/>
-          <a:ext cx="0" cy="0"/>
-          <a:chOff x="0" y="0"/>
-          <a:chExt cx="0" cy="0"/>
-        </a:xfrm>
-      </p:grpSpPr>
-      <p:sp>
-        <p:nvSpPr>
-          <p:cNvPr id="2" name="Titolo 1">
-            <a:extLst>
-              <a:ext uri="{FF2B5EF4-FFF2-40B4-BE49-F238E27FC236}">
-                <a16:creationId xmlns:a16="http://schemas.microsoft.com/office/drawing/2014/main" id="{3FD450D3-52C9-4CC4-AC75-95A061AA3A70}"/>
-              </a:ext>
-            </a:extLst>
-          </p:cNvPr>
-          <p:cNvSpPr txBox="1">
-            <a:spLocks noGrp="1"/>
-          </p:cNvSpPr>
-          <p:nvPr>
-            <p:ph type="title" idx="4294967295"/>
-          </p:nvPr>
-        </p:nvSpPr>
-        <p:spPr>
-          <a:xfrm>
-            <a:off x="3276600" y="1166813"/>
-            <a:ext cx="8915400" cy="2262187"/>
-          </a:xfrm>
-        </p:spPr>
-        <p:txBody>
-          <a:bodyPr anchor="t"/>
-          <a:lstStyle/>
-          <a:p>
-            <a:pPr lvl="0"/>
-            <a:r>
-              <a:rPr lang="en-US" sz="3600"/>
-              <a:t>Event Manager</a:t>
-            </a:r>
-            <a:br>
-              <a:rPr lang="en-US" sz="3600"/>
-            </a:br>
-            <a:endParaRPr lang="en-US" sz="3600"/>
-          </a:p>
-        </p:txBody>
-      </p:sp>
-      <p:sp>
-        <p:nvSpPr>
-          <p:cNvPr id="3" name="Sottotitolo 2">
-            <a:extLst>
-              <a:ext uri="{FF2B5EF4-FFF2-40B4-BE49-F238E27FC236}">
-                <a16:creationId xmlns:a16="http://schemas.microsoft.com/office/drawing/2014/main" id="{4D8F5F10-616E-4037-BADE-A0F4A41AD912}"/>
-              </a:ext>
-            </a:extLst>
-          </p:cNvPr>
-          <p:cNvSpPr txBox="1">
-            <a:spLocks noGrp="1"/>
-          </p:cNvSpPr>
-          <p:nvPr>
-            <p:ph type="subTitle" idx="4294967295"/>
-          </p:nvPr>
-        </p:nvSpPr>
-        <p:spPr>
-          <a:xfrm>
-            <a:off x="3276600" y="4776788"/>
-            <a:ext cx="8915400" cy="1127125"/>
-          </a:xfrm>
-        </p:spPr>
-        <p:txBody>
-          <a:bodyPr wrap="square" lIns="90000" tIns="45000" rIns="90000" bIns="45000" anchor="t">
-            <a:noAutofit/>
-          </a:bodyPr>
-          <a:lstStyle/>
-          <a:p>
-            <a:pPr lvl="0">
-              <a:spcAft>
-                <a:spcPts val="0"/>
-              </a:spcAft>
-            </a:pPr>
-            <a:r>
-              <a:rPr lang="it-IT" sz="3600">
-                <a:solidFill>
-                  <a:srgbClr val="262626"/>
-                </a:solidFill>
-              </a:rPr>
-              <a:t>Moscariello Giammarco N86001446</a:t>
-            </a:r>
-          </a:p>
-          <a:p>
-            <a:pPr lvl="0">
-              <a:spcAft>
-                <a:spcPts val="0"/>
-              </a:spcAft>
-            </a:pPr>
-            <a:r>
-              <a:rPr lang="it-IT" sz="3600">
-                <a:solidFill>
-                  <a:srgbClr val="262626"/>
-                </a:solidFill>
-              </a:rPr>
-              <a:t>Iannaco Vittorio N86001986</a:t>
-            </a:r>
-          </a:p>
-          <a:p>
-            <a:pPr lvl="0">
-              <a:spcAft>
-                <a:spcPts val="0"/>
-              </a:spcAft>
-            </a:pPr>
-            <a:r>
-              <a:rPr lang="it-IT" sz="3600">
-                <a:solidFill>
-                  <a:srgbClr val="262626"/>
-                </a:solidFill>
-              </a:rPr>
-              <a:t>Mennella Carlo N86001552</a:t>
-            </a:r>
-          </a:p>
-        </p:txBody>
-      </p:sp>
-    </p:spTree>
-  </p:cSld>
-  <p:clrMapOvr>
-    <a:masterClrMapping/>
-  </p:clrMapOvr>
-</p:sld>
-</file>
-
-<file path=ppt/slides/slide10.xml><?xml version="1.0" encoding="utf-8"?>
-<p:sld xmlns:a="http://schemas.openxmlformats.org/drawingml/2006/main" xmlns:r="http://schemas.openxmlformats.org/officeDocument/2006/relationships" xmlns:p="http://schemas.openxmlformats.org/presentationml/2006/main">
-  <p:cSld>
     <p:bg>
       <p:bgPr>
         <a:gradFill rotWithShape="1">
           <a:gsLst>
-            <a:gs pos="0">
+            <a:gs pos="100000">
               <a:schemeClr val="bg2">
                 <a:tint val="90000"/>
                 <a:satMod val="92000"/>
@@ -17826,7 +17689,7 @@
           <p:cNvPr id="2" name="Titolo 1">
             <a:extLst>
               <a:ext uri="{FF2B5EF4-FFF2-40B4-BE49-F238E27FC236}">
-                <a16:creationId xmlns:a16="http://schemas.microsoft.com/office/drawing/2014/main" id="{A9A2AE18-01FE-40DC-A465-66F5C4AA9BA2}"/>
+                <a16:creationId xmlns:a16="http://schemas.microsoft.com/office/drawing/2014/main" id="{3FD450D3-52C9-4CC4-AC75-95A061AA3A70}"/>
               </a:ext>
             </a:extLst>
           </p:cNvPr>
@@ -17839,37 +17702,32 @@
         </p:nvSpPr>
         <p:spPr>
           <a:xfrm>
-            <a:off x="3279775" y="623888"/>
-            <a:ext cx="8912225" cy="1281112"/>
-          </a:xfrm>
-        </p:spPr>
-        <p:txBody>
-          <a:bodyPr/>
+            <a:off x="3276600" y="1166813"/>
+            <a:ext cx="8915400" cy="2262187"/>
+          </a:xfrm>
+        </p:spPr>
+        <p:txBody>
+          <a:bodyPr anchor="t"/>
           <a:lstStyle/>
           <a:p>
             <a:pPr lvl="0"/>
             <a:r>
-              <a:rPr lang="en-US" dirty="0" err="1" smtClean="0"/>
-              <a:t>Riutilizzabilità</a:t>
-            </a:r>
-            <a:r>
-              <a:rPr lang="en-US" dirty="0" smtClean="0"/>
-              <a:t> del </a:t>
-            </a:r>
-            <a:r>
-              <a:rPr lang="en-US" dirty="0" err="1" smtClean="0"/>
-              <a:t>Codice</a:t>
-            </a:r>
-            <a:endParaRPr lang="en-US" dirty="0"/>
-          </a:p>
-        </p:txBody>
-      </p:sp>
-      <p:sp>
-        <p:nvSpPr>
-          <p:cNvPr id="3" name="Segnaposto contenuto 2">
+              <a:rPr lang="en-US" sz="3600"/>
+              <a:t>Event Manager</a:t>
+            </a:r>
+            <a:br>
+              <a:rPr lang="en-US" sz="3600"/>
+            </a:br>
+            <a:endParaRPr lang="en-US" sz="3600"/>
+          </a:p>
+        </p:txBody>
+      </p:sp>
+      <p:sp>
+        <p:nvSpPr>
+          <p:cNvPr id="3" name="Sottotitolo 2">
             <a:extLst>
               <a:ext uri="{FF2B5EF4-FFF2-40B4-BE49-F238E27FC236}">
-                <a16:creationId xmlns:a16="http://schemas.microsoft.com/office/drawing/2014/main" id="{9FD96C0F-73F9-452F-A6FE-405DB0FE0C4C}"/>
+                <a16:creationId xmlns:a16="http://schemas.microsoft.com/office/drawing/2014/main" id="{4D8F5F10-616E-4037-BADE-A0F4A41AD912}"/>
               </a:ext>
             </a:extLst>
           </p:cNvPr>
@@ -17877,118 +17735,83 @@
             <a:spLocks noGrp="1"/>
           </p:cNvSpPr>
           <p:nvPr>
-            <p:ph type="body" idx="4294967295"/>
+            <p:ph type="subTitle" idx="4294967295"/>
           </p:nvPr>
         </p:nvSpPr>
         <p:spPr>
           <a:xfrm>
-            <a:off x="3276600" y="2133600"/>
-            <a:ext cx="8915400" cy="4583084"/>
-          </a:xfrm>
-        </p:spPr>
-        <p:txBody>
-          <a:bodyPr>
-            <a:normAutofit/>
+            <a:off x="3276600" y="4776788"/>
+            <a:ext cx="8915400" cy="1127125"/>
+          </a:xfrm>
+        </p:spPr>
+        <p:txBody>
+          <a:bodyPr wrap="square" lIns="90000" tIns="45000" rIns="90000" bIns="45000" anchor="t">
+            <a:noAutofit/>
           </a:bodyPr>
           <a:lstStyle/>
           <a:p>
-            <a:r>
-              <a:rPr lang="it-IT" dirty="0"/>
-              <a:t>Un altro esempio, di classe questa volta, è '</a:t>
-            </a:r>
-            <a:r>
-              <a:rPr lang="it-IT" dirty="0" err="1"/>
-              <a:t>UtilityDB</a:t>
-            </a:r>
-            <a:r>
-              <a:rPr lang="it-IT" dirty="0"/>
-              <a:t>' il quale prevede tutte le funzionalità necessarie per creare una connessione ed chiuderla per un DB di tipo Oracle 11g.</a:t>
-            </a:r>
-          </a:p>
-          <a:p>
-            <a:endParaRPr lang="it-IT" dirty="0"/>
-          </a:p>
-          <a:p>
-            <a:endParaRPr lang="it-IT" dirty="0" smtClean="0"/>
-          </a:p>
-          <a:p>
-            <a:endParaRPr lang="it-IT" dirty="0"/>
-          </a:p>
-          <a:p>
-            <a:endParaRPr lang="it-IT" dirty="0" smtClean="0"/>
-          </a:p>
-          <a:p>
-            <a:endParaRPr lang="it-IT" dirty="0" smtClean="0"/>
-          </a:p>
-          <a:p>
-            <a:endParaRPr lang="it-IT" dirty="0"/>
-          </a:p>
-          <a:p>
-            <a:pPr marL="0" indent="0">
-              <a:buNone/>
+            <a:pPr lvl="0">
+              <a:spcAft>
+                <a:spcPts val="0"/>
+              </a:spcAft>
             </a:pPr>
-            <a:endParaRPr lang="it-IT" dirty="0" smtClean="0"/>
-          </a:p>
-        </p:txBody>
-      </p:sp>
-      <p:pic>
-        <p:nvPicPr>
-          <p:cNvPr id="22" name="Immagine 21"/>
-          <p:cNvPicPr>
-            <a:picLocks noChangeAspect="1"/>
-          </p:cNvPicPr>
-          <p:nvPr/>
-        </p:nvPicPr>
-        <p:blipFill>
-          <a:blip r:embed="rId3">
-            <a:extLst>
-              <a:ext uri="{28A0092B-C50C-407E-A947-70E740481C1C}">
-                <a14:useLocalDpi xmlns:a14="http://schemas.microsoft.com/office/drawing/2010/main" val="0"/>
-              </a:ext>
-            </a:extLst>
-          </a:blip>
-          <a:stretch>
-            <a:fillRect/>
-          </a:stretch>
-        </p:blipFill>
-        <p:spPr>
-          <a:xfrm>
-            <a:off x="5007316" y="3865416"/>
-            <a:ext cx="4059620" cy="1963907"/>
-          </a:xfrm>
-          <a:prstGeom prst="rect">
-            <a:avLst/>
-          </a:prstGeom>
-        </p:spPr>
-      </p:pic>
+            <a:r>
+              <a:rPr lang="it-IT" sz="3600">
+                <a:solidFill>
+                  <a:srgbClr val="262626"/>
+                </a:solidFill>
+              </a:rPr>
+              <a:t>Moscariello Giammarco N86001446</a:t>
+            </a:r>
+          </a:p>
+          <a:p>
+            <a:pPr lvl="0">
+              <a:spcAft>
+                <a:spcPts val="0"/>
+              </a:spcAft>
+            </a:pPr>
+            <a:r>
+              <a:rPr lang="it-IT" sz="3600">
+                <a:solidFill>
+                  <a:srgbClr val="262626"/>
+                </a:solidFill>
+              </a:rPr>
+              <a:t>Iannaco Vittorio N86001986</a:t>
+            </a:r>
+          </a:p>
+          <a:p>
+            <a:pPr lvl="0">
+              <a:spcAft>
+                <a:spcPts val="0"/>
+              </a:spcAft>
+            </a:pPr>
+            <a:r>
+              <a:rPr lang="it-IT" sz="3600">
+                <a:solidFill>
+                  <a:srgbClr val="262626"/>
+                </a:solidFill>
+              </a:rPr>
+              <a:t>Mennella Carlo N86001552</a:t>
+            </a:r>
+          </a:p>
+        </p:txBody>
+      </p:sp>
     </p:spTree>
-    <p:extLst>
-      <p:ext uri="{BB962C8B-B14F-4D97-AF65-F5344CB8AC3E}">
-        <p14:creationId xmlns:p14="http://schemas.microsoft.com/office/powerpoint/2010/main" val="3935245340"/>
-      </p:ext>
-    </p:extLst>
   </p:cSld>
   <p:clrMapOvr>
     <a:masterClrMapping/>
   </p:clrMapOvr>
-  <p:timing>
-    <p:tnLst>
-      <p:par>
-        <p:cTn id="1" dur="indefinite" restart="never" nodeType="tmRoot"/>
-      </p:par>
-    </p:tnLst>
-  </p:timing>
 </p:sld>
 </file>
 
-<file path=ppt/slides/slide11.xml><?xml version="1.0" encoding="utf-8"?>
+<file path=ppt/slides/slide10.xml><?xml version="1.0" encoding="utf-8"?>
 <p:sld xmlns:a="http://schemas.openxmlformats.org/drawingml/2006/main" xmlns:r="http://schemas.openxmlformats.org/officeDocument/2006/relationships" xmlns:p="http://schemas.openxmlformats.org/presentationml/2006/main">
   <p:cSld>
     <p:bg>
       <p:bgPr>
         <a:gradFill rotWithShape="1">
           <a:gsLst>
-            <a:gs pos="0">
+            <a:gs pos="100000">
               <a:schemeClr val="bg2">
                 <a:tint val="90000"/>
                 <a:satMod val="92000"/>
@@ -18053,15 +17876,15 @@
           <a:p>
             <a:pPr lvl="0"/>
             <a:r>
-              <a:rPr lang="en-US" dirty="0" err="1" smtClean="0"/>
+              <a:rPr lang="en-US" dirty="0" err="1"/>
               <a:t>Riutilizzabilità</a:t>
             </a:r>
             <a:r>
-              <a:rPr lang="en-US" dirty="0" smtClean="0"/>
+              <a:rPr lang="en-US" dirty="0"/>
               <a:t> del </a:t>
             </a:r>
             <a:r>
-              <a:rPr lang="en-US" dirty="0" err="1" smtClean="0"/>
+              <a:rPr lang="en-US" dirty="0" err="1"/>
               <a:t>Codice</a:t>
             </a:r>
             <a:endParaRPr lang="en-US" dirty="0"/>
@@ -18087,7 +17910,7 @@
         <p:spPr>
           <a:xfrm>
             <a:off x="3276600" y="2133600"/>
-            <a:ext cx="8915400" cy="4657898"/>
+            <a:ext cx="8915400" cy="4583084"/>
           </a:xfrm>
         </p:spPr>
         <p:txBody>
@@ -18098,60 +17921,31 @@
           <a:p>
             <a:r>
               <a:rPr lang="it-IT" dirty="0"/>
-              <a:t>Abbiamo usato molto l'ereditarietà per rappresentare le varie </a:t>
-            </a:r>
-            <a:r>
-              <a:rPr lang="it-IT" dirty="0" smtClean="0"/>
-              <a:t>Entità:</a:t>
+              <a:t>Un altro esempio, di classe questa volta, è '</a:t>
+            </a:r>
+            <a:r>
+              <a:rPr lang="it-IT" dirty="0" err="1"/>
+              <a:t>UtilityDB</a:t>
+            </a:r>
+            <a:r>
+              <a:rPr lang="it-IT" dirty="0"/>
+              <a:t>' il quale prevede tutte le funzionalità necessarie per creare una connessione ed chiuderla per un DB di tipo Oracle 11g.</a:t>
             </a:r>
           </a:p>
           <a:p>
             <a:endParaRPr lang="it-IT" dirty="0"/>
           </a:p>
           <a:p>
-            <a:endParaRPr lang="it-IT" dirty="0" smtClean="0"/>
-          </a:p>
-          <a:p>
             <a:endParaRPr lang="it-IT" dirty="0"/>
           </a:p>
           <a:p>
-            <a:endParaRPr lang="it-IT" dirty="0" smtClean="0"/>
-          </a:p>
-          <a:p>
             <a:endParaRPr lang="it-IT" dirty="0"/>
           </a:p>
           <a:p>
-            <a:endParaRPr lang="it-IT" dirty="0" smtClean="0"/>
-          </a:p>
-          <a:p>
             <a:endParaRPr lang="it-IT" dirty="0"/>
           </a:p>
           <a:p>
-            <a:endParaRPr lang="it-IT" dirty="0" smtClean="0"/>
-          </a:p>
-          <a:p>
             <a:endParaRPr lang="it-IT" dirty="0"/>
-          </a:p>
-          <a:p>
-            <a:r>
-              <a:rPr lang="it-IT" dirty="0"/>
-              <a:t>In questo modo possiamo utilizzare le singole sottoclassi qualora fosse necessario una entità con caratteristiche simili.</a:t>
-            </a:r>
-          </a:p>
-          <a:p>
-            <a:endParaRPr lang="it-IT" dirty="0"/>
-          </a:p>
-          <a:p>
-            <a:endParaRPr lang="it-IT" dirty="0" smtClean="0"/>
-          </a:p>
-          <a:p>
-            <a:endParaRPr lang="it-IT" dirty="0"/>
-          </a:p>
-          <a:p>
-            <a:endParaRPr lang="it-IT" dirty="0" smtClean="0"/>
-          </a:p>
-          <a:p>
-            <a:endParaRPr lang="it-IT" dirty="0" smtClean="0"/>
           </a:p>
           <a:p>
             <a:endParaRPr lang="it-IT" dirty="0"/>
@@ -18160,13 +17954,13 @@
             <a:pPr marL="0" indent="0">
               <a:buNone/>
             </a:pPr>
-            <a:endParaRPr lang="it-IT" dirty="0" smtClean="0"/>
+            <a:endParaRPr lang="it-IT" dirty="0"/>
           </a:p>
         </p:txBody>
       </p:sp>
       <p:pic>
         <p:nvPicPr>
-          <p:cNvPr id="4" name="Immagine 3"/>
+          <p:cNvPr id="22" name="Immagine 21"/>
           <p:cNvPicPr>
             <a:picLocks noChangeAspect="1"/>
           </p:cNvPicPr>
@@ -18186,8 +17980,8 @@
         </p:blipFill>
         <p:spPr>
           <a:xfrm>
-            <a:off x="4690667" y="2642121"/>
-            <a:ext cx="5301231" cy="3258673"/>
+            <a:off x="5007316" y="3865416"/>
+            <a:ext cx="4059620" cy="1963907"/>
           </a:xfrm>
           <a:prstGeom prst="rect">
             <a:avLst/>
@@ -18197,31 +17991,24 @@
     </p:spTree>
     <p:extLst>
       <p:ext uri="{BB962C8B-B14F-4D97-AF65-F5344CB8AC3E}">
-        <p14:creationId xmlns:p14="http://schemas.microsoft.com/office/powerpoint/2010/main" val="1330017933"/>
+        <p14:creationId xmlns:p14="http://schemas.microsoft.com/office/powerpoint/2010/main" val="3935245340"/>
       </p:ext>
     </p:extLst>
   </p:cSld>
   <p:clrMapOvr>
     <a:masterClrMapping/>
   </p:clrMapOvr>
-  <p:timing>
-    <p:tnLst>
-      <p:par>
-        <p:cTn id="1" dur="indefinite" restart="never" nodeType="tmRoot"/>
-      </p:par>
-    </p:tnLst>
-  </p:timing>
 </p:sld>
 </file>
 
-<file path=ppt/slides/slide12.xml><?xml version="1.0" encoding="utf-8"?>
+<file path=ppt/slides/slide11.xml><?xml version="1.0" encoding="utf-8"?>
 <p:sld xmlns:a="http://schemas.openxmlformats.org/drawingml/2006/main" xmlns:r="http://schemas.openxmlformats.org/officeDocument/2006/relationships" xmlns:p="http://schemas.openxmlformats.org/presentationml/2006/main">
   <p:cSld>
     <p:bg>
       <p:bgPr>
         <a:gradFill rotWithShape="1">
           <a:gsLst>
-            <a:gs pos="0">
+            <a:gs pos="100000">
               <a:schemeClr val="bg2">
                 <a:tint val="90000"/>
                 <a:satMod val="92000"/>
@@ -18286,15 +18073,15 @@
           <a:p>
             <a:pPr lvl="0"/>
             <a:r>
-              <a:rPr lang="en-US" dirty="0" err="1" smtClean="0"/>
-              <a:t>Manutenibilità</a:t>
-            </a:r>
-            <a:r>
-              <a:rPr lang="en-US" dirty="0" smtClean="0"/>
+              <a:rPr lang="en-US" dirty="0" err="1"/>
+              <a:t>Riutilizzabilità</a:t>
+            </a:r>
+            <a:r>
+              <a:rPr lang="en-US" dirty="0"/>
               <a:t> del </a:t>
             </a:r>
             <a:r>
-              <a:rPr lang="en-US" dirty="0" err="1" smtClean="0"/>
+              <a:rPr lang="en-US" dirty="0" err="1"/>
               <a:t>Codice</a:t>
             </a:r>
             <a:endParaRPr lang="en-US" dirty="0"/>
@@ -18320,7 +18107,7 @@
         <p:spPr>
           <a:xfrm>
             <a:off x="3276600" y="2133600"/>
-            <a:ext cx="8915400" cy="4583084"/>
+            <a:ext cx="8915400" cy="4657898"/>
           </a:xfrm>
         </p:spPr>
         <p:txBody>
@@ -18331,26 +18118,235 @@
           <a:p>
             <a:r>
               <a:rPr lang="it-IT" dirty="0"/>
-              <a:t>Come obiettivo di ottenere una alta coesione e un basso accoppiamento, utilizzando anche la Legge di Demetra per mantenere queste proprietà, abbiamo reso il più possibile il codice facile da mantenere e modificare per futuri </a:t>
-            </a:r>
-            <a:r>
-              <a:rPr lang="it-IT" dirty="0" smtClean="0"/>
-              <a:t>cambiamenti.</a:t>
-            </a:r>
+              <a:t>Abbiamo usato molto l'ereditarietà per rappresentare le varie Entità:</a:t>
+            </a:r>
+          </a:p>
+          <a:p>
             <a:endParaRPr lang="it-IT" dirty="0"/>
           </a:p>
           <a:p>
+            <a:endParaRPr lang="it-IT" dirty="0"/>
+          </a:p>
+          <a:p>
+            <a:endParaRPr lang="it-IT" dirty="0"/>
+          </a:p>
+          <a:p>
+            <a:endParaRPr lang="it-IT" dirty="0"/>
+          </a:p>
+          <a:p>
+            <a:endParaRPr lang="it-IT" dirty="0"/>
+          </a:p>
+          <a:p>
+            <a:endParaRPr lang="it-IT" dirty="0"/>
+          </a:p>
+          <a:p>
+            <a:endParaRPr lang="it-IT" dirty="0"/>
+          </a:p>
+          <a:p>
+            <a:endParaRPr lang="it-IT" dirty="0"/>
+          </a:p>
+          <a:p>
+            <a:endParaRPr lang="it-IT" dirty="0"/>
+          </a:p>
+          <a:p>
             <a:r>
               <a:rPr lang="it-IT" dirty="0"/>
-              <a:t>Ogni Classe e Metodo si occuperà di un solo compito preciso, e si farà aiutare da eventuali altri moduli per </a:t>
-            </a:r>
-            <a:r>
-              <a:rPr lang="it-IT" dirty="0" smtClean="0"/>
-              <a:t>completarlo</a:t>
-            </a:r>
+              <a:t>In questo modo possiamo utilizzare le singole sottoclassi qualora fosse necessario una entità con caratteristiche simili.</a:t>
+            </a:r>
+          </a:p>
+          <a:p>
+            <a:endParaRPr lang="it-IT" dirty="0"/>
+          </a:p>
+          <a:p>
+            <a:endParaRPr lang="it-IT" dirty="0"/>
+          </a:p>
+          <a:p>
+            <a:endParaRPr lang="it-IT" dirty="0"/>
+          </a:p>
+          <a:p>
+            <a:endParaRPr lang="it-IT" dirty="0"/>
+          </a:p>
+          <a:p>
+            <a:endParaRPr lang="it-IT" dirty="0"/>
+          </a:p>
+          <a:p>
+            <a:endParaRPr lang="it-IT" dirty="0"/>
+          </a:p>
+          <a:p>
+            <a:pPr marL="0" indent="0">
+              <a:buNone/>
+            </a:pPr>
+            <a:endParaRPr lang="it-IT" dirty="0"/>
+          </a:p>
+        </p:txBody>
+      </p:sp>
+      <p:pic>
+        <p:nvPicPr>
+          <p:cNvPr id="4" name="Immagine 3"/>
+          <p:cNvPicPr>
+            <a:picLocks noChangeAspect="1"/>
+          </p:cNvPicPr>
+          <p:nvPr/>
+        </p:nvPicPr>
+        <p:blipFill>
+          <a:blip r:embed="rId3">
+            <a:extLst>
+              <a:ext uri="{28A0092B-C50C-407E-A947-70E740481C1C}">
+                <a14:useLocalDpi xmlns:a14="http://schemas.microsoft.com/office/drawing/2010/main" val="0"/>
+              </a:ext>
+            </a:extLst>
+          </a:blip>
+          <a:stretch>
+            <a:fillRect/>
+          </a:stretch>
+        </p:blipFill>
+        <p:spPr>
+          <a:xfrm>
+            <a:off x="4690667" y="2642121"/>
+            <a:ext cx="5301231" cy="3258673"/>
+          </a:xfrm>
+          <a:prstGeom prst="rect">
+            <a:avLst/>
+          </a:prstGeom>
+        </p:spPr>
+      </p:pic>
+    </p:spTree>
+    <p:extLst>
+      <p:ext uri="{BB962C8B-B14F-4D97-AF65-F5344CB8AC3E}">
+        <p14:creationId xmlns:p14="http://schemas.microsoft.com/office/powerpoint/2010/main" val="1330017933"/>
+      </p:ext>
+    </p:extLst>
+  </p:cSld>
+  <p:clrMapOvr>
+    <a:masterClrMapping/>
+  </p:clrMapOvr>
+</p:sld>
+</file>
+
+<file path=ppt/slides/slide12.xml><?xml version="1.0" encoding="utf-8"?>
+<p:sld xmlns:a="http://schemas.openxmlformats.org/drawingml/2006/main" xmlns:r="http://schemas.openxmlformats.org/officeDocument/2006/relationships" xmlns:p="http://schemas.openxmlformats.org/presentationml/2006/main">
+  <p:cSld>
+    <p:bg>
+      <p:bgPr>
+        <a:gradFill rotWithShape="1">
+          <a:gsLst>
+            <a:gs pos="100000">
+              <a:schemeClr val="bg2">
+                <a:tint val="90000"/>
+                <a:satMod val="92000"/>
+                <a:lumMod val="120000"/>
+              </a:schemeClr>
+            </a:gs>
+            <a:gs pos="100000">
+              <a:schemeClr val="bg2">
+                <a:shade val="98000"/>
+                <a:satMod val="120000"/>
+                <a:lumMod val="66000"/>
+                <a:lumOff val="34000"/>
+              </a:schemeClr>
+            </a:gs>
+          </a:gsLst>
+          <a:path path="circle">
+            <a:fillToRect l="50000" t="50000" r="100000" b="100000"/>
+          </a:path>
+        </a:gradFill>
+        <a:effectLst/>
+      </p:bgPr>
+    </p:bg>
+    <p:spTree>
+      <p:nvGrpSpPr>
+        <p:cNvPr id="1" name=""/>
+        <p:cNvGrpSpPr/>
+        <p:nvPr/>
+      </p:nvGrpSpPr>
+      <p:grpSpPr>
+        <a:xfrm>
+          <a:off x="0" y="0"/>
+          <a:ext cx="0" cy="0"/>
+          <a:chOff x="0" y="0"/>
+          <a:chExt cx="0" cy="0"/>
+        </a:xfrm>
+      </p:grpSpPr>
+      <p:sp>
+        <p:nvSpPr>
+          <p:cNvPr id="2" name="Titolo 1">
+            <a:extLst>
+              <a:ext uri="{FF2B5EF4-FFF2-40B4-BE49-F238E27FC236}">
+                <a16:creationId xmlns:a16="http://schemas.microsoft.com/office/drawing/2014/main" id="{A9A2AE18-01FE-40DC-A465-66F5C4AA9BA2}"/>
+              </a:ext>
+            </a:extLst>
+          </p:cNvPr>
+          <p:cNvSpPr txBox="1">
+            <a:spLocks noGrp="1"/>
+          </p:cNvSpPr>
+          <p:nvPr>
+            <p:ph type="title" idx="4294967295"/>
+          </p:nvPr>
+        </p:nvSpPr>
+        <p:spPr>
+          <a:xfrm>
+            <a:off x="3279775" y="623888"/>
+            <a:ext cx="8912225" cy="1281112"/>
+          </a:xfrm>
+        </p:spPr>
+        <p:txBody>
+          <a:bodyPr/>
+          <a:lstStyle/>
+          <a:p>
+            <a:pPr lvl="0"/>
+            <a:r>
+              <a:rPr lang="en-US" dirty="0" err="1"/>
+              <a:t>Manutenibilità</a:t>
+            </a:r>
+            <a:r>
+              <a:rPr lang="en-US" dirty="0"/>
+              <a:t> del </a:t>
+            </a:r>
+            <a:r>
+              <a:rPr lang="en-US" dirty="0" err="1"/>
+              <a:t>Codice</a:t>
+            </a:r>
+            <a:endParaRPr lang="en-US" dirty="0"/>
+          </a:p>
+        </p:txBody>
+      </p:sp>
+      <p:sp>
+        <p:nvSpPr>
+          <p:cNvPr id="3" name="Segnaposto contenuto 2">
+            <a:extLst>
+              <a:ext uri="{FF2B5EF4-FFF2-40B4-BE49-F238E27FC236}">
+                <a16:creationId xmlns:a16="http://schemas.microsoft.com/office/drawing/2014/main" id="{9FD96C0F-73F9-452F-A6FE-405DB0FE0C4C}"/>
+              </a:ext>
+            </a:extLst>
+          </p:cNvPr>
+          <p:cNvSpPr txBox="1">
+            <a:spLocks noGrp="1"/>
+          </p:cNvSpPr>
+          <p:nvPr>
+            <p:ph type="body" idx="4294967295"/>
+          </p:nvPr>
+        </p:nvSpPr>
+        <p:spPr>
+          <a:xfrm>
+            <a:off x="3276600" y="2133600"/>
+            <a:ext cx="8915400" cy="4583084"/>
+          </a:xfrm>
+        </p:spPr>
+        <p:txBody>
+          <a:bodyPr>
+            <a:normAutofit/>
+          </a:bodyPr>
+          <a:lstStyle/>
+          <a:p>
             <a:r>
               <a:rPr lang="it-IT" dirty="0"/>
-              <a:t>.</a:t>
+              <a:t>Come obiettivo di ottenere una alta coesione e un basso accoppiamento, utilizzando anche la Legge di Demetra per mantenere queste proprietà, abbiamo reso il più possibile il codice facile da mantenere e modificare per futuri cambiamenti.</a:t>
+            </a:r>
+          </a:p>
+          <a:p>
+            <a:r>
+              <a:rPr lang="it-IT" dirty="0"/>
+              <a:t>Ogni Classe e Metodo si occuperà di un solo compito preciso, e si farà aiutare da eventuali altri moduli per completarlo.</a:t>
             </a:r>
             <a:br>
               <a:rPr lang="it-IT" dirty="0"/>
@@ -18358,16 +18354,16 @@
             <a:endParaRPr lang="it-IT" dirty="0"/>
           </a:p>
           <a:p>
-            <a:endParaRPr lang="it-IT" dirty="0" smtClean="0"/>
-          </a:p>
-          <a:p>
             <a:endParaRPr lang="it-IT" dirty="0"/>
           </a:p>
           <a:p>
-            <a:endParaRPr lang="it-IT" dirty="0" smtClean="0"/>
-          </a:p>
-          <a:p>
-            <a:endParaRPr lang="it-IT" dirty="0" smtClean="0"/>
+            <a:endParaRPr lang="it-IT" dirty="0"/>
+          </a:p>
+          <a:p>
+            <a:endParaRPr lang="it-IT" dirty="0"/>
+          </a:p>
+          <a:p>
+            <a:endParaRPr lang="it-IT" dirty="0"/>
           </a:p>
           <a:p>
             <a:endParaRPr lang="it-IT" dirty="0"/>
@@ -18376,7 +18372,7 @@
             <a:pPr marL="0" indent="0">
               <a:buNone/>
             </a:pPr>
-            <a:endParaRPr lang="it-IT" dirty="0" smtClean="0"/>
+            <a:endParaRPr lang="it-IT" dirty="0"/>
           </a:p>
         </p:txBody>
       </p:sp>
@@ -18390,19 +18386,39 @@
   <p:clrMapOvr>
     <a:masterClrMapping/>
   </p:clrMapOvr>
-  <p:timing>
-    <p:tnLst>
-      <p:par>
-        <p:cTn id="1" dur="indefinite" restart="never" nodeType="tmRoot"/>
-      </p:par>
-    </p:tnLst>
-  </p:timing>
 </p:sld>
 </file>
 
 <file path=ppt/slides/slide2.xml><?xml version="1.0" encoding="utf-8"?>
 <p:sld xmlns:a="http://schemas.openxmlformats.org/drawingml/2006/main" xmlns:r="http://schemas.openxmlformats.org/officeDocument/2006/relationships" xmlns:p="http://schemas.openxmlformats.org/presentationml/2006/main">
   <p:cSld name="page2">
+    <p:bg>
+      <p:bgPr>
+        <a:gradFill rotWithShape="1">
+          <a:gsLst>
+            <a:gs pos="100000">
+              <a:schemeClr val="bg2">
+                <a:tint val="90000"/>
+                <a:satMod val="92000"/>
+                <a:lumMod val="120000"/>
+              </a:schemeClr>
+            </a:gs>
+            <a:gs pos="100000">
+              <a:schemeClr val="bg2">
+                <a:shade val="98000"/>
+                <a:satMod val="120000"/>
+                <a:lumMod val="66000"/>
+                <a:lumOff val="34000"/>
+              </a:schemeClr>
+            </a:gs>
+          </a:gsLst>
+          <a:path path="circle">
+            <a:fillToRect l="50000" t="50000" r="100000" b="100000"/>
+          </a:path>
+        </a:gradFill>
+        <a:effectLst/>
+      </p:bgPr>
+    </p:bg>
     <p:spTree>
       <p:nvGrpSpPr>
         <p:cNvPr id="1" name=""/>
@@ -18428,6 +18444,33 @@
 <file path=ppt/slides/slide3.xml><?xml version="1.0" encoding="utf-8"?>
 <p:sld xmlns:a="http://schemas.openxmlformats.org/drawingml/2006/main" xmlns:r="http://schemas.openxmlformats.org/officeDocument/2006/relationships" xmlns:p="http://schemas.openxmlformats.org/presentationml/2006/main">
   <p:cSld name="Scelta dei Design Pattern">
+    <p:bg>
+      <p:bgPr>
+        <a:gradFill rotWithShape="1">
+          <a:gsLst>
+            <a:gs pos="100000">
+              <a:schemeClr val="bg2">
+                <a:tint val="90000"/>
+                <a:satMod val="92000"/>
+                <a:lumMod val="120000"/>
+              </a:schemeClr>
+            </a:gs>
+            <a:gs pos="100000">
+              <a:schemeClr val="bg2">
+                <a:shade val="98000"/>
+                <a:satMod val="120000"/>
+                <a:lumMod val="66000"/>
+                <a:lumOff val="34000"/>
+              </a:schemeClr>
+            </a:gs>
+          </a:gsLst>
+          <a:path path="circle">
+            <a:fillToRect l="50000" t="50000" r="100000" b="100000"/>
+          </a:path>
+        </a:gradFill>
+        <a:effectLst/>
+      </p:bgPr>
+    </p:bg>
     <p:spTree>
       <p:nvGrpSpPr>
         <p:cNvPr id="1" name=""/>
@@ -18650,6 +18693,33 @@
 <file path=ppt/slides/slide4.xml><?xml version="1.0" encoding="utf-8"?>
 <p:sld xmlns:a="http://schemas.openxmlformats.org/drawingml/2006/main" xmlns:r="http://schemas.openxmlformats.org/officeDocument/2006/relationships" xmlns:p="http://schemas.openxmlformats.org/presentationml/2006/main">
   <p:cSld>
+    <p:bg>
+      <p:bgPr>
+        <a:gradFill rotWithShape="1">
+          <a:gsLst>
+            <a:gs pos="100000">
+              <a:schemeClr val="bg2">
+                <a:tint val="90000"/>
+                <a:satMod val="92000"/>
+                <a:lumMod val="120000"/>
+              </a:schemeClr>
+            </a:gs>
+            <a:gs pos="100000">
+              <a:schemeClr val="bg2">
+                <a:shade val="98000"/>
+                <a:satMod val="120000"/>
+                <a:lumMod val="66000"/>
+                <a:lumOff val="34000"/>
+              </a:schemeClr>
+            </a:gs>
+          </a:gsLst>
+          <a:path path="circle">
+            <a:fillToRect l="50000" t="50000" r="100000" b="100000"/>
+          </a:path>
+        </a:gradFill>
+        <a:effectLst/>
+      </p:bgPr>
+    </p:bg>
     <p:spTree>
       <p:nvGrpSpPr>
         <p:cNvPr id="1" name=""/>
@@ -19990,1175 +20060,11 @@
 <file path=ppt/slides/slide5.xml><?xml version="1.0" encoding="utf-8"?>
 <p:sld xmlns:a="http://schemas.openxmlformats.org/drawingml/2006/main" xmlns:r="http://schemas.openxmlformats.org/officeDocument/2006/relationships" xmlns:p="http://schemas.openxmlformats.org/presentationml/2006/main">
   <p:cSld name="Scelta dei Design Pattern">
-    <p:spTree>
-      <p:nvGrpSpPr>
-        <p:cNvPr id="1" name=""/>
-        <p:cNvGrpSpPr/>
-        <p:nvPr/>
-      </p:nvGrpSpPr>
-      <p:grpSpPr>
-        <a:xfrm>
-          <a:off x="0" y="0"/>
-          <a:ext cx="0" cy="0"/>
-          <a:chOff x="0" y="0"/>
-          <a:chExt cx="0" cy="0"/>
-        </a:xfrm>
-      </p:grpSpPr>
-      <p:sp>
-        <p:nvSpPr>
-          <p:cNvPr id="2" name="Titolo 1">
-            <a:extLst>
-              <a:ext uri="{FF2B5EF4-FFF2-40B4-BE49-F238E27FC236}">
-                <a16:creationId xmlns:a16="http://schemas.microsoft.com/office/drawing/2014/main" id="{E04D935F-2542-41B7-9F26-3848C17280D3}"/>
-              </a:ext>
-            </a:extLst>
-          </p:cNvPr>
-          <p:cNvSpPr txBox="1">
-            <a:spLocks noGrp="1"/>
-          </p:cNvSpPr>
-          <p:nvPr>
-            <p:ph type="title" idx="4294967295"/>
-          </p:nvPr>
-        </p:nvSpPr>
-        <p:spPr>
-          <a:xfrm>
-            <a:off x="3279775" y="623888"/>
-            <a:ext cx="8912225" cy="1281112"/>
-          </a:xfrm>
-        </p:spPr>
-        <p:txBody>
-          <a:bodyPr/>
-          <a:lstStyle/>
-          <a:p>
-            <a:pPr lvl="0"/>
-            <a:r>
-              <a:rPr lang="en-US"/>
-              <a:t>Scelta dei Design Pattern</a:t>
-            </a:r>
-          </a:p>
-        </p:txBody>
-      </p:sp>
-      <p:sp>
-        <p:nvSpPr>
-          <p:cNvPr id="3" name="Segnaposto contenuto 2">
-            <a:extLst>
-              <a:ext uri="{FF2B5EF4-FFF2-40B4-BE49-F238E27FC236}">
-                <a16:creationId xmlns:a16="http://schemas.microsoft.com/office/drawing/2014/main" id="{B9DA8C2A-6BD2-4B84-AB78-B57C5CFB92D4}"/>
-              </a:ext>
-            </a:extLst>
-          </p:cNvPr>
-          <p:cNvSpPr txBox="1">
-            <a:spLocks noGrp="1"/>
-          </p:cNvSpPr>
-          <p:nvPr>
-            <p:ph type="body" idx="4294967295"/>
-          </p:nvPr>
-        </p:nvSpPr>
-        <p:spPr>
-          <a:xfrm>
-            <a:off x="3276600" y="2133600"/>
-            <a:ext cx="8915400" cy="2114550"/>
-          </a:xfrm>
-        </p:spPr>
-        <p:txBody>
-          <a:bodyPr>
-            <a:normAutofit fontScale="92500" lnSpcReduction="20000"/>
-          </a:bodyPr>
-          <a:lstStyle/>
-          <a:p>
-            <a:pPr lvl="0">
-              <a:spcBef>
-                <a:spcPts val="1001"/>
-              </a:spcBef>
-              <a:spcAft>
-                <a:spcPts val="0"/>
-              </a:spcAft>
-              <a:buClr>
-                <a:srgbClr val="A53010"/>
-              </a:buClr>
-              <a:buFont typeface="Wingdings 3"/>
-              <a:buChar char=""/>
-            </a:pPr>
-            <a:r>
-              <a:rPr lang="en-US"/>
-              <a:t>Per la gestione della persistenza abbiamo scelto il Design Pattern Data Access Object (DAO), il quale ci ha dato la possibilità di stratificare e separare l’accesso al database.</a:t>
-            </a:r>
-          </a:p>
-          <a:p>
-            <a:pPr lvl="0">
-              <a:spcBef>
-                <a:spcPts val="1001"/>
-              </a:spcBef>
-              <a:spcAft>
-                <a:spcPts val="0"/>
-              </a:spcAft>
-              <a:buNone/>
-            </a:pPr>
-            <a:r>
-              <a:rPr lang="en-US"/>
-              <a:t>Nello specifico questo Pattern è stato utilizzato per le operazioni CRUD sulla  base di dati , per la gestione degli eventi, dei clienti e degli addetti. In particolare,          l’utilizzo di questo Pattern è stato necessario per garantire la 	corretta      suddivisione delle entità del modello MVC.</a:t>
-            </a:r>
-          </a:p>
-          <a:p>
-            <a:pPr lvl="0">
-              <a:spcBef>
-                <a:spcPts val="1001"/>
-              </a:spcBef>
-              <a:spcAft>
-                <a:spcPts val="0"/>
-              </a:spcAft>
-              <a:buNone/>
-            </a:pPr>
-            <a:r>
-              <a:rPr lang="en-US"/>
-              <a:t>	</a:t>
-            </a:r>
-          </a:p>
-        </p:txBody>
-      </p:sp>
-      <p:sp>
-        <p:nvSpPr>
-          <p:cNvPr id="4" name="Rettangolo 3">
-            <a:extLst>
-              <a:ext uri="{FF2B5EF4-FFF2-40B4-BE49-F238E27FC236}">
-                <a16:creationId xmlns:a16="http://schemas.microsoft.com/office/drawing/2014/main" id="{D11D8E97-FC65-4A40-8A86-E2EE88C170D6}"/>
-              </a:ext>
-            </a:extLst>
-          </p:cNvPr>
-          <p:cNvSpPr/>
-          <p:nvPr/>
-        </p:nvSpPr>
-        <p:spPr>
-          <a:xfrm>
-            <a:off x="3276600" y="4476750"/>
-            <a:ext cx="1740568" cy="673769"/>
-          </a:xfrm>
-          <a:prstGeom prst="rect">
-            <a:avLst/>
-          </a:prstGeom>
-          <a:solidFill>
-            <a:srgbClr val="FFF5D8"/>
-          </a:solidFill>
-          <a:ln>
-            <a:solidFill>
-              <a:srgbClr val="568EFF"/>
-            </a:solidFill>
-          </a:ln>
-        </p:spPr>
-        <p:style>
-          <a:lnRef idx="2">
-            <a:schemeClr val="accent1">
-              <a:shade val="50000"/>
-            </a:schemeClr>
-          </a:lnRef>
-          <a:fillRef idx="1">
-            <a:schemeClr val="accent1"/>
-          </a:fillRef>
-          <a:effectRef idx="0">
-            <a:schemeClr val="accent1"/>
-          </a:effectRef>
-          <a:fontRef idx="minor">
-            <a:schemeClr val="lt1"/>
-          </a:fontRef>
-        </p:style>
-        <p:txBody>
-          <a:bodyPr rtlCol="0" anchor="ctr"/>
-          <a:lstStyle/>
-          <a:p>
-            <a:pPr algn="ctr"/>
-            <a:endParaRPr lang="it-IT"/>
-          </a:p>
-        </p:txBody>
-      </p:sp>
-      <p:cxnSp>
-        <p:nvCxnSpPr>
-          <p:cNvPr id="5" name="Connettore diritto 4">
-            <a:extLst>
-              <a:ext uri="{FF2B5EF4-FFF2-40B4-BE49-F238E27FC236}">
-                <a16:creationId xmlns:a16="http://schemas.microsoft.com/office/drawing/2014/main" id="{5A2ECBD2-FD40-47F5-965F-A16F221D18E8}"/>
-              </a:ext>
-            </a:extLst>
-          </p:cNvPr>
-          <p:cNvCxnSpPr>
-            <a:cxnSpLocks/>
-          </p:cNvCxnSpPr>
-          <p:nvPr/>
-        </p:nvCxnSpPr>
-        <p:spPr>
-          <a:xfrm>
-            <a:off x="3276600" y="4717383"/>
-            <a:ext cx="1740568" cy="0"/>
-          </a:xfrm>
-          <a:prstGeom prst="line">
-            <a:avLst/>
-          </a:prstGeom>
-          <a:ln>
-            <a:solidFill>
-              <a:srgbClr val="568EFF"/>
-            </a:solidFill>
-          </a:ln>
-        </p:spPr>
-        <p:style>
-          <a:lnRef idx="1">
-            <a:schemeClr val="accent1"/>
-          </a:lnRef>
-          <a:fillRef idx="0">
-            <a:schemeClr val="accent1"/>
-          </a:fillRef>
-          <a:effectRef idx="0">
-            <a:schemeClr val="accent1"/>
-          </a:effectRef>
-          <a:fontRef idx="minor">
-            <a:schemeClr val="tx1"/>
-          </a:fontRef>
-        </p:style>
-      </p:cxnSp>
-      <p:cxnSp>
-        <p:nvCxnSpPr>
-          <p:cNvPr id="6" name="Connettore diritto 5">
-            <a:extLst>
-              <a:ext uri="{FF2B5EF4-FFF2-40B4-BE49-F238E27FC236}">
-                <a16:creationId xmlns:a16="http://schemas.microsoft.com/office/drawing/2014/main" id="{5268A8DD-2752-4992-B80B-BA5DAF613428}"/>
-              </a:ext>
-            </a:extLst>
-          </p:cNvPr>
-          <p:cNvCxnSpPr>
-            <a:cxnSpLocks/>
-          </p:cNvCxnSpPr>
-          <p:nvPr/>
-        </p:nvCxnSpPr>
-        <p:spPr>
-          <a:xfrm>
-            <a:off x="3276600" y="4998120"/>
-            <a:ext cx="1740568" cy="0"/>
-          </a:xfrm>
-          <a:prstGeom prst="line">
-            <a:avLst/>
-          </a:prstGeom>
-          <a:ln>
-            <a:solidFill>
-              <a:srgbClr val="568EFF"/>
-            </a:solidFill>
-          </a:ln>
-        </p:spPr>
-        <p:style>
-          <a:lnRef idx="1">
-            <a:schemeClr val="accent1"/>
-          </a:lnRef>
-          <a:fillRef idx="0">
-            <a:schemeClr val="accent1"/>
-          </a:fillRef>
-          <a:effectRef idx="0">
-            <a:schemeClr val="accent1"/>
-          </a:effectRef>
-          <a:fontRef idx="minor">
-            <a:schemeClr val="tx1"/>
-          </a:fontRef>
-        </p:style>
-      </p:cxnSp>
-      <p:sp>
-        <p:nvSpPr>
-          <p:cNvPr id="7" name="CasellaDiTesto 6">
-            <a:extLst>
-              <a:ext uri="{FF2B5EF4-FFF2-40B4-BE49-F238E27FC236}">
-                <a16:creationId xmlns:a16="http://schemas.microsoft.com/office/drawing/2014/main" id="{209DB945-0430-405C-890B-EE4393BBA489}"/>
-              </a:ext>
-            </a:extLst>
-          </p:cNvPr>
-          <p:cNvSpPr txBox="1"/>
-          <p:nvPr/>
-        </p:nvSpPr>
-        <p:spPr>
-          <a:xfrm>
-            <a:off x="3276601" y="4444302"/>
-            <a:ext cx="1740568" cy="307777"/>
-          </a:xfrm>
-          <a:prstGeom prst="rect">
-            <a:avLst/>
-          </a:prstGeom>
-          <a:noFill/>
-        </p:spPr>
-        <p:txBody>
-          <a:bodyPr wrap="square" rtlCol="0">
-            <a:spAutoFit/>
-          </a:bodyPr>
-          <a:lstStyle/>
-          <a:p>
-            <a:pPr algn="ctr"/>
-            <a:r>
-              <a:rPr lang="it-IT" sz="1400" dirty="0"/>
-              <a:t>BusinessObject</a:t>
-            </a:r>
-          </a:p>
-        </p:txBody>
-      </p:sp>
-      <p:sp>
-        <p:nvSpPr>
-          <p:cNvPr id="8" name="Rettangolo 7">
-            <a:extLst>
-              <a:ext uri="{FF2B5EF4-FFF2-40B4-BE49-F238E27FC236}">
-                <a16:creationId xmlns:a16="http://schemas.microsoft.com/office/drawing/2014/main" id="{9EDE8174-1C89-475D-A5B7-CFD388FC973A}"/>
-              </a:ext>
-            </a:extLst>
-          </p:cNvPr>
-          <p:cNvSpPr/>
-          <p:nvPr/>
-        </p:nvSpPr>
-        <p:spPr>
-          <a:xfrm>
-            <a:off x="6196264" y="4476749"/>
-            <a:ext cx="1740568" cy="673769"/>
-          </a:xfrm>
-          <a:prstGeom prst="rect">
-            <a:avLst/>
-          </a:prstGeom>
-          <a:solidFill>
-            <a:srgbClr val="FFF5D8"/>
-          </a:solidFill>
-          <a:ln>
-            <a:solidFill>
-              <a:srgbClr val="568EFF"/>
-            </a:solidFill>
-          </a:ln>
-        </p:spPr>
-        <p:style>
-          <a:lnRef idx="2">
-            <a:schemeClr val="accent1">
-              <a:shade val="50000"/>
-            </a:schemeClr>
-          </a:lnRef>
-          <a:fillRef idx="1">
-            <a:schemeClr val="accent1"/>
-          </a:fillRef>
-          <a:effectRef idx="0">
-            <a:schemeClr val="accent1"/>
-          </a:effectRef>
-          <a:fontRef idx="minor">
-            <a:schemeClr val="lt1"/>
-          </a:fontRef>
-        </p:style>
-        <p:txBody>
-          <a:bodyPr rtlCol="0" anchor="ctr"/>
-          <a:lstStyle/>
-          <a:p>
-            <a:pPr algn="ctr"/>
-            <a:endParaRPr lang="it-IT"/>
-          </a:p>
-        </p:txBody>
-      </p:sp>
-      <p:cxnSp>
-        <p:nvCxnSpPr>
-          <p:cNvPr id="9" name="Connettore diritto 8">
-            <a:extLst>
-              <a:ext uri="{FF2B5EF4-FFF2-40B4-BE49-F238E27FC236}">
-                <a16:creationId xmlns:a16="http://schemas.microsoft.com/office/drawing/2014/main" id="{346E7D0B-0267-49BB-BB16-3A3130B916DA}"/>
-              </a:ext>
-            </a:extLst>
-          </p:cNvPr>
-          <p:cNvCxnSpPr>
-            <a:cxnSpLocks/>
-          </p:cNvCxnSpPr>
-          <p:nvPr/>
-        </p:nvCxnSpPr>
-        <p:spPr>
-          <a:xfrm>
-            <a:off x="6196264" y="4717382"/>
-            <a:ext cx="1740568" cy="0"/>
-          </a:xfrm>
-          <a:prstGeom prst="line">
-            <a:avLst/>
-          </a:prstGeom>
-          <a:ln>
-            <a:solidFill>
-              <a:srgbClr val="568EFF"/>
-            </a:solidFill>
-          </a:ln>
-        </p:spPr>
-        <p:style>
-          <a:lnRef idx="1">
-            <a:schemeClr val="accent1"/>
-          </a:lnRef>
-          <a:fillRef idx="0">
-            <a:schemeClr val="accent1"/>
-          </a:fillRef>
-          <a:effectRef idx="0">
-            <a:schemeClr val="accent1"/>
-          </a:effectRef>
-          <a:fontRef idx="minor">
-            <a:schemeClr val="tx1"/>
-          </a:fontRef>
-        </p:style>
-      </p:cxnSp>
-      <p:cxnSp>
-        <p:nvCxnSpPr>
-          <p:cNvPr id="10" name="Connettore diritto 9">
-            <a:extLst>
-              <a:ext uri="{FF2B5EF4-FFF2-40B4-BE49-F238E27FC236}">
-                <a16:creationId xmlns:a16="http://schemas.microsoft.com/office/drawing/2014/main" id="{2E284BA9-75CE-47F0-BDC4-1ECE18DADA0C}"/>
-              </a:ext>
-            </a:extLst>
-          </p:cNvPr>
-          <p:cNvCxnSpPr>
-            <a:cxnSpLocks/>
-          </p:cNvCxnSpPr>
-          <p:nvPr/>
-        </p:nvCxnSpPr>
-        <p:spPr>
-          <a:xfrm>
-            <a:off x="6196264" y="4998119"/>
-            <a:ext cx="1740568" cy="0"/>
-          </a:xfrm>
-          <a:prstGeom prst="line">
-            <a:avLst/>
-          </a:prstGeom>
-          <a:ln>
-            <a:solidFill>
-              <a:srgbClr val="568EFF"/>
-            </a:solidFill>
-          </a:ln>
-        </p:spPr>
-        <p:style>
-          <a:lnRef idx="1">
-            <a:schemeClr val="accent1"/>
-          </a:lnRef>
-          <a:fillRef idx="0">
-            <a:schemeClr val="accent1"/>
-          </a:fillRef>
-          <a:effectRef idx="0">
-            <a:schemeClr val="accent1"/>
-          </a:effectRef>
-          <a:fontRef idx="minor">
-            <a:schemeClr val="tx1"/>
-          </a:fontRef>
-        </p:style>
-      </p:cxnSp>
-      <p:sp>
-        <p:nvSpPr>
-          <p:cNvPr id="11" name="CasellaDiTesto 10">
-            <a:extLst>
-              <a:ext uri="{FF2B5EF4-FFF2-40B4-BE49-F238E27FC236}">
-                <a16:creationId xmlns:a16="http://schemas.microsoft.com/office/drawing/2014/main" id="{CD6AE42A-F493-44BA-8355-CA24CAC0ECD9}"/>
-              </a:ext>
-            </a:extLst>
-          </p:cNvPr>
-          <p:cNvSpPr txBox="1"/>
-          <p:nvPr/>
-        </p:nvSpPr>
-        <p:spPr>
-          <a:xfrm>
-            <a:off x="6196265" y="4444301"/>
-            <a:ext cx="1740568" cy="307777"/>
-          </a:xfrm>
-          <a:prstGeom prst="rect">
-            <a:avLst/>
-          </a:prstGeom>
-          <a:noFill/>
-        </p:spPr>
-        <p:txBody>
-          <a:bodyPr wrap="square" rtlCol="0">
-            <a:spAutoFit/>
-          </a:bodyPr>
-          <a:lstStyle/>
-          <a:p>
-            <a:pPr algn="ctr"/>
-            <a:r>
-              <a:rPr lang="it-IT" sz="1400" dirty="0"/>
-              <a:t>DAO</a:t>
-            </a:r>
-          </a:p>
-        </p:txBody>
-      </p:sp>
-      <p:sp>
-        <p:nvSpPr>
-          <p:cNvPr id="20" name="Rettangolo 19">
-            <a:extLst>
-              <a:ext uri="{FF2B5EF4-FFF2-40B4-BE49-F238E27FC236}">
-                <a16:creationId xmlns:a16="http://schemas.microsoft.com/office/drawing/2014/main" id="{AAD734DF-EAA8-4C43-8D5F-25341F4DB2E3}"/>
-              </a:ext>
-            </a:extLst>
-          </p:cNvPr>
-          <p:cNvSpPr/>
-          <p:nvPr/>
-        </p:nvSpPr>
-        <p:spPr>
-          <a:xfrm>
-            <a:off x="6196264" y="5646821"/>
-            <a:ext cx="1740568" cy="673769"/>
-          </a:xfrm>
-          <a:prstGeom prst="rect">
-            <a:avLst/>
-          </a:prstGeom>
-          <a:solidFill>
-            <a:srgbClr val="FFF5D8"/>
-          </a:solidFill>
-          <a:ln>
-            <a:solidFill>
-              <a:srgbClr val="568EFF"/>
-            </a:solidFill>
-          </a:ln>
-        </p:spPr>
-        <p:style>
-          <a:lnRef idx="2">
-            <a:schemeClr val="accent1">
-              <a:shade val="50000"/>
-            </a:schemeClr>
-          </a:lnRef>
-          <a:fillRef idx="1">
-            <a:schemeClr val="accent1"/>
-          </a:fillRef>
-          <a:effectRef idx="0">
-            <a:schemeClr val="accent1"/>
-          </a:effectRef>
-          <a:fontRef idx="minor">
-            <a:schemeClr val="lt1"/>
-          </a:fontRef>
-        </p:style>
-        <p:txBody>
-          <a:bodyPr rtlCol="0" anchor="ctr"/>
-          <a:lstStyle/>
-          <a:p>
-            <a:pPr algn="ctr"/>
-            <a:endParaRPr lang="it-IT"/>
-          </a:p>
-        </p:txBody>
-      </p:sp>
-      <p:cxnSp>
-        <p:nvCxnSpPr>
-          <p:cNvPr id="21" name="Connettore diritto 20">
-            <a:extLst>
-              <a:ext uri="{FF2B5EF4-FFF2-40B4-BE49-F238E27FC236}">
-                <a16:creationId xmlns:a16="http://schemas.microsoft.com/office/drawing/2014/main" id="{30380E59-3B8C-4313-AE49-A589FDFC0FBD}"/>
-              </a:ext>
-            </a:extLst>
-          </p:cNvPr>
-          <p:cNvCxnSpPr>
-            <a:cxnSpLocks/>
-          </p:cNvCxnSpPr>
-          <p:nvPr/>
-        </p:nvCxnSpPr>
-        <p:spPr>
-          <a:xfrm>
-            <a:off x="6196264" y="5887454"/>
-            <a:ext cx="1740568" cy="0"/>
-          </a:xfrm>
-          <a:prstGeom prst="line">
-            <a:avLst/>
-          </a:prstGeom>
-          <a:ln>
-            <a:solidFill>
-              <a:srgbClr val="568EFF"/>
-            </a:solidFill>
-          </a:ln>
-        </p:spPr>
-        <p:style>
-          <a:lnRef idx="1">
-            <a:schemeClr val="accent1"/>
-          </a:lnRef>
-          <a:fillRef idx="0">
-            <a:schemeClr val="accent1"/>
-          </a:fillRef>
-          <a:effectRef idx="0">
-            <a:schemeClr val="accent1"/>
-          </a:effectRef>
-          <a:fontRef idx="minor">
-            <a:schemeClr val="tx1"/>
-          </a:fontRef>
-        </p:style>
-      </p:cxnSp>
-      <p:cxnSp>
-        <p:nvCxnSpPr>
-          <p:cNvPr id="22" name="Connettore diritto 21">
-            <a:extLst>
-              <a:ext uri="{FF2B5EF4-FFF2-40B4-BE49-F238E27FC236}">
-                <a16:creationId xmlns:a16="http://schemas.microsoft.com/office/drawing/2014/main" id="{F6FC4975-E9C6-4025-BE80-CD38BDC816DE}"/>
-              </a:ext>
-            </a:extLst>
-          </p:cNvPr>
-          <p:cNvCxnSpPr>
-            <a:cxnSpLocks/>
-          </p:cNvCxnSpPr>
-          <p:nvPr/>
-        </p:nvCxnSpPr>
-        <p:spPr>
-          <a:xfrm>
-            <a:off x="6196264" y="6168191"/>
-            <a:ext cx="1740568" cy="0"/>
-          </a:xfrm>
-          <a:prstGeom prst="line">
-            <a:avLst/>
-          </a:prstGeom>
-          <a:ln>
-            <a:solidFill>
-              <a:srgbClr val="568EFF"/>
-            </a:solidFill>
-          </a:ln>
-        </p:spPr>
-        <p:style>
-          <a:lnRef idx="1">
-            <a:schemeClr val="accent1"/>
-          </a:lnRef>
-          <a:fillRef idx="0">
-            <a:schemeClr val="accent1"/>
-          </a:fillRef>
-          <a:effectRef idx="0">
-            <a:schemeClr val="accent1"/>
-          </a:effectRef>
-          <a:fontRef idx="minor">
-            <a:schemeClr val="tx1"/>
-          </a:fontRef>
-        </p:style>
-      </p:cxnSp>
-      <p:sp>
-        <p:nvSpPr>
-          <p:cNvPr id="23" name="CasellaDiTesto 22">
-            <a:extLst>
-              <a:ext uri="{FF2B5EF4-FFF2-40B4-BE49-F238E27FC236}">
-                <a16:creationId xmlns:a16="http://schemas.microsoft.com/office/drawing/2014/main" id="{A765B5B0-E9AF-4D79-BF37-9FD0644F656E}"/>
-              </a:ext>
-            </a:extLst>
-          </p:cNvPr>
-          <p:cNvSpPr txBox="1"/>
-          <p:nvPr/>
-        </p:nvSpPr>
-        <p:spPr>
-          <a:xfrm>
-            <a:off x="6196265" y="5614373"/>
-            <a:ext cx="1740568" cy="307777"/>
-          </a:xfrm>
-          <a:prstGeom prst="rect">
-            <a:avLst/>
-          </a:prstGeom>
-          <a:noFill/>
-        </p:spPr>
-        <p:txBody>
-          <a:bodyPr wrap="square" rtlCol="0">
-            <a:spAutoFit/>
-          </a:bodyPr>
-          <a:lstStyle/>
-          <a:p>
-            <a:pPr algn="ctr"/>
-            <a:r>
-              <a:rPr lang="it-IT" sz="1400" dirty="0" err="1"/>
-              <a:t>EntityObject</a:t>
-            </a:r>
-            <a:endParaRPr lang="it-IT" sz="1400" dirty="0"/>
-          </a:p>
-        </p:txBody>
-      </p:sp>
-      <p:sp>
-        <p:nvSpPr>
-          <p:cNvPr id="24" name="Rettangolo 23">
-            <a:extLst>
-              <a:ext uri="{FF2B5EF4-FFF2-40B4-BE49-F238E27FC236}">
-                <a16:creationId xmlns:a16="http://schemas.microsoft.com/office/drawing/2014/main" id="{AA7DF297-90BD-4CC4-858A-F08096781ECE}"/>
-              </a:ext>
-            </a:extLst>
-          </p:cNvPr>
-          <p:cNvSpPr/>
-          <p:nvPr/>
-        </p:nvSpPr>
-        <p:spPr>
-          <a:xfrm>
-            <a:off x="9356558" y="4472936"/>
-            <a:ext cx="1740568" cy="673769"/>
-          </a:xfrm>
-          <a:prstGeom prst="rect">
-            <a:avLst/>
-          </a:prstGeom>
-          <a:solidFill>
-            <a:srgbClr val="FFF5D8"/>
-          </a:solidFill>
-          <a:ln>
-            <a:solidFill>
-              <a:srgbClr val="568EFF"/>
-            </a:solidFill>
-          </a:ln>
-        </p:spPr>
-        <p:style>
-          <a:lnRef idx="2">
-            <a:schemeClr val="accent1">
-              <a:shade val="50000"/>
-            </a:schemeClr>
-          </a:lnRef>
-          <a:fillRef idx="1">
-            <a:schemeClr val="accent1"/>
-          </a:fillRef>
-          <a:effectRef idx="0">
-            <a:schemeClr val="accent1"/>
-          </a:effectRef>
-          <a:fontRef idx="minor">
-            <a:schemeClr val="lt1"/>
-          </a:fontRef>
-        </p:style>
-        <p:txBody>
-          <a:bodyPr rtlCol="0" anchor="ctr"/>
-          <a:lstStyle/>
-          <a:p>
-            <a:pPr algn="ctr"/>
-            <a:endParaRPr lang="it-IT"/>
-          </a:p>
-        </p:txBody>
-      </p:sp>
-      <p:cxnSp>
-        <p:nvCxnSpPr>
-          <p:cNvPr id="25" name="Connettore diritto 24">
-            <a:extLst>
-              <a:ext uri="{FF2B5EF4-FFF2-40B4-BE49-F238E27FC236}">
-                <a16:creationId xmlns:a16="http://schemas.microsoft.com/office/drawing/2014/main" id="{61324338-6A8E-4CAC-B9D5-2D412D14D676}"/>
-              </a:ext>
-            </a:extLst>
-          </p:cNvPr>
-          <p:cNvCxnSpPr>
-            <a:cxnSpLocks/>
-          </p:cNvCxnSpPr>
-          <p:nvPr/>
-        </p:nvCxnSpPr>
-        <p:spPr>
-          <a:xfrm>
-            <a:off x="9356558" y="4713569"/>
-            <a:ext cx="1740568" cy="0"/>
-          </a:xfrm>
-          <a:prstGeom prst="line">
-            <a:avLst/>
-          </a:prstGeom>
-          <a:ln>
-            <a:solidFill>
-              <a:srgbClr val="568EFF"/>
-            </a:solidFill>
-          </a:ln>
-        </p:spPr>
-        <p:style>
-          <a:lnRef idx="1">
-            <a:schemeClr val="accent1"/>
-          </a:lnRef>
-          <a:fillRef idx="0">
-            <a:schemeClr val="accent1"/>
-          </a:fillRef>
-          <a:effectRef idx="0">
-            <a:schemeClr val="accent1"/>
-          </a:effectRef>
-          <a:fontRef idx="minor">
-            <a:schemeClr val="tx1"/>
-          </a:fontRef>
-        </p:style>
-      </p:cxnSp>
-      <p:cxnSp>
-        <p:nvCxnSpPr>
-          <p:cNvPr id="26" name="Connettore diritto 25">
-            <a:extLst>
-              <a:ext uri="{FF2B5EF4-FFF2-40B4-BE49-F238E27FC236}">
-                <a16:creationId xmlns:a16="http://schemas.microsoft.com/office/drawing/2014/main" id="{F5F41C93-CF0C-4C8C-923B-E47EE37EF401}"/>
-              </a:ext>
-            </a:extLst>
-          </p:cNvPr>
-          <p:cNvCxnSpPr>
-            <a:cxnSpLocks/>
-          </p:cNvCxnSpPr>
-          <p:nvPr/>
-        </p:nvCxnSpPr>
-        <p:spPr>
-          <a:xfrm>
-            <a:off x="9356558" y="4994306"/>
-            <a:ext cx="1740568" cy="0"/>
-          </a:xfrm>
-          <a:prstGeom prst="line">
-            <a:avLst/>
-          </a:prstGeom>
-          <a:ln>
-            <a:solidFill>
-              <a:srgbClr val="568EFF"/>
-            </a:solidFill>
-          </a:ln>
-        </p:spPr>
-        <p:style>
-          <a:lnRef idx="1">
-            <a:schemeClr val="accent1"/>
-          </a:lnRef>
-          <a:fillRef idx="0">
-            <a:schemeClr val="accent1"/>
-          </a:fillRef>
-          <a:effectRef idx="0">
-            <a:schemeClr val="accent1"/>
-          </a:effectRef>
-          <a:fontRef idx="minor">
-            <a:schemeClr val="tx1"/>
-          </a:fontRef>
-        </p:style>
-      </p:cxnSp>
-      <p:sp>
-        <p:nvSpPr>
-          <p:cNvPr id="27" name="CasellaDiTesto 26">
-            <a:extLst>
-              <a:ext uri="{FF2B5EF4-FFF2-40B4-BE49-F238E27FC236}">
-                <a16:creationId xmlns:a16="http://schemas.microsoft.com/office/drawing/2014/main" id="{3AA85DD6-B6F5-4CB8-9042-FA5C31D5AD45}"/>
-              </a:ext>
-            </a:extLst>
-          </p:cNvPr>
-          <p:cNvSpPr txBox="1"/>
-          <p:nvPr/>
-        </p:nvSpPr>
-        <p:spPr>
-          <a:xfrm>
-            <a:off x="9356559" y="4440488"/>
-            <a:ext cx="1740568" cy="307777"/>
-          </a:xfrm>
-          <a:prstGeom prst="rect">
-            <a:avLst/>
-          </a:prstGeom>
-          <a:noFill/>
-        </p:spPr>
-        <p:txBody>
-          <a:bodyPr wrap="square" rtlCol="0">
-            <a:spAutoFit/>
-          </a:bodyPr>
-          <a:lstStyle/>
-          <a:p>
-            <a:pPr algn="ctr"/>
-            <a:r>
-              <a:rPr lang="it-IT" sz="1400" dirty="0"/>
-              <a:t>Data Source</a:t>
-            </a:r>
-          </a:p>
-        </p:txBody>
-      </p:sp>
-      <p:cxnSp>
-        <p:nvCxnSpPr>
-          <p:cNvPr id="29" name="Connettore 2 28">
-            <a:extLst>
-              <a:ext uri="{FF2B5EF4-FFF2-40B4-BE49-F238E27FC236}">
-                <a16:creationId xmlns:a16="http://schemas.microsoft.com/office/drawing/2014/main" id="{13227DD6-577D-441F-B734-D030ACAC85C2}"/>
-              </a:ext>
-            </a:extLst>
-          </p:cNvPr>
-          <p:cNvCxnSpPr>
-            <a:stCxn id="4" idx="3"/>
-            <a:endCxn id="8" idx="1"/>
-          </p:cNvCxnSpPr>
-          <p:nvPr/>
-        </p:nvCxnSpPr>
-        <p:spPr>
-          <a:xfrm flipV="1">
-            <a:off x="5017168" y="4813634"/>
-            <a:ext cx="1179096" cy="1"/>
-          </a:xfrm>
-          <a:prstGeom prst="straightConnector1">
-            <a:avLst/>
-          </a:prstGeom>
-          <a:ln>
-            <a:solidFill>
-              <a:srgbClr val="568EFF"/>
-            </a:solidFill>
-            <a:tailEnd type="triangle"/>
-          </a:ln>
-        </p:spPr>
-        <p:style>
-          <a:lnRef idx="1">
-            <a:schemeClr val="accent1"/>
-          </a:lnRef>
-          <a:fillRef idx="0">
-            <a:schemeClr val="accent1"/>
-          </a:fillRef>
-          <a:effectRef idx="0">
-            <a:schemeClr val="accent1"/>
-          </a:effectRef>
-          <a:fontRef idx="minor">
-            <a:schemeClr val="tx1"/>
-          </a:fontRef>
-        </p:style>
-      </p:cxnSp>
-      <p:cxnSp>
-        <p:nvCxnSpPr>
-          <p:cNvPr id="31" name="Connettore 2 30">
-            <a:extLst>
-              <a:ext uri="{FF2B5EF4-FFF2-40B4-BE49-F238E27FC236}">
-                <a16:creationId xmlns:a16="http://schemas.microsoft.com/office/drawing/2014/main" id="{C65EB2FA-28D4-43AD-BF42-2E3F4F9CFED9}"/>
-              </a:ext>
-            </a:extLst>
-          </p:cNvPr>
-          <p:cNvCxnSpPr>
-            <a:stCxn id="8" idx="3"/>
-            <a:endCxn id="24" idx="1"/>
-          </p:cNvCxnSpPr>
-          <p:nvPr/>
-        </p:nvCxnSpPr>
-        <p:spPr>
-          <a:xfrm flipV="1">
-            <a:off x="7936832" y="4809821"/>
-            <a:ext cx="1419726" cy="3813"/>
-          </a:xfrm>
-          <a:prstGeom prst="straightConnector1">
-            <a:avLst/>
-          </a:prstGeom>
-          <a:ln>
-            <a:solidFill>
-              <a:srgbClr val="568EFF"/>
-            </a:solidFill>
-            <a:tailEnd type="triangle"/>
-          </a:ln>
-        </p:spPr>
-        <p:style>
-          <a:lnRef idx="1">
-            <a:schemeClr val="accent1"/>
-          </a:lnRef>
-          <a:fillRef idx="0">
-            <a:schemeClr val="accent1"/>
-          </a:fillRef>
-          <a:effectRef idx="0">
-            <a:schemeClr val="accent1"/>
-          </a:effectRef>
-          <a:fontRef idx="minor">
-            <a:schemeClr val="tx1"/>
-          </a:fontRef>
-        </p:style>
-      </p:cxnSp>
-      <p:cxnSp>
-        <p:nvCxnSpPr>
-          <p:cNvPr id="33" name="Connettore 2 32">
-            <a:extLst>
-              <a:ext uri="{FF2B5EF4-FFF2-40B4-BE49-F238E27FC236}">
-                <a16:creationId xmlns:a16="http://schemas.microsoft.com/office/drawing/2014/main" id="{509812B5-E3F9-4A43-A199-808C383806C4}"/>
-              </a:ext>
-            </a:extLst>
-          </p:cNvPr>
-          <p:cNvCxnSpPr>
-            <a:stCxn id="8" idx="2"/>
-            <a:endCxn id="23" idx="0"/>
-          </p:cNvCxnSpPr>
-          <p:nvPr/>
-        </p:nvCxnSpPr>
-        <p:spPr>
-          <a:xfrm>
-            <a:off x="7066548" y="5150518"/>
-            <a:ext cx="1" cy="463855"/>
-          </a:xfrm>
-          <a:prstGeom prst="straightConnector1">
-            <a:avLst/>
-          </a:prstGeom>
-          <a:ln>
-            <a:solidFill>
-              <a:srgbClr val="568EFF"/>
-            </a:solidFill>
-            <a:prstDash val="dash"/>
-            <a:tailEnd type="triangle"/>
-          </a:ln>
-        </p:spPr>
-        <p:style>
-          <a:lnRef idx="1">
-            <a:schemeClr val="accent1"/>
-          </a:lnRef>
-          <a:fillRef idx="0">
-            <a:schemeClr val="accent1"/>
-          </a:fillRef>
-          <a:effectRef idx="0">
-            <a:schemeClr val="accent1"/>
-          </a:effectRef>
-          <a:fontRef idx="minor">
-            <a:schemeClr val="tx1"/>
-          </a:fontRef>
-        </p:style>
-      </p:cxnSp>
-      <p:cxnSp>
-        <p:nvCxnSpPr>
-          <p:cNvPr id="35" name="Connettore a gomito 34">
-            <a:extLst>
-              <a:ext uri="{FF2B5EF4-FFF2-40B4-BE49-F238E27FC236}">
-                <a16:creationId xmlns:a16="http://schemas.microsoft.com/office/drawing/2014/main" id="{3AD88230-1237-4BC5-A2A9-1FD0527EF634}"/>
-              </a:ext>
-            </a:extLst>
-          </p:cNvPr>
-          <p:cNvCxnSpPr>
-            <a:stCxn id="4" idx="2"/>
-            <a:endCxn id="20" idx="1"/>
-          </p:cNvCxnSpPr>
-          <p:nvPr/>
-        </p:nvCxnSpPr>
-        <p:spPr>
-          <a:xfrm rot="16200000" flipH="1">
-            <a:off x="4754981" y="4542422"/>
-            <a:ext cx="833187" cy="2049380"/>
-          </a:xfrm>
-          <a:prstGeom prst="bentConnector2">
-            <a:avLst/>
-          </a:prstGeom>
-          <a:ln>
-            <a:solidFill>
-              <a:srgbClr val="568EFF"/>
-            </a:solidFill>
-            <a:prstDash val="dash"/>
-            <a:tailEnd type="triangle"/>
-          </a:ln>
-        </p:spPr>
-        <p:style>
-          <a:lnRef idx="1">
-            <a:schemeClr val="accent1"/>
-          </a:lnRef>
-          <a:fillRef idx="0">
-            <a:schemeClr val="accent1"/>
-          </a:fillRef>
-          <a:effectRef idx="0">
-            <a:schemeClr val="accent1"/>
-          </a:effectRef>
-          <a:fontRef idx="minor">
-            <a:schemeClr val="tx1"/>
-          </a:fontRef>
-        </p:style>
-      </p:cxnSp>
-      <p:sp>
-        <p:nvSpPr>
-          <p:cNvPr id="36" name="CasellaDiTesto 35">
-            <a:extLst>
-              <a:ext uri="{FF2B5EF4-FFF2-40B4-BE49-F238E27FC236}">
-                <a16:creationId xmlns:a16="http://schemas.microsoft.com/office/drawing/2014/main" id="{77EE6657-8FC4-4C28-B55B-E087D98C8FA2}"/>
-              </a:ext>
-            </a:extLst>
-          </p:cNvPr>
-          <p:cNvSpPr txBox="1"/>
-          <p:nvPr/>
-        </p:nvSpPr>
-        <p:spPr>
-          <a:xfrm>
-            <a:off x="5338854" y="4515092"/>
-            <a:ext cx="535724" cy="276999"/>
-          </a:xfrm>
-          <a:prstGeom prst="rect">
-            <a:avLst/>
-          </a:prstGeom>
-          <a:noFill/>
-        </p:spPr>
-        <p:txBody>
-          <a:bodyPr wrap="none" rtlCol="0">
-            <a:spAutoFit/>
-          </a:bodyPr>
-          <a:lstStyle/>
-          <a:p>
-            <a:r>
-              <a:rPr lang="it-IT" sz="1200" dirty="0"/>
-              <a:t>+usa</a:t>
-            </a:r>
-          </a:p>
-        </p:txBody>
-      </p:sp>
-      <p:sp>
-        <p:nvSpPr>
-          <p:cNvPr id="37" name="CasellaDiTesto 36">
-            <a:extLst>
-              <a:ext uri="{FF2B5EF4-FFF2-40B4-BE49-F238E27FC236}">
-                <a16:creationId xmlns:a16="http://schemas.microsoft.com/office/drawing/2014/main" id="{DF6BFD5A-C583-4BF2-9910-131278BD74DB}"/>
-              </a:ext>
-            </a:extLst>
-          </p:cNvPr>
-          <p:cNvSpPr txBox="1"/>
-          <p:nvPr/>
-        </p:nvSpPr>
-        <p:spPr>
-          <a:xfrm>
-            <a:off x="8146397" y="4509930"/>
-            <a:ext cx="1000595" cy="276999"/>
-          </a:xfrm>
-          <a:prstGeom prst="rect">
-            <a:avLst/>
-          </a:prstGeom>
-          <a:noFill/>
-        </p:spPr>
-        <p:txBody>
-          <a:bodyPr wrap="none" rtlCol="0">
-            <a:spAutoFit/>
-          </a:bodyPr>
-          <a:lstStyle/>
-          <a:p>
-            <a:r>
-              <a:rPr lang="it-IT" sz="1200" dirty="0"/>
-              <a:t>+incapsula</a:t>
-            </a:r>
-          </a:p>
-        </p:txBody>
-      </p:sp>
-      <p:sp>
-        <p:nvSpPr>
-          <p:cNvPr id="39" name="CasellaDiTesto 38">
-            <a:extLst>
-              <a:ext uri="{FF2B5EF4-FFF2-40B4-BE49-F238E27FC236}">
-                <a16:creationId xmlns:a16="http://schemas.microsoft.com/office/drawing/2014/main" id="{340BB2CD-AF34-45DF-9901-F5AF773652CD}"/>
-              </a:ext>
-            </a:extLst>
-          </p:cNvPr>
-          <p:cNvSpPr txBox="1"/>
-          <p:nvPr/>
-        </p:nvSpPr>
-        <p:spPr>
-          <a:xfrm>
-            <a:off x="2558718" y="5551070"/>
-            <a:ext cx="2217821" cy="276999"/>
-          </a:xfrm>
-          <a:prstGeom prst="rect">
-            <a:avLst/>
-          </a:prstGeom>
-          <a:noFill/>
-        </p:spPr>
-        <p:txBody>
-          <a:bodyPr wrap="square" rtlCol="0">
-            <a:spAutoFit/>
-          </a:bodyPr>
-          <a:lstStyle/>
-          <a:p>
-            <a:r>
-              <a:rPr lang="it-IT" sz="1200" dirty="0"/>
-              <a:t>+ottiene modifica</a:t>
-            </a:r>
-          </a:p>
-        </p:txBody>
-      </p:sp>
-      <p:sp>
-        <p:nvSpPr>
-          <p:cNvPr id="40" name="CasellaDiTesto 39">
-            <a:extLst>
-              <a:ext uri="{FF2B5EF4-FFF2-40B4-BE49-F238E27FC236}">
-                <a16:creationId xmlns:a16="http://schemas.microsoft.com/office/drawing/2014/main" id="{1931E0CA-14CC-42F1-B40B-AA8B7FC9367E}"/>
-              </a:ext>
-            </a:extLst>
-          </p:cNvPr>
-          <p:cNvSpPr txBox="1"/>
-          <p:nvPr/>
-        </p:nvSpPr>
-        <p:spPr>
-          <a:xfrm>
-            <a:off x="7073406" y="5249505"/>
-            <a:ext cx="1419723" cy="276999"/>
-          </a:xfrm>
-          <a:prstGeom prst="rect">
-            <a:avLst/>
-          </a:prstGeom>
-          <a:noFill/>
-        </p:spPr>
-        <p:txBody>
-          <a:bodyPr wrap="square" rtlCol="0">
-            <a:spAutoFit/>
-          </a:bodyPr>
-          <a:lstStyle/>
-          <a:p>
-            <a:r>
-              <a:rPr lang="it-IT" sz="1200" dirty="0"/>
-              <a:t>+crea modifica</a:t>
-            </a:r>
-          </a:p>
-        </p:txBody>
-      </p:sp>
-    </p:spTree>
-  </p:cSld>
-  <p:clrMapOvr>
-    <a:masterClrMapping/>
-  </p:clrMapOvr>
-</p:sld>
-</file>
-
-<file path=ppt/slides/slide6.xml><?xml version="1.0" encoding="utf-8"?>
-<p:sld xmlns:a="http://schemas.openxmlformats.org/drawingml/2006/main" xmlns:r="http://schemas.openxmlformats.org/officeDocument/2006/relationships" xmlns:p="http://schemas.openxmlformats.org/presentationml/2006/main">
-  <p:cSld name="Scelta dei Design Pattern">
     <p:bg>
       <p:bgPr>
         <a:gradFill rotWithShape="1">
           <a:gsLst>
-            <a:gs pos="0">
+            <a:gs pos="100000">
               <a:schemeClr val="bg2">
                 <a:tint val="90000"/>
                 <a:satMod val="92000"/>
@@ -21200,7 +20106,7 @@
           <p:cNvPr id="2" name="Titolo 1">
             <a:extLst>
               <a:ext uri="{FF2B5EF4-FFF2-40B4-BE49-F238E27FC236}">
-                <a16:creationId xmlns:a16="http://schemas.microsoft.com/office/drawing/2014/main" id="{A9A2AE18-01FE-40DC-A465-66F5C4AA9BA2}"/>
+                <a16:creationId xmlns:a16="http://schemas.microsoft.com/office/drawing/2014/main" id="{E04D935F-2542-41B7-9F26-3848C17280D3}"/>
               </a:ext>
             </a:extLst>
           </p:cNvPr>
@@ -21223,20 +20129,8 @@
           <a:p>
             <a:pPr lvl="0"/>
             <a:r>
-              <a:rPr lang="en-US" dirty="0" err="1"/>
-              <a:t>Scelta</a:t>
-            </a:r>
-            <a:r>
-              <a:rPr lang="en-US" dirty="0"/>
-              <a:t> </a:t>
-            </a:r>
-            <a:r>
-              <a:rPr lang="en-US" dirty="0" err="1"/>
-              <a:t>dei</a:t>
-            </a:r>
-            <a:r>
-              <a:rPr lang="en-US" dirty="0"/>
-              <a:t> Design Pattern</a:t>
+              <a:rPr lang="en-US"/>
+              <a:t>Scelta dei Design Pattern</a:t>
             </a:r>
           </a:p>
         </p:txBody>
@@ -21246,7 +20140,7 @@
           <p:cNvPr id="3" name="Segnaposto contenuto 2">
             <a:extLst>
               <a:ext uri="{FF2B5EF4-FFF2-40B4-BE49-F238E27FC236}">
-                <a16:creationId xmlns:a16="http://schemas.microsoft.com/office/drawing/2014/main" id="{9FD96C0F-73F9-452F-A6FE-405DB0FE0C4C}"/>
+                <a16:creationId xmlns:a16="http://schemas.microsoft.com/office/drawing/2014/main" id="{B9DA8C2A-6BD2-4B84-AB78-B57C5CFB92D4}"/>
               </a:ext>
             </a:extLst>
           </p:cNvPr>
@@ -21260,11 +20154,13 @@
         <p:spPr>
           <a:xfrm>
             <a:off x="3276600" y="2133600"/>
-            <a:ext cx="8915400" cy="3776663"/>
-          </a:xfrm>
-        </p:spPr>
-        <p:txBody>
-          <a:bodyPr/>
+            <a:ext cx="8915400" cy="2114550"/>
+          </a:xfrm>
+        </p:spPr>
+        <p:txBody>
+          <a:bodyPr>
+            <a:normAutofit fontScale="92500" lnSpcReduction="20000"/>
+          </a:bodyPr>
           <a:lstStyle/>
           <a:p>
             <a:pPr lvl="0">
@@ -21281,128 +20177,38 @@
               <a:buChar char=""/>
             </a:pPr>
             <a:r>
-              <a:rPr lang="en-US" dirty="0"/>
-              <a:t>Un </a:t>
-            </a:r>
-            <a:r>
-              <a:rPr lang="en-US" dirty="0" err="1"/>
-              <a:t>altro</a:t>
-            </a:r>
-            <a:r>
-              <a:rPr lang="en-US" dirty="0"/>
-              <a:t> Design Pattern </a:t>
-            </a:r>
-            <a:r>
-              <a:rPr lang="en-US" dirty="0" err="1"/>
-              <a:t>utilizzato</a:t>
-            </a:r>
-            <a:r>
-              <a:rPr lang="en-US" dirty="0"/>
-              <a:t> è Observer, </a:t>
-            </a:r>
-            <a:r>
-              <a:rPr lang="en-US" dirty="0" err="1"/>
-              <a:t>che</a:t>
-            </a:r>
-            <a:r>
-              <a:rPr lang="en-US" dirty="0"/>
-              <a:t> ci </a:t>
-            </a:r>
-            <a:r>
-              <a:rPr lang="en-US" dirty="0" err="1"/>
-              <a:t>tornerà</a:t>
-            </a:r>
-            <a:r>
-              <a:rPr lang="en-US" dirty="0"/>
-              <a:t> utile </a:t>
-            </a:r>
-            <a:r>
-              <a:rPr lang="en-US" dirty="0" err="1"/>
-              <a:t>nella</a:t>
-            </a:r>
-            <a:r>
-              <a:rPr lang="en-US" dirty="0"/>
-              <a:t> </a:t>
-            </a:r>
-            <a:r>
-              <a:rPr lang="en-US" dirty="0" err="1"/>
-              <a:t>maggiore</a:t>
-            </a:r>
-            <a:r>
-              <a:rPr lang="en-US" dirty="0"/>
-              <a:t> </a:t>
-            </a:r>
-            <a:r>
-              <a:rPr lang="en-US" dirty="0" err="1"/>
-              <a:t>parte</a:t>
-            </a:r>
-            <a:r>
-              <a:rPr lang="en-US" dirty="0"/>
-              <a:t> </a:t>
-            </a:r>
-            <a:r>
-              <a:rPr lang="en-US" dirty="0" err="1"/>
-              <a:t>delle</a:t>
-            </a:r>
-            <a:r>
-              <a:rPr lang="en-US" dirty="0"/>
-              <a:t> </a:t>
-            </a:r>
-            <a:r>
-              <a:rPr lang="en-US" dirty="0" err="1"/>
-              <a:t>funzionalità</a:t>
-            </a:r>
-            <a:r>
-              <a:rPr lang="en-US" dirty="0"/>
-              <a:t> le </a:t>
-            </a:r>
-            <a:r>
-              <a:rPr lang="en-US" dirty="0" err="1"/>
-              <a:t>quali</a:t>
-            </a:r>
-            <a:r>
-              <a:rPr lang="en-US" dirty="0"/>
-              <a:t> </a:t>
-            </a:r>
-            <a:r>
-              <a:rPr lang="en-US" dirty="0" err="1"/>
-              <a:t>utilizzano</a:t>
-            </a:r>
-            <a:r>
-              <a:rPr lang="en-US" dirty="0"/>
-              <a:t> MVC, in </a:t>
-            </a:r>
-            <a:r>
-              <a:rPr lang="en-US" dirty="0" err="1"/>
-              <a:t>particolare</a:t>
-            </a:r>
-            <a:r>
-              <a:rPr lang="en-US" dirty="0"/>
-              <a:t> </a:t>
-            </a:r>
-            <a:r>
-              <a:rPr lang="en-US" dirty="0" err="1"/>
-              <a:t>questo</a:t>
-            </a:r>
-            <a:r>
-              <a:rPr lang="en-US" dirty="0"/>
-              <a:t> Design Pattern </a:t>
-            </a:r>
-            <a:r>
-              <a:rPr lang="en-US" dirty="0" err="1"/>
-              <a:t>implementerà</a:t>
-            </a:r>
-            <a:r>
-              <a:rPr lang="en-US" dirty="0"/>
-              <a:t> </a:t>
-            </a:r>
-            <a:r>
-              <a:rPr lang="en-US" dirty="0" err="1"/>
-              <a:t>il</a:t>
-            </a:r>
-            <a:r>
-              <a:rPr lang="en-US" dirty="0"/>
-              <a:t> View in MVC</a:t>
+              <a:rPr lang="en-US"/>
+              <a:t>Per la gestione della persistenza abbiamo scelto il Design Pattern Data Access Object (DAO), il quale ci ha dato la possibilità di stratificare e separare l’accesso al database.</a:t>
+            </a:r>
+          </a:p>
+          <a:p>
+            <a:pPr lvl="0">
+              <a:spcBef>
+                <a:spcPts val="1001"/>
+              </a:spcBef>
+              <a:spcAft>
+                <a:spcPts val="0"/>
+              </a:spcAft>
+              <a:buNone/>
+            </a:pPr>
+            <a:r>
+              <a:rPr lang="en-US"/>
+              <a:t>Nello specifico questo Pattern è stato utilizzato per le operazioni CRUD sulla  base di dati , per la gestione degli eventi, dei clienti e degli addetti. In particolare,          l’utilizzo di questo Pattern è stato necessario per garantire la 	corretta      suddivisione delle entità del modello MVC.</a:t>
+            </a:r>
+          </a:p>
+          <a:p>
+            <a:pPr lvl="0">
+              <a:spcBef>
+                <a:spcPts val="1001"/>
+              </a:spcBef>
+              <a:spcAft>
+                <a:spcPts val="0"/>
+              </a:spcAft>
+              <a:buNone/>
+            </a:pPr>
+            <a:r>
+              <a:rPr lang="en-US"/>
+              <a:t>	</a:t>
             </a:r>
           </a:p>
         </p:txBody>
@@ -21412,7 +20218,7 @@
           <p:cNvPr id="4" name="Rettangolo 3">
             <a:extLst>
               <a:ext uri="{FF2B5EF4-FFF2-40B4-BE49-F238E27FC236}">
-                <a16:creationId xmlns:a16="http://schemas.microsoft.com/office/drawing/2014/main" id="{CAB9F620-BE19-476F-B5F9-8D91EB218926}"/>
+                <a16:creationId xmlns:a16="http://schemas.microsoft.com/office/drawing/2014/main" id="{D11D8E97-FC65-4A40-8A86-E2EE88C170D6}"/>
               </a:ext>
             </a:extLst>
           </p:cNvPr>
@@ -21421,8 +20227,8 @@
         </p:nvSpPr>
         <p:spPr>
           <a:xfrm>
-            <a:off x="3217025" y="4264418"/>
-            <a:ext cx="1740568" cy="1083980"/>
+            <a:off x="3276600" y="4476750"/>
+            <a:ext cx="1740568" cy="673769"/>
           </a:xfrm>
           <a:prstGeom prst="rect">
             <a:avLst/>
@@ -21457,7 +20263,7 @@
           <a:lstStyle/>
           <a:p>
             <a:pPr algn="ctr"/>
-            <a:endParaRPr lang="it-IT" dirty="0"/>
+            <a:endParaRPr lang="it-IT"/>
           </a:p>
         </p:txBody>
       </p:sp>
@@ -21466,7 +20272,7 @@
           <p:cNvPr id="5" name="Connettore diritto 4">
             <a:extLst>
               <a:ext uri="{FF2B5EF4-FFF2-40B4-BE49-F238E27FC236}">
-                <a16:creationId xmlns:a16="http://schemas.microsoft.com/office/drawing/2014/main" id="{565D3BC6-FA6A-4E03-83F8-288A364F1D8C}"/>
+                <a16:creationId xmlns:a16="http://schemas.microsoft.com/office/drawing/2014/main" id="{5A2ECBD2-FD40-47F5-965F-A16F221D18E8}"/>
               </a:ext>
             </a:extLst>
           </p:cNvPr>
@@ -21477,7 +20283,7 @@
         </p:nvCxnSpPr>
         <p:spPr>
           <a:xfrm>
-            <a:off x="3217025" y="4574595"/>
+            <a:off x="3276600" y="4717383"/>
             <a:ext cx="1740568" cy="0"/>
           </a:xfrm>
           <a:prstGeom prst="line">
@@ -21509,7 +20315,7 @@
           <p:cNvPr id="6" name="Connettore diritto 5">
             <a:extLst>
               <a:ext uri="{FF2B5EF4-FFF2-40B4-BE49-F238E27FC236}">
-                <a16:creationId xmlns:a16="http://schemas.microsoft.com/office/drawing/2014/main" id="{80CD6D5A-1F52-4A5B-B473-6C94FE2C946B}"/>
+                <a16:creationId xmlns:a16="http://schemas.microsoft.com/office/drawing/2014/main" id="{5268A8DD-2752-4992-B80B-BA5DAF613428}"/>
               </a:ext>
             </a:extLst>
           </p:cNvPr>
@@ -21520,7 +20326,7 @@
         </p:nvCxnSpPr>
         <p:spPr>
           <a:xfrm>
-            <a:off x="3217025" y="4674431"/>
+            <a:off x="3276600" y="4998120"/>
             <a:ext cx="1740568" cy="0"/>
           </a:xfrm>
           <a:prstGeom prst="line">
@@ -21552,7 +20358,7 @@
           <p:cNvPr id="7" name="CasellaDiTesto 6">
             <a:extLst>
               <a:ext uri="{FF2B5EF4-FFF2-40B4-BE49-F238E27FC236}">
-                <a16:creationId xmlns:a16="http://schemas.microsoft.com/office/drawing/2014/main" id="{B356ADD7-7FE5-4101-B939-BEE9CE4AB808}"/>
+                <a16:creationId xmlns:a16="http://schemas.microsoft.com/office/drawing/2014/main" id="{209DB945-0430-405C-890B-EE4393BBA489}"/>
               </a:ext>
             </a:extLst>
           </p:cNvPr>
@@ -21561,7 +20367,7 @@
         </p:nvSpPr>
         <p:spPr>
           <a:xfrm>
-            <a:off x="3204152" y="4286599"/>
+            <a:off x="3276601" y="4444302"/>
             <a:ext cx="1740568" cy="307777"/>
           </a:xfrm>
           <a:prstGeom prst="rect">
@@ -21578,7 +20384,7 @@
             <a:pPr algn="ctr"/>
             <a:r>
               <a:rPr lang="it-IT" sz="1400" dirty="0"/>
-              <a:t>Soggetto</a:t>
+              <a:t>BusinessObject</a:t>
             </a:r>
           </a:p>
         </p:txBody>
@@ -21588,7 +20394,7 @@
           <p:cNvPr id="8" name="Rettangolo 7">
             <a:extLst>
               <a:ext uri="{FF2B5EF4-FFF2-40B4-BE49-F238E27FC236}">
-                <a16:creationId xmlns:a16="http://schemas.microsoft.com/office/drawing/2014/main" id="{968BC689-0783-4ADD-87FF-09F4EF1DCB8D}"/>
+                <a16:creationId xmlns:a16="http://schemas.microsoft.com/office/drawing/2014/main" id="{9EDE8174-1C89-475D-A5B7-CFD388FC973A}"/>
               </a:ext>
             </a:extLst>
           </p:cNvPr>
@@ -21597,7 +20403,7 @@
         </p:nvSpPr>
         <p:spPr>
           <a:xfrm>
-            <a:off x="6196264" y="4578330"/>
+            <a:off x="6196264" y="4476749"/>
             <a:ext cx="1740568" cy="673769"/>
           </a:xfrm>
           <a:prstGeom prst="rect">
@@ -21633,7 +20439,7 @@
           <a:lstStyle/>
           <a:p>
             <a:pPr algn="ctr"/>
-            <a:endParaRPr lang="it-IT" dirty="0"/>
+            <a:endParaRPr lang="it-IT"/>
           </a:p>
         </p:txBody>
       </p:sp>
@@ -21642,7 +20448,7 @@
           <p:cNvPr id="9" name="Connettore diritto 8">
             <a:extLst>
               <a:ext uri="{FF2B5EF4-FFF2-40B4-BE49-F238E27FC236}">
-                <a16:creationId xmlns:a16="http://schemas.microsoft.com/office/drawing/2014/main" id="{BC12326F-D500-49B4-BACA-1A8753E174B6}"/>
+                <a16:creationId xmlns:a16="http://schemas.microsoft.com/office/drawing/2014/main" id="{346E7D0B-0267-49BB-BB16-3A3130B916DA}"/>
               </a:ext>
             </a:extLst>
           </p:cNvPr>
@@ -21653,7 +20459,7 @@
         </p:nvCxnSpPr>
         <p:spPr>
           <a:xfrm>
-            <a:off x="6196264" y="4818963"/>
+            <a:off x="6196264" y="4717382"/>
             <a:ext cx="1740568" cy="0"/>
           </a:xfrm>
           <a:prstGeom prst="line">
@@ -21685,7 +20491,7 @@
           <p:cNvPr id="10" name="Connettore diritto 9">
             <a:extLst>
               <a:ext uri="{FF2B5EF4-FFF2-40B4-BE49-F238E27FC236}">
-                <a16:creationId xmlns:a16="http://schemas.microsoft.com/office/drawing/2014/main" id="{EF97EDA9-C6ED-450B-B0E7-BFD0966071AC}"/>
+                <a16:creationId xmlns:a16="http://schemas.microsoft.com/office/drawing/2014/main" id="{2E284BA9-75CE-47F0-BDC4-1ECE18DADA0C}"/>
               </a:ext>
             </a:extLst>
           </p:cNvPr>
@@ -21696,7 +20502,7 @@
         </p:nvCxnSpPr>
         <p:spPr>
           <a:xfrm>
-            <a:off x="6196264" y="4916218"/>
+            <a:off x="6196264" y="4998119"/>
             <a:ext cx="1740568" cy="0"/>
           </a:xfrm>
           <a:prstGeom prst="line">
@@ -21728,7 +20534,7 @@
           <p:cNvPr id="11" name="CasellaDiTesto 10">
             <a:extLst>
               <a:ext uri="{FF2B5EF4-FFF2-40B4-BE49-F238E27FC236}">
-                <a16:creationId xmlns:a16="http://schemas.microsoft.com/office/drawing/2014/main" id="{6A3B119F-DC78-4A08-AB45-606C3B978D03}"/>
+                <a16:creationId xmlns:a16="http://schemas.microsoft.com/office/drawing/2014/main" id="{CD6AE42A-F493-44BA-8355-CA24CAC0ECD9}"/>
               </a:ext>
             </a:extLst>
           </p:cNvPr>
@@ -21737,7 +20543,7 @@
         </p:nvSpPr>
         <p:spPr>
           <a:xfrm>
-            <a:off x="6196265" y="4545882"/>
+            <a:off x="6196265" y="4444301"/>
             <a:ext cx="1740568" cy="307777"/>
           </a:xfrm>
           <a:prstGeom prst="rect">
@@ -21753,19 +20559,18 @@
           <a:p>
             <a:pPr algn="ctr"/>
             <a:r>
-              <a:rPr lang="it-IT" sz="1400" dirty="0" err="1"/>
-              <a:t>Observer</a:t>
-            </a:r>
-            <a:endParaRPr lang="it-IT" sz="1400" dirty="0"/>
-          </a:p>
-        </p:txBody>
-      </p:sp>
-      <p:sp>
-        <p:nvSpPr>
-          <p:cNvPr id="12" name="Rettangolo 11">
+              <a:rPr lang="it-IT" sz="1400" dirty="0"/>
+              <a:t>DAO</a:t>
+            </a:r>
+          </a:p>
+        </p:txBody>
+      </p:sp>
+      <p:sp>
+        <p:nvSpPr>
+          <p:cNvPr id="20" name="Rettangolo 19">
             <a:extLst>
               <a:ext uri="{FF2B5EF4-FFF2-40B4-BE49-F238E27FC236}">
-                <a16:creationId xmlns:a16="http://schemas.microsoft.com/office/drawing/2014/main" id="{3C8A410D-6751-4C24-8B95-394536755DDB}"/>
+                <a16:creationId xmlns:a16="http://schemas.microsoft.com/office/drawing/2014/main" id="{AAD734DF-EAA8-4C43-8D5F-25341F4DB2E3}"/>
               </a:ext>
             </a:extLst>
           </p:cNvPr>
@@ -21774,8 +20579,8 @@
         </p:nvSpPr>
         <p:spPr>
           <a:xfrm>
-            <a:off x="6121520" y="5883462"/>
-            <a:ext cx="1835075" cy="673769"/>
+            <a:off x="6196264" y="5646821"/>
+            <a:ext cx="1740568" cy="673769"/>
           </a:xfrm>
           <a:prstGeom prst="rect">
             <a:avLst/>
@@ -21816,10 +20621,10 @@
       </p:sp>
       <p:cxnSp>
         <p:nvCxnSpPr>
-          <p:cNvPr id="13" name="Connettore diritto 12">
+          <p:cNvPr id="21" name="Connettore diritto 20">
             <a:extLst>
               <a:ext uri="{FF2B5EF4-FFF2-40B4-BE49-F238E27FC236}">
-                <a16:creationId xmlns:a16="http://schemas.microsoft.com/office/drawing/2014/main" id="{7FC93FEB-15BD-449D-BD42-DF13048BCE9F}"/>
+                <a16:creationId xmlns:a16="http://schemas.microsoft.com/office/drawing/2014/main" id="{30380E59-3B8C-4313-AE49-A589FDFC0FBD}"/>
               </a:ext>
             </a:extLst>
           </p:cNvPr>
@@ -21830,8 +20635,8 @@
         </p:nvCxnSpPr>
         <p:spPr>
           <a:xfrm>
-            <a:off x="6121521" y="6124095"/>
-            <a:ext cx="1815311" cy="0"/>
+            <a:off x="6196264" y="5887454"/>
+            <a:ext cx="1740568" cy="0"/>
           </a:xfrm>
           <a:prstGeom prst="line">
             <a:avLst/>
@@ -21859,10 +20664,10 @@
       </p:cxnSp>
       <p:cxnSp>
         <p:nvCxnSpPr>
-          <p:cNvPr id="14" name="Connettore diritto 13">
+          <p:cNvPr id="22" name="Connettore diritto 21">
             <a:extLst>
               <a:ext uri="{FF2B5EF4-FFF2-40B4-BE49-F238E27FC236}">
-                <a16:creationId xmlns:a16="http://schemas.microsoft.com/office/drawing/2014/main" id="{85BF9133-2374-4A1A-958F-401F9FE8B119}"/>
+                <a16:creationId xmlns:a16="http://schemas.microsoft.com/office/drawing/2014/main" id="{F6FC4975-E9C6-4025-BE80-CD38BDC816DE}"/>
               </a:ext>
             </a:extLst>
           </p:cNvPr>
@@ -21873,8 +20678,8 @@
         </p:nvCxnSpPr>
         <p:spPr>
           <a:xfrm>
-            <a:off x="6121521" y="6404832"/>
-            <a:ext cx="1835073" cy="0"/>
+            <a:off x="6196264" y="6168191"/>
+            <a:ext cx="1740568" cy="0"/>
           </a:xfrm>
           <a:prstGeom prst="line">
             <a:avLst/>
@@ -21902,10 +20707,10 @@
       </p:cxnSp>
       <p:sp>
         <p:nvSpPr>
-          <p:cNvPr id="15" name="CasellaDiTesto 14">
+          <p:cNvPr id="23" name="CasellaDiTesto 22">
             <a:extLst>
               <a:ext uri="{FF2B5EF4-FFF2-40B4-BE49-F238E27FC236}">
-                <a16:creationId xmlns:a16="http://schemas.microsoft.com/office/drawing/2014/main" id="{D2B672D7-2FFE-47DE-B792-2C6A2EE2BF3E}"/>
+                <a16:creationId xmlns:a16="http://schemas.microsoft.com/office/drawing/2014/main" id="{A765B5B0-E9AF-4D79-BF37-9FD0644F656E}"/>
               </a:ext>
             </a:extLst>
           </p:cNvPr>
@@ -21914,8 +20719,8 @@
         </p:nvSpPr>
         <p:spPr>
           <a:xfrm>
-            <a:off x="6066212" y="5867733"/>
-            <a:ext cx="1860595" cy="307777"/>
+            <a:off x="6196265" y="5614373"/>
+            <a:ext cx="1740568" cy="307777"/>
           </a:xfrm>
           <a:prstGeom prst="rect">
             <a:avLst/>
@@ -21930,18 +20735,19 @@
           <a:p>
             <a:pPr algn="ctr"/>
             <a:r>
-              <a:rPr lang="it-IT" sz="1400" dirty="0"/>
-              <a:t>Soggetto Concreto</a:t>
-            </a:r>
-          </a:p>
-        </p:txBody>
-      </p:sp>
-      <p:sp>
-        <p:nvSpPr>
-          <p:cNvPr id="16" name="Rettangolo 15">
+              <a:rPr lang="it-IT" sz="1400" dirty="0" err="1"/>
+              <a:t>EntityObject</a:t>
+            </a:r>
+            <a:endParaRPr lang="it-IT" sz="1400" dirty="0"/>
+          </a:p>
+        </p:txBody>
+      </p:sp>
+      <p:sp>
+        <p:nvSpPr>
+          <p:cNvPr id="24" name="Rettangolo 23">
             <a:extLst>
               <a:ext uri="{FF2B5EF4-FFF2-40B4-BE49-F238E27FC236}">
-                <a16:creationId xmlns:a16="http://schemas.microsoft.com/office/drawing/2014/main" id="{CB4A1C27-B224-44B0-A7C7-CA542E593ABD}"/>
+                <a16:creationId xmlns:a16="http://schemas.microsoft.com/office/drawing/2014/main" id="{AA7DF297-90BD-4CC4-858A-F08096781ECE}"/>
               </a:ext>
             </a:extLst>
           </p:cNvPr>
@@ -21950,7 +20756,7 @@
         </p:nvSpPr>
         <p:spPr>
           <a:xfrm>
-            <a:off x="9370271" y="4596014"/>
+            <a:off x="9356558" y="4472936"/>
             <a:ext cx="1740568" cy="673769"/>
           </a:xfrm>
           <a:prstGeom prst="rect">
@@ -21992,10 +20798,10 @@
       </p:sp>
       <p:cxnSp>
         <p:nvCxnSpPr>
-          <p:cNvPr id="17" name="Connettore diritto 16">
+          <p:cNvPr id="25" name="Connettore diritto 24">
             <a:extLst>
               <a:ext uri="{FF2B5EF4-FFF2-40B4-BE49-F238E27FC236}">
-                <a16:creationId xmlns:a16="http://schemas.microsoft.com/office/drawing/2014/main" id="{990D2C70-B5E3-4103-ADD8-40BDD026324E}"/>
+                <a16:creationId xmlns:a16="http://schemas.microsoft.com/office/drawing/2014/main" id="{61324338-6A8E-4CAC-B9D5-2D412D14D676}"/>
               </a:ext>
             </a:extLst>
           </p:cNvPr>
@@ -22006,7 +20812,7 @@
         </p:nvCxnSpPr>
         <p:spPr>
           <a:xfrm>
-            <a:off x="9370271" y="4836647"/>
+            <a:off x="9356558" y="4713569"/>
             <a:ext cx="1740568" cy="0"/>
           </a:xfrm>
           <a:prstGeom prst="line">
@@ -22035,10 +20841,10 @@
       </p:cxnSp>
       <p:cxnSp>
         <p:nvCxnSpPr>
-          <p:cNvPr id="18" name="Connettore diritto 17">
+          <p:cNvPr id="26" name="Connettore diritto 25">
             <a:extLst>
               <a:ext uri="{FF2B5EF4-FFF2-40B4-BE49-F238E27FC236}">
-                <a16:creationId xmlns:a16="http://schemas.microsoft.com/office/drawing/2014/main" id="{4E786B0F-EE32-4B08-B5E4-A09014E0E572}"/>
+                <a16:creationId xmlns:a16="http://schemas.microsoft.com/office/drawing/2014/main" id="{F5F41C93-CF0C-4C8C-923B-E47EE37EF401}"/>
               </a:ext>
             </a:extLst>
           </p:cNvPr>
@@ -22049,7 +20855,7 @@
         </p:nvCxnSpPr>
         <p:spPr>
           <a:xfrm>
-            <a:off x="9370271" y="5117384"/>
+            <a:off x="9356558" y="4994306"/>
             <a:ext cx="1740568" cy="0"/>
           </a:xfrm>
           <a:prstGeom prst="line">
@@ -22078,10 +20884,10 @@
       </p:cxnSp>
       <p:sp>
         <p:nvSpPr>
-          <p:cNvPr id="19" name="CasellaDiTesto 18">
+          <p:cNvPr id="27" name="CasellaDiTesto 26">
             <a:extLst>
               <a:ext uri="{FF2B5EF4-FFF2-40B4-BE49-F238E27FC236}">
-                <a16:creationId xmlns:a16="http://schemas.microsoft.com/office/drawing/2014/main" id="{074BEBE8-6A10-476E-9163-F9C04842D4A9}"/>
+                <a16:creationId xmlns:a16="http://schemas.microsoft.com/office/drawing/2014/main" id="{3AA85DD6-B6F5-4CB8-9042-FA5C31D5AD45}"/>
               </a:ext>
             </a:extLst>
           </p:cNvPr>
@@ -22090,8 +20896,8 @@
         </p:nvSpPr>
         <p:spPr>
           <a:xfrm>
-            <a:off x="9323018" y="4568744"/>
-            <a:ext cx="1835074" cy="307777"/>
+            <a:off x="9356559" y="4440488"/>
+            <a:ext cx="1740568" cy="307777"/>
           </a:xfrm>
           <a:prstGeom prst="rect">
             <a:avLst/>
@@ -22106,471 +20912,40 @@
           <a:p>
             <a:pPr algn="ctr"/>
             <a:r>
-              <a:rPr lang="it-IT" sz="1400" dirty="0" err="1"/>
-              <a:t>Observer</a:t>
-            </a:r>
-            <a:r>
               <a:rPr lang="it-IT" sz="1400" dirty="0"/>
-              <a:t> concreto</a:t>
-            </a:r>
-          </a:p>
-        </p:txBody>
-      </p:sp>
-      <p:sp>
-        <p:nvSpPr>
-          <p:cNvPr id="24" name="CasellaDiTesto 23">
+              <a:t>Data Source</a:t>
+            </a:r>
+          </a:p>
+        </p:txBody>
+      </p:sp>
+      <p:cxnSp>
+        <p:nvCxnSpPr>
+          <p:cNvPr id="29" name="Connettore 2 28">
             <a:extLst>
               <a:ext uri="{FF2B5EF4-FFF2-40B4-BE49-F238E27FC236}">
-                <a16:creationId xmlns:a16="http://schemas.microsoft.com/office/drawing/2014/main" id="{0CFDE27A-2BBA-488F-9FE5-A86169E62B37}"/>
-              </a:ext>
-            </a:extLst>
-          </p:cNvPr>
-          <p:cNvSpPr txBox="1"/>
-          <p:nvPr/>
-        </p:nvSpPr>
-        <p:spPr>
-          <a:xfrm>
-            <a:off x="4953242" y="4571917"/>
-            <a:ext cx="269626" cy="276999"/>
-          </a:xfrm>
-          <a:prstGeom prst="rect">
-            <a:avLst/>
-          </a:prstGeom>
-          <a:noFill/>
-        </p:spPr>
-        <p:txBody>
-          <a:bodyPr wrap="none" rtlCol="0">
-            <a:spAutoFit/>
-          </a:bodyPr>
-          <a:lstStyle/>
-          <a:p>
-            <a:r>
-              <a:rPr lang="it-IT" sz="1200" dirty="0"/>
-              <a:t>1</a:t>
-            </a:r>
-          </a:p>
-        </p:txBody>
-      </p:sp>
-      <p:sp>
-        <p:nvSpPr>
-          <p:cNvPr id="26" name="CasellaDiTesto 25">
-            <a:extLst>
-              <a:ext uri="{FF2B5EF4-FFF2-40B4-BE49-F238E27FC236}">
-                <a16:creationId xmlns:a16="http://schemas.microsoft.com/office/drawing/2014/main" id="{C1EB35BA-A66C-4A74-BDB7-FB49B86CE415}"/>
-              </a:ext>
-            </a:extLst>
-          </p:cNvPr>
-          <p:cNvSpPr txBox="1"/>
-          <p:nvPr/>
-        </p:nvSpPr>
-        <p:spPr>
-          <a:xfrm>
-            <a:off x="8388713" y="5953503"/>
-            <a:ext cx="1419723" cy="276999"/>
-          </a:xfrm>
-          <a:prstGeom prst="rect">
-            <a:avLst/>
-          </a:prstGeom>
-          <a:noFill/>
-        </p:spPr>
-        <p:txBody>
-          <a:bodyPr wrap="square" rtlCol="0">
-            <a:spAutoFit/>
-          </a:bodyPr>
-          <a:lstStyle/>
-          <a:p>
-            <a:r>
-              <a:rPr lang="it-IT" sz="1200"/>
-              <a:t>+soggetto</a:t>
-            </a:r>
-            <a:endParaRPr lang="it-IT" sz="1200" dirty="0"/>
-          </a:p>
-        </p:txBody>
-      </p:sp>
-      <p:sp>
-        <p:nvSpPr>
-          <p:cNvPr id="31" name="CasellaDiTesto 30">
-            <a:extLst>
-              <a:ext uri="{FF2B5EF4-FFF2-40B4-BE49-F238E27FC236}">
-                <a16:creationId xmlns:a16="http://schemas.microsoft.com/office/drawing/2014/main" id="{B915F119-48A0-4CDB-B07B-F6F2D1BD25CA}"/>
-              </a:ext>
-            </a:extLst>
-          </p:cNvPr>
-          <p:cNvSpPr txBox="1"/>
-          <p:nvPr/>
-        </p:nvSpPr>
-        <p:spPr>
-          <a:xfrm>
-            <a:off x="3182093" y="4703729"/>
-            <a:ext cx="1859718" cy="830997"/>
-          </a:xfrm>
-          <a:prstGeom prst="rect">
-            <a:avLst/>
-          </a:prstGeom>
-          <a:noFill/>
-        </p:spPr>
-        <p:txBody>
-          <a:bodyPr wrap="square" rtlCol="0">
-            <a:spAutoFit/>
-          </a:bodyPr>
-          <a:lstStyle/>
-          <a:p>
-            <a:r>
-              <a:rPr lang="it-IT" sz="1200" dirty="0"/>
-              <a:t>+</a:t>
-            </a:r>
-            <a:r>
-              <a:rPr lang="it-IT" sz="1200" dirty="0" err="1"/>
-              <a:t>Register</a:t>
-            </a:r>
-            <a:r>
-              <a:rPr lang="it-IT" sz="1200" dirty="0"/>
-              <a:t>(</a:t>
-            </a:r>
-            <a:r>
-              <a:rPr lang="it-IT" sz="1200" dirty="0" err="1"/>
-              <a:t>Observer</a:t>
-            </a:r>
-            <a:r>
-              <a:rPr lang="it-IT" sz="1200" dirty="0"/>
-              <a:t>)</a:t>
-            </a:r>
-          </a:p>
-          <a:p>
-            <a:r>
-              <a:rPr lang="it-IT" sz="1200" dirty="0"/>
-              <a:t>+</a:t>
-            </a:r>
-            <a:r>
-              <a:rPr lang="it-IT" sz="1200" dirty="0" err="1"/>
-              <a:t>UnRegister</a:t>
-            </a:r>
-            <a:r>
-              <a:rPr lang="it-IT" sz="1200" dirty="0"/>
-              <a:t>(</a:t>
-            </a:r>
-            <a:r>
-              <a:rPr lang="it-IT" sz="1200" dirty="0" err="1"/>
-              <a:t>Observer</a:t>
-            </a:r>
-            <a:r>
-              <a:rPr lang="it-IT" sz="1200" dirty="0"/>
-              <a:t>)</a:t>
-            </a:r>
-          </a:p>
-          <a:p>
-            <a:r>
-              <a:rPr lang="it-IT" sz="1200" dirty="0"/>
-              <a:t>+</a:t>
-            </a:r>
-            <a:r>
-              <a:rPr lang="it-IT" sz="1200" dirty="0" err="1"/>
-              <a:t>NotifyAll</a:t>
-            </a:r>
-            <a:r>
-              <a:rPr lang="it-IT" sz="1200" dirty="0"/>
-              <a:t>()</a:t>
-            </a:r>
-          </a:p>
-          <a:p>
-            <a:endParaRPr lang="it-IT" sz="1200" dirty="0"/>
-          </a:p>
-        </p:txBody>
-      </p:sp>
-      <p:sp>
-        <p:nvSpPr>
-          <p:cNvPr id="36" name="CasellaDiTesto 35">
-            <a:extLst>
-              <a:ext uri="{FF2B5EF4-FFF2-40B4-BE49-F238E27FC236}">
-                <a16:creationId xmlns:a16="http://schemas.microsoft.com/office/drawing/2014/main" id="{42C4ECBB-4A4E-488F-8B44-D92A32485647}"/>
-              </a:ext>
-            </a:extLst>
-          </p:cNvPr>
-          <p:cNvSpPr txBox="1"/>
-          <p:nvPr/>
-        </p:nvSpPr>
-        <p:spPr>
-          <a:xfrm>
-            <a:off x="6191960" y="4919000"/>
-            <a:ext cx="1313158" cy="276999"/>
-          </a:xfrm>
-          <a:prstGeom prst="rect">
-            <a:avLst/>
-          </a:prstGeom>
-          <a:noFill/>
-        </p:spPr>
-        <p:txBody>
-          <a:bodyPr wrap="square" rtlCol="0">
-            <a:spAutoFit/>
-          </a:bodyPr>
-          <a:lstStyle/>
-          <a:p>
-            <a:r>
-              <a:rPr lang="it-IT" sz="1200" dirty="0"/>
-              <a:t>+Update()</a:t>
-            </a:r>
-          </a:p>
-        </p:txBody>
-      </p:sp>
-      <p:sp>
-        <p:nvSpPr>
-          <p:cNvPr id="38" name="Decisione 37">
-            <a:extLst>
-              <a:ext uri="{FF2B5EF4-FFF2-40B4-BE49-F238E27FC236}">
-                <a16:creationId xmlns:a16="http://schemas.microsoft.com/office/drawing/2014/main" id="{BB53D5C8-B97C-4F90-8C6A-2E2EC7E2B111}"/>
-              </a:ext>
-            </a:extLst>
-          </p:cNvPr>
-          <p:cNvSpPr/>
-          <p:nvPr/>
-        </p:nvSpPr>
-        <p:spPr>
-          <a:xfrm>
-            <a:off x="4971848" y="4852068"/>
-            <a:ext cx="209564" cy="113466"/>
-          </a:xfrm>
-          <a:prstGeom prst="flowChartDecision">
-            <a:avLst/>
-          </a:prstGeom>
-          <a:noFill/>
-          <a:ln>
-            <a:solidFill>
-              <a:srgbClr val="568EFF"/>
-            </a:solidFill>
-          </a:ln>
-        </p:spPr>
-        <p:style>
-          <a:lnRef idx="2">
-            <a:schemeClr val="accent1">
-              <a:shade val="50000"/>
-            </a:schemeClr>
-          </a:lnRef>
-          <a:fillRef idx="1">
-            <a:schemeClr val="accent1"/>
-          </a:fillRef>
-          <a:effectRef idx="0">
-            <a:schemeClr val="accent1"/>
-          </a:effectRef>
-          <a:fontRef idx="minor">
-            <a:schemeClr val="lt1"/>
-          </a:fontRef>
-        </p:style>
-        <p:txBody>
-          <a:bodyPr rtlCol="0" anchor="ctr"/>
-          <a:lstStyle/>
-          <a:p>
-            <a:pPr algn="ctr"/>
-            <a:endParaRPr lang="it-IT"/>
-          </a:p>
-        </p:txBody>
-      </p:sp>
-      <p:cxnSp>
-        <p:nvCxnSpPr>
-          <p:cNvPr id="40" name="Connettore diritto 39">
-            <a:extLst>
-              <a:ext uri="{FF2B5EF4-FFF2-40B4-BE49-F238E27FC236}">
-                <a16:creationId xmlns:a16="http://schemas.microsoft.com/office/drawing/2014/main" id="{C2903018-9F07-46DE-9907-D81612C270F7}"/>
+                <a16:creationId xmlns:a16="http://schemas.microsoft.com/office/drawing/2014/main" id="{13227DD6-577D-441F-B734-D030ACAC85C2}"/>
               </a:ext>
             </a:extLst>
           </p:cNvPr>
           <p:cNvCxnSpPr>
-            <a:cxnSpLocks/>
-            <a:stCxn id="38" idx="3"/>
+            <a:stCxn id="4" idx="3"/>
             <a:endCxn id="8" idx="1"/>
           </p:cNvCxnSpPr>
           <p:nvPr/>
         </p:nvCxnSpPr>
         <p:spPr>
-          <a:xfrm>
-            <a:off x="5181412" y="4908801"/>
-            <a:ext cx="1014852" cy="6414"/>
-          </a:xfrm>
-          <a:prstGeom prst="line">
-            <a:avLst/>
-          </a:prstGeom>
-        </p:spPr>
-        <p:style>
-          <a:lnRef idx="1">
-            <a:schemeClr val="accent1"/>
-          </a:lnRef>
-          <a:fillRef idx="0">
-            <a:schemeClr val="accent1"/>
-          </a:fillRef>
-          <a:effectRef idx="0">
-            <a:schemeClr val="accent1"/>
-          </a:effectRef>
-          <a:fontRef idx="minor">
-            <a:schemeClr val="tx1"/>
-          </a:fontRef>
-        </p:style>
-      </p:cxnSp>
-      <p:sp>
-        <p:nvSpPr>
-          <p:cNvPr id="46" name="CasellaDiTesto 45">
-            <a:extLst>
-              <a:ext uri="{FF2B5EF4-FFF2-40B4-BE49-F238E27FC236}">
-                <a16:creationId xmlns:a16="http://schemas.microsoft.com/office/drawing/2014/main" id="{93CF0412-C955-4327-8728-310B1B91A7BE}"/>
-              </a:ext>
-            </a:extLst>
-          </p:cNvPr>
-          <p:cNvSpPr txBox="1"/>
-          <p:nvPr/>
-        </p:nvSpPr>
-        <p:spPr>
-          <a:xfrm>
-            <a:off x="5993931" y="4565344"/>
-            <a:ext cx="282450" cy="369332"/>
-          </a:xfrm>
-          <a:prstGeom prst="rect">
-            <a:avLst/>
-          </a:prstGeom>
-          <a:noFill/>
-        </p:spPr>
-        <p:txBody>
-          <a:bodyPr wrap="none" rtlCol="0">
-            <a:spAutoFit/>
-          </a:bodyPr>
-          <a:lstStyle/>
-          <a:p>
-            <a:r>
-              <a:rPr lang="it-IT" dirty="0"/>
-              <a:t>*</a:t>
-            </a:r>
-          </a:p>
-        </p:txBody>
-      </p:sp>
-      <p:sp>
-        <p:nvSpPr>
-          <p:cNvPr id="47" name="Triangolo isoscele 46">
-            <a:extLst>
-              <a:ext uri="{FF2B5EF4-FFF2-40B4-BE49-F238E27FC236}">
-                <a16:creationId xmlns:a16="http://schemas.microsoft.com/office/drawing/2014/main" id="{116F5BB0-EA90-459B-989E-827228FEBACC}"/>
-              </a:ext>
-            </a:extLst>
-          </p:cNvPr>
-          <p:cNvSpPr/>
-          <p:nvPr/>
-        </p:nvSpPr>
-        <p:spPr>
-          <a:xfrm rot="16200000">
-            <a:off x="7983251" y="4857379"/>
-            <a:ext cx="112123" cy="154593"/>
-          </a:xfrm>
-          <a:prstGeom prst="triangle">
-            <a:avLst/>
-          </a:prstGeom>
-          <a:noFill/>
-          <a:ln>
-            <a:solidFill>
-              <a:srgbClr val="568EFF"/>
-            </a:solidFill>
-          </a:ln>
-        </p:spPr>
-        <p:style>
-          <a:lnRef idx="2">
-            <a:schemeClr val="accent1">
-              <a:shade val="50000"/>
-            </a:schemeClr>
-          </a:lnRef>
-          <a:fillRef idx="1">
-            <a:schemeClr val="accent1"/>
-          </a:fillRef>
-          <a:effectRef idx="0">
-            <a:schemeClr val="accent1"/>
-          </a:effectRef>
-          <a:fontRef idx="minor">
-            <a:schemeClr val="lt1"/>
-          </a:fontRef>
-        </p:style>
-        <p:txBody>
-          <a:bodyPr rtlCol="0" anchor="ctr"/>
-          <a:lstStyle/>
-          <a:p>
-            <a:pPr algn="ctr"/>
-            <a:endParaRPr lang="it-IT"/>
-          </a:p>
-        </p:txBody>
-      </p:sp>
-      <p:sp>
-        <p:nvSpPr>
-          <p:cNvPr id="48" name="Triangolo isoscele 47">
-            <a:extLst>
-              <a:ext uri="{FF2B5EF4-FFF2-40B4-BE49-F238E27FC236}">
-                <a16:creationId xmlns:a16="http://schemas.microsoft.com/office/drawing/2014/main" id="{8E71ECF8-12F7-411D-A002-6241CCDCFC92}"/>
-              </a:ext>
-            </a:extLst>
-          </p:cNvPr>
-          <p:cNvSpPr/>
-          <p:nvPr/>
-        </p:nvSpPr>
-        <p:spPr>
-          <a:xfrm>
-            <a:off x="3873917" y="5370020"/>
-            <a:ext cx="112123" cy="154593"/>
-          </a:xfrm>
-          <a:prstGeom prst="triangle">
-            <a:avLst/>
-          </a:prstGeom>
-          <a:noFill/>
-          <a:ln>
-            <a:solidFill>
-              <a:srgbClr val="568EFF"/>
-            </a:solidFill>
-          </a:ln>
-        </p:spPr>
-        <p:style>
-          <a:lnRef idx="2">
-            <a:schemeClr val="accent1">
-              <a:shade val="50000"/>
-            </a:schemeClr>
-          </a:lnRef>
-          <a:fillRef idx="1">
-            <a:schemeClr val="accent1"/>
-          </a:fillRef>
-          <a:effectRef idx="0">
-            <a:schemeClr val="accent1"/>
-          </a:effectRef>
-          <a:fontRef idx="minor">
-            <a:schemeClr val="lt1"/>
-          </a:fontRef>
-        </p:style>
-        <p:txBody>
-          <a:bodyPr rtlCol="0" anchor="ctr"/>
-          <a:lstStyle/>
-          <a:p>
-            <a:pPr algn="ctr"/>
-            <a:endParaRPr lang="it-IT"/>
-          </a:p>
-        </p:txBody>
-      </p:sp>
-      <p:cxnSp>
-        <p:nvCxnSpPr>
-          <p:cNvPr id="50" name="Connettore a gomito 49">
-            <a:extLst>
-              <a:ext uri="{FF2B5EF4-FFF2-40B4-BE49-F238E27FC236}">
-                <a16:creationId xmlns:a16="http://schemas.microsoft.com/office/drawing/2014/main" id="{A38907E4-3064-410D-8147-C1F6C197DC73}"/>
-              </a:ext>
-            </a:extLst>
-          </p:cNvPr>
-          <p:cNvCxnSpPr>
-            <a:cxnSpLocks/>
-            <a:stCxn id="48" idx="3"/>
-            <a:endCxn id="12" idx="1"/>
-          </p:cNvCxnSpPr>
-          <p:nvPr/>
-        </p:nvCxnSpPr>
-        <p:spPr>
-          <a:xfrm rot="16200000" flipH="1">
-            <a:off x="4677882" y="4776709"/>
-            <a:ext cx="695734" cy="2191541"/>
-          </a:xfrm>
-          <a:prstGeom prst="bentConnector2">
+          <a:xfrm flipV="1">
+            <a:off x="5017168" y="4813634"/>
+            <a:ext cx="1179096" cy="1"/>
+          </a:xfrm>
+          <a:prstGeom prst="straightConnector1">
             <a:avLst/>
           </a:prstGeom>
           <a:ln>
             <a:solidFill>
               <a:srgbClr val="568EFF"/>
             </a:solidFill>
+            <a:tailEnd type="triangle"/>
           </a:ln>
         </p:spPr>
         <p:style>
@@ -22590,31 +20965,32 @@
       </p:cxnSp>
       <p:cxnSp>
         <p:nvCxnSpPr>
-          <p:cNvPr id="52" name="Connettore diritto 51">
+          <p:cNvPr id="31" name="Connettore 2 30">
             <a:extLst>
               <a:ext uri="{FF2B5EF4-FFF2-40B4-BE49-F238E27FC236}">
-                <a16:creationId xmlns:a16="http://schemas.microsoft.com/office/drawing/2014/main" id="{F4264E7B-10F1-43C1-BAFA-A570862AA77F}"/>
+                <a16:creationId xmlns:a16="http://schemas.microsoft.com/office/drawing/2014/main" id="{C65EB2FA-28D4-43AD-BF42-2E3F4F9CFED9}"/>
               </a:ext>
             </a:extLst>
           </p:cNvPr>
           <p:cNvCxnSpPr>
-            <a:stCxn id="47" idx="3"/>
-            <a:endCxn id="16" idx="1"/>
+            <a:stCxn id="8" idx="3"/>
+            <a:endCxn id="24" idx="1"/>
           </p:cNvCxnSpPr>
           <p:nvPr/>
         </p:nvCxnSpPr>
         <p:spPr>
           <a:xfrm flipV="1">
-            <a:off x="8116609" y="4932899"/>
-            <a:ext cx="1253662" cy="1776"/>
-          </a:xfrm>
-          <a:prstGeom prst="line">
+            <a:off x="7936832" y="4809821"/>
+            <a:ext cx="1419726" cy="3813"/>
+          </a:xfrm>
+          <a:prstGeom prst="straightConnector1">
             <a:avLst/>
           </a:prstGeom>
           <a:ln>
             <a:solidFill>
               <a:srgbClr val="568EFF"/>
             </a:solidFill>
+            <a:tailEnd type="triangle"/>
           </a:ln>
         </p:spPr>
         <p:style>
@@ -22634,32 +21010,32 @@
       </p:cxnSp>
       <p:cxnSp>
         <p:nvCxnSpPr>
-          <p:cNvPr id="55" name="Connettore a gomito 54">
+          <p:cNvPr id="33" name="Connettore 2 32">
             <a:extLst>
               <a:ext uri="{FF2B5EF4-FFF2-40B4-BE49-F238E27FC236}">
-                <a16:creationId xmlns:a16="http://schemas.microsoft.com/office/drawing/2014/main" id="{83DEAD39-7965-4057-B055-3BEE08CF1870}"/>
+                <a16:creationId xmlns:a16="http://schemas.microsoft.com/office/drawing/2014/main" id="{509812B5-E3F9-4A43-A199-808C383806C4}"/>
               </a:ext>
             </a:extLst>
           </p:cNvPr>
           <p:cNvCxnSpPr>
-            <a:cxnSpLocks/>
-            <a:stCxn id="16" idx="2"/>
-            <a:endCxn id="12" idx="3"/>
+            <a:stCxn id="8" idx="2"/>
+            <a:endCxn id="23" idx="0"/>
           </p:cNvCxnSpPr>
           <p:nvPr/>
         </p:nvCxnSpPr>
         <p:spPr>
-          <a:xfrm rot="5400000">
-            <a:off x="8623293" y="4603085"/>
-            <a:ext cx="950564" cy="2283960"/>
-          </a:xfrm>
-          <a:prstGeom prst="bentConnector2">
+          <a:xfrm>
+            <a:off x="7066548" y="5150518"/>
+            <a:ext cx="1" cy="463855"/>
+          </a:xfrm>
+          <a:prstGeom prst="straightConnector1">
             <a:avLst/>
           </a:prstGeom>
           <a:ln>
             <a:solidFill>
               <a:srgbClr val="568EFF"/>
             </a:solidFill>
+            <a:prstDash val="dash"/>
             <a:tailEnd type="triangle"/>
           </a:ln>
         </p:spPr>
@@ -22678,6 +21054,192 @@
           </a:fontRef>
         </p:style>
       </p:cxnSp>
+      <p:cxnSp>
+        <p:nvCxnSpPr>
+          <p:cNvPr id="35" name="Connettore a gomito 34">
+            <a:extLst>
+              <a:ext uri="{FF2B5EF4-FFF2-40B4-BE49-F238E27FC236}">
+                <a16:creationId xmlns:a16="http://schemas.microsoft.com/office/drawing/2014/main" id="{3AD88230-1237-4BC5-A2A9-1FD0527EF634}"/>
+              </a:ext>
+            </a:extLst>
+          </p:cNvPr>
+          <p:cNvCxnSpPr>
+            <a:stCxn id="4" idx="2"/>
+            <a:endCxn id="20" idx="1"/>
+          </p:cNvCxnSpPr>
+          <p:nvPr/>
+        </p:nvCxnSpPr>
+        <p:spPr>
+          <a:xfrm rot="16200000" flipH="1">
+            <a:off x="4754981" y="4542422"/>
+            <a:ext cx="833187" cy="2049380"/>
+          </a:xfrm>
+          <a:prstGeom prst="bentConnector2">
+            <a:avLst/>
+          </a:prstGeom>
+          <a:ln>
+            <a:solidFill>
+              <a:srgbClr val="568EFF"/>
+            </a:solidFill>
+            <a:prstDash val="dash"/>
+            <a:tailEnd type="triangle"/>
+          </a:ln>
+        </p:spPr>
+        <p:style>
+          <a:lnRef idx="1">
+            <a:schemeClr val="accent1"/>
+          </a:lnRef>
+          <a:fillRef idx="0">
+            <a:schemeClr val="accent1"/>
+          </a:fillRef>
+          <a:effectRef idx="0">
+            <a:schemeClr val="accent1"/>
+          </a:effectRef>
+          <a:fontRef idx="minor">
+            <a:schemeClr val="tx1"/>
+          </a:fontRef>
+        </p:style>
+      </p:cxnSp>
+      <p:sp>
+        <p:nvSpPr>
+          <p:cNvPr id="36" name="CasellaDiTesto 35">
+            <a:extLst>
+              <a:ext uri="{FF2B5EF4-FFF2-40B4-BE49-F238E27FC236}">
+                <a16:creationId xmlns:a16="http://schemas.microsoft.com/office/drawing/2014/main" id="{77EE6657-8FC4-4C28-B55B-E087D98C8FA2}"/>
+              </a:ext>
+            </a:extLst>
+          </p:cNvPr>
+          <p:cNvSpPr txBox="1"/>
+          <p:nvPr/>
+        </p:nvSpPr>
+        <p:spPr>
+          <a:xfrm>
+            <a:off x="5338854" y="4515092"/>
+            <a:ext cx="535724" cy="276999"/>
+          </a:xfrm>
+          <a:prstGeom prst="rect">
+            <a:avLst/>
+          </a:prstGeom>
+          <a:noFill/>
+        </p:spPr>
+        <p:txBody>
+          <a:bodyPr wrap="none" rtlCol="0">
+            <a:spAutoFit/>
+          </a:bodyPr>
+          <a:lstStyle/>
+          <a:p>
+            <a:r>
+              <a:rPr lang="it-IT" sz="1200" dirty="0"/>
+              <a:t>+usa</a:t>
+            </a:r>
+          </a:p>
+        </p:txBody>
+      </p:sp>
+      <p:sp>
+        <p:nvSpPr>
+          <p:cNvPr id="37" name="CasellaDiTesto 36">
+            <a:extLst>
+              <a:ext uri="{FF2B5EF4-FFF2-40B4-BE49-F238E27FC236}">
+                <a16:creationId xmlns:a16="http://schemas.microsoft.com/office/drawing/2014/main" id="{DF6BFD5A-C583-4BF2-9910-131278BD74DB}"/>
+              </a:ext>
+            </a:extLst>
+          </p:cNvPr>
+          <p:cNvSpPr txBox="1"/>
+          <p:nvPr/>
+        </p:nvSpPr>
+        <p:spPr>
+          <a:xfrm>
+            <a:off x="8146397" y="4509930"/>
+            <a:ext cx="1000595" cy="276999"/>
+          </a:xfrm>
+          <a:prstGeom prst="rect">
+            <a:avLst/>
+          </a:prstGeom>
+          <a:noFill/>
+        </p:spPr>
+        <p:txBody>
+          <a:bodyPr wrap="none" rtlCol="0">
+            <a:spAutoFit/>
+          </a:bodyPr>
+          <a:lstStyle/>
+          <a:p>
+            <a:r>
+              <a:rPr lang="it-IT" sz="1200" dirty="0"/>
+              <a:t>+incapsula</a:t>
+            </a:r>
+          </a:p>
+        </p:txBody>
+      </p:sp>
+      <p:sp>
+        <p:nvSpPr>
+          <p:cNvPr id="39" name="CasellaDiTesto 38">
+            <a:extLst>
+              <a:ext uri="{FF2B5EF4-FFF2-40B4-BE49-F238E27FC236}">
+                <a16:creationId xmlns:a16="http://schemas.microsoft.com/office/drawing/2014/main" id="{340BB2CD-AF34-45DF-9901-F5AF773652CD}"/>
+              </a:ext>
+            </a:extLst>
+          </p:cNvPr>
+          <p:cNvSpPr txBox="1"/>
+          <p:nvPr/>
+        </p:nvSpPr>
+        <p:spPr>
+          <a:xfrm>
+            <a:off x="2558718" y="5551070"/>
+            <a:ext cx="2217821" cy="276999"/>
+          </a:xfrm>
+          <a:prstGeom prst="rect">
+            <a:avLst/>
+          </a:prstGeom>
+          <a:noFill/>
+        </p:spPr>
+        <p:txBody>
+          <a:bodyPr wrap="square" rtlCol="0">
+            <a:spAutoFit/>
+          </a:bodyPr>
+          <a:lstStyle/>
+          <a:p>
+            <a:r>
+              <a:rPr lang="it-IT" sz="1200" dirty="0"/>
+              <a:t>+ottiene modifica</a:t>
+            </a:r>
+          </a:p>
+        </p:txBody>
+      </p:sp>
+      <p:sp>
+        <p:nvSpPr>
+          <p:cNvPr id="40" name="CasellaDiTesto 39">
+            <a:extLst>
+              <a:ext uri="{FF2B5EF4-FFF2-40B4-BE49-F238E27FC236}">
+                <a16:creationId xmlns:a16="http://schemas.microsoft.com/office/drawing/2014/main" id="{1931E0CA-14CC-42F1-B40B-AA8B7FC9367E}"/>
+              </a:ext>
+            </a:extLst>
+          </p:cNvPr>
+          <p:cNvSpPr txBox="1"/>
+          <p:nvPr/>
+        </p:nvSpPr>
+        <p:spPr>
+          <a:xfrm>
+            <a:off x="7073406" y="5249505"/>
+            <a:ext cx="1419723" cy="276999"/>
+          </a:xfrm>
+          <a:prstGeom prst="rect">
+            <a:avLst/>
+          </a:prstGeom>
+          <a:noFill/>
+        </p:spPr>
+        <p:txBody>
+          <a:bodyPr wrap="square" rtlCol="0">
+            <a:spAutoFit/>
+          </a:bodyPr>
+          <a:lstStyle/>
+          <a:p>
+            <a:r>
+              <a:rPr lang="it-IT" sz="1200" dirty="0"/>
+              <a:t>+crea modifica</a:t>
+            </a:r>
+          </a:p>
+        </p:txBody>
+      </p:sp>
     </p:spTree>
   </p:cSld>
   <p:clrMapOvr>
@@ -22686,14 +21248,14 @@
 </p:sld>
 </file>
 
-<file path=ppt/slides/slide7.xml><?xml version="1.0" encoding="utf-8"?>
+<file path=ppt/slides/slide6.xml><?xml version="1.0" encoding="utf-8"?>
 <p:sld xmlns:a="http://schemas.openxmlformats.org/drawingml/2006/main" xmlns:r="http://schemas.openxmlformats.org/officeDocument/2006/relationships" xmlns:p="http://schemas.openxmlformats.org/presentationml/2006/main">
-  <p:cSld>
+  <p:cSld name="Scelta dei Design Pattern">
     <p:bg>
       <p:bgPr>
         <a:gradFill rotWithShape="1">
           <a:gsLst>
-            <a:gs pos="0">
+            <a:gs pos="100000">
               <a:schemeClr val="bg2">
                 <a:tint val="90000"/>
                 <a:satMod val="92000"/>
@@ -22758,18 +21320,21 @@
           <a:p>
             <a:pPr lvl="0"/>
             <a:r>
-              <a:rPr lang="en-US" dirty="0" err="1" smtClean="0"/>
-              <a:t>Riutilizzabilità</a:t>
-            </a:r>
-            <a:r>
-              <a:rPr lang="en-US" dirty="0" smtClean="0"/>
-              <a:t> del </a:t>
-            </a:r>
-            <a:r>
-              <a:rPr lang="en-US" dirty="0" err="1" smtClean="0"/>
-              <a:t>Codice</a:t>
-            </a:r>
-            <a:endParaRPr lang="en-US" dirty="0"/>
+              <a:rPr lang="en-US" dirty="0" err="1"/>
+              <a:t>Scelta</a:t>
+            </a:r>
+            <a:r>
+              <a:rPr lang="en-US" dirty="0"/>
+              <a:t> </a:t>
+            </a:r>
+            <a:r>
+              <a:rPr lang="en-US" dirty="0" err="1"/>
+              <a:t>dei</a:t>
+            </a:r>
+            <a:r>
+              <a:rPr lang="en-US" dirty="0"/>
+              <a:t> Design Pattern</a:t>
+            </a:r>
           </a:p>
         </p:txBody>
       </p:sp>
@@ -22792,54 +21357,1425 @@
         <p:spPr>
           <a:xfrm>
             <a:off x="3276600" y="2133600"/>
-            <a:ext cx="8915400" cy="4583084"/>
+            <a:ext cx="8915400" cy="3776663"/>
           </a:xfrm>
         </p:spPr>
         <p:txBody>
           <a:bodyPr/>
           <a:lstStyle/>
           <a:p>
+            <a:pPr lvl="0">
+              <a:spcBef>
+                <a:spcPts val="1001"/>
+              </a:spcBef>
+              <a:spcAft>
+                <a:spcPts val="0"/>
+              </a:spcAft>
+              <a:buClr>
+                <a:srgbClr val="A53010"/>
+              </a:buClr>
+              <a:buFont typeface="Wingdings 3"/>
+              <a:buChar char=""/>
+            </a:pPr>
+            <a:r>
+              <a:rPr lang="en-US" dirty="0"/>
+              <a:t>Un </a:t>
+            </a:r>
+            <a:r>
+              <a:rPr lang="en-US" dirty="0" err="1"/>
+              <a:t>altro</a:t>
+            </a:r>
+            <a:r>
+              <a:rPr lang="en-US" dirty="0"/>
+              <a:t> Design Pattern </a:t>
+            </a:r>
+            <a:r>
+              <a:rPr lang="en-US" dirty="0" err="1"/>
+              <a:t>utilizzato</a:t>
+            </a:r>
+            <a:r>
+              <a:rPr lang="en-US" dirty="0"/>
+              <a:t> è Observer, </a:t>
+            </a:r>
+            <a:r>
+              <a:rPr lang="en-US" dirty="0" err="1"/>
+              <a:t>che</a:t>
+            </a:r>
+            <a:r>
+              <a:rPr lang="en-US" dirty="0"/>
+              <a:t> ci </a:t>
+            </a:r>
+            <a:r>
+              <a:rPr lang="en-US" dirty="0" err="1"/>
+              <a:t>tornerà</a:t>
+            </a:r>
+            <a:r>
+              <a:rPr lang="en-US" dirty="0"/>
+              <a:t> utile </a:t>
+            </a:r>
+            <a:r>
+              <a:rPr lang="en-US" dirty="0" err="1"/>
+              <a:t>nella</a:t>
+            </a:r>
+            <a:r>
+              <a:rPr lang="en-US" dirty="0"/>
+              <a:t> </a:t>
+            </a:r>
+            <a:r>
+              <a:rPr lang="en-US" dirty="0" err="1"/>
+              <a:t>maggiore</a:t>
+            </a:r>
+            <a:r>
+              <a:rPr lang="en-US" dirty="0"/>
+              <a:t> </a:t>
+            </a:r>
+            <a:r>
+              <a:rPr lang="en-US" dirty="0" err="1"/>
+              <a:t>parte</a:t>
+            </a:r>
+            <a:r>
+              <a:rPr lang="en-US" dirty="0"/>
+              <a:t> </a:t>
+            </a:r>
+            <a:r>
+              <a:rPr lang="en-US" dirty="0" err="1"/>
+              <a:t>delle</a:t>
+            </a:r>
+            <a:r>
+              <a:rPr lang="en-US" dirty="0"/>
+              <a:t> </a:t>
+            </a:r>
+            <a:r>
+              <a:rPr lang="en-US" dirty="0" err="1"/>
+              <a:t>funzionalità</a:t>
+            </a:r>
+            <a:r>
+              <a:rPr lang="en-US" dirty="0"/>
+              <a:t> le </a:t>
+            </a:r>
+            <a:r>
+              <a:rPr lang="en-US" dirty="0" err="1"/>
+              <a:t>quali</a:t>
+            </a:r>
+            <a:r>
+              <a:rPr lang="en-US" dirty="0"/>
+              <a:t> </a:t>
+            </a:r>
+            <a:r>
+              <a:rPr lang="en-US" dirty="0" err="1"/>
+              <a:t>utilizzano</a:t>
+            </a:r>
+            <a:r>
+              <a:rPr lang="en-US" dirty="0"/>
+              <a:t> MVC, in </a:t>
+            </a:r>
+            <a:r>
+              <a:rPr lang="en-US" dirty="0" err="1"/>
+              <a:t>particolare</a:t>
+            </a:r>
+            <a:r>
+              <a:rPr lang="en-US" dirty="0"/>
+              <a:t> </a:t>
+            </a:r>
+            <a:r>
+              <a:rPr lang="en-US" dirty="0" err="1"/>
+              <a:t>questo</a:t>
+            </a:r>
+            <a:r>
+              <a:rPr lang="en-US" dirty="0"/>
+              <a:t> Design Pattern </a:t>
+            </a:r>
+            <a:r>
+              <a:rPr lang="en-US" dirty="0" err="1"/>
+              <a:t>implementerà</a:t>
+            </a:r>
+            <a:r>
+              <a:rPr lang="en-US" dirty="0"/>
+              <a:t> </a:t>
+            </a:r>
+            <a:r>
+              <a:rPr lang="en-US" dirty="0" err="1"/>
+              <a:t>il</a:t>
+            </a:r>
+            <a:r>
+              <a:rPr lang="en-US" dirty="0"/>
+              <a:t> View in MVC</a:t>
+            </a:r>
+          </a:p>
+        </p:txBody>
+      </p:sp>
+      <p:sp>
+        <p:nvSpPr>
+          <p:cNvPr id="4" name="Rettangolo 3">
+            <a:extLst>
+              <a:ext uri="{FF2B5EF4-FFF2-40B4-BE49-F238E27FC236}">
+                <a16:creationId xmlns:a16="http://schemas.microsoft.com/office/drawing/2014/main" id="{CAB9F620-BE19-476F-B5F9-8D91EB218926}"/>
+              </a:ext>
+            </a:extLst>
+          </p:cNvPr>
+          <p:cNvSpPr/>
+          <p:nvPr/>
+        </p:nvSpPr>
+        <p:spPr>
+          <a:xfrm>
+            <a:off x="3217025" y="4264418"/>
+            <a:ext cx="1740568" cy="1083980"/>
+          </a:xfrm>
+          <a:prstGeom prst="rect">
+            <a:avLst/>
+          </a:prstGeom>
+          <a:solidFill>
+            <a:srgbClr val="FFF5D8"/>
+          </a:solidFill>
+          <a:ln>
+            <a:solidFill>
+              <a:srgbClr val="568EFF"/>
+            </a:solidFill>
+          </a:ln>
+        </p:spPr>
+        <p:style>
+          <a:lnRef idx="2">
+            <a:schemeClr val="accent1">
+              <a:shade val="50000"/>
+            </a:schemeClr>
+          </a:lnRef>
+          <a:fillRef idx="1">
+            <a:schemeClr val="accent1"/>
+          </a:fillRef>
+          <a:effectRef idx="0">
+            <a:schemeClr val="accent1"/>
+          </a:effectRef>
+          <a:fontRef idx="minor">
+            <a:schemeClr val="lt1"/>
+          </a:fontRef>
+        </p:style>
+        <p:txBody>
+          <a:bodyPr rtlCol="0" anchor="ctr"/>
+          <a:lstStyle/>
+          <a:p>
+            <a:pPr algn="ctr"/>
+            <a:endParaRPr lang="it-IT" dirty="0"/>
+          </a:p>
+        </p:txBody>
+      </p:sp>
+      <p:cxnSp>
+        <p:nvCxnSpPr>
+          <p:cNvPr id="5" name="Connettore diritto 4">
+            <a:extLst>
+              <a:ext uri="{FF2B5EF4-FFF2-40B4-BE49-F238E27FC236}">
+                <a16:creationId xmlns:a16="http://schemas.microsoft.com/office/drawing/2014/main" id="{565D3BC6-FA6A-4E03-83F8-288A364F1D8C}"/>
+              </a:ext>
+            </a:extLst>
+          </p:cNvPr>
+          <p:cNvCxnSpPr>
+            <a:cxnSpLocks/>
+          </p:cNvCxnSpPr>
+          <p:nvPr/>
+        </p:nvCxnSpPr>
+        <p:spPr>
+          <a:xfrm>
+            <a:off x="3217025" y="4574595"/>
+            <a:ext cx="1740568" cy="0"/>
+          </a:xfrm>
+          <a:prstGeom prst="line">
+            <a:avLst/>
+          </a:prstGeom>
+          <a:ln>
+            <a:solidFill>
+              <a:srgbClr val="568EFF"/>
+            </a:solidFill>
+          </a:ln>
+        </p:spPr>
+        <p:style>
+          <a:lnRef idx="1">
+            <a:schemeClr val="accent1"/>
+          </a:lnRef>
+          <a:fillRef idx="0">
+            <a:schemeClr val="accent1"/>
+          </a:fillRef>
+          <a:effectRef idx="0">
+            <a:schemeClr val="accent1"/>
+          </a:effectRef>
+          <a:fontRef idx="minor">
+            <a:schemeClr val="tx1"/>
+          </a:fontRef>
+        </p:style>
+      </p:cxnSp>
+      <p:cxnSp>
+        <p:nvCxnSpPr>
+          <p:cNvPr id="6" name="Connettore diritto 5">
+            <a:extLst>
+              <a:ext uri="{FF2B5EF4-FFF2-40B4-BE49-F238E27FC236}">
+                <a16:creationId xmlns:a16="http://schemas.microsoft.com/office/drawing/2014/main" id="{80CD6D5A-1F52-4A5B-B473-6C94FE2C946B}"/>
+              </a:ext>
+            </a:extLst>
+          </p:cNvPr>
+          <p:cNvCxnSpPr>
+            <a:cxnSpLocks/>
+          </p:cNvCxnSpPr>
+          <p:nvPr/>
+        </p:nvCxnSpPr>
+        <p:spPr>
+          <a:xfrm>
+            <a:off x="3217025" y="4674431"/>
+            <a:ext cx="1740568" cy="0"/>
+          </a:xfrm>
+          <a:prstGeom prst="line">
+            <a:avLst/>
+          </a:prstGeom>
+          <a:ln>
+            <a:solidFill>
+              <a:srgbClr val="568EFF"/>
+            </a:solidFill>
+          </a:ln>
+        </p:spPr>
+        <p:style>
+          <a:lnRef idx="1">
+            <a:schemeClr val="accent1"/>
+          </a:lnRef>
+          <a:fillRef idx="0">
+            <a:schemeClr val="accent1"/>
+          </a:fillRef>
+          <a:effectRef idx="0">
+            <a:schemeClr val="accent1"/>
+          </a:effectRef>
+          <a:fontRef idx="minor">
+            <a:schemeClr val="tx1"/>
+          </a:fontRef>
+        </p:style>
+      </p:cxnSp>
+      <p:sp>
+        <p:nvSpPr>
+          <p:cNvPr id="7" name="CasellaDiTesto 6">
+            <a:extLst>
+              <a:ext uri="{FF2B5EF4-FFF2-40B4-BE49-F238E27FC236}">
+                <a16:creationId xmlns:a16="http://schemas.microsoft.com/office/drawing/2014/main" id="{B356ADD7-7FE5-4101-B939-BEE9CE4AB808}"/>
+              </a:ext>
+            </a:extLst>
+          </p:cNvPr>
+          <p:cNvSpPr txBox="1"/>
+          <p:nvPr/>
+        </p:nvSpPr>
+        <p:spPr>
+          <a:xfrm>
+            <a:off x="3204152" y="4286599"/>
+            <a:ext cx="1740568" cy="307777"/>
+          </a:xfrm>
+          <a:prstGeom prst="rect">
+            <a:avLst/>
+          </a:prstGeom>
+          <a:noFill/>
+        </p:spPr>
+        <p:txBody>
+          <a:bodyPr wrap="square" rtlCol="0">
+            <a:spAutoFit/>
+          </a:bodyPr>
+          <a:lstStyle/>
+          <a:p>
+            <a:pPr algn="ctr"/>
+            <a:r>
+              <a:rPr lang="it-IT" sz="1400" dirty="0"/>
+              <a:t>Soggetto</a:t>
+            </a:r>
+          </a:p>
+        </p:txBody>
+      </p:sp>
+      <p:sp>
+        <p:nvSpPr>
+          <p:cNvPr id="8" name="Rettangolo 7">
+            <a:extLst>
+              <a:ext uri="{FF2B5EF4-FFF2-40B4-BE49-F238E27FC236}">
+                <a16:creationId xmlns:a16="http://schemas.microsoft.com/office/drawing/2014/main" id="{968BC689-0783-4ADD-87FF-09F4EF1DCB8D}"/>
+              </a:ext>
+            </a:extLst>
+          </p:cNvPr>
+          <p:cNvSpPr/>
+          <p:nvPr/>
+        </p:nvSpPr>
+        <p:spPr>
+          <a:xfrm>
+            <a:off x="6196264" y="4578330"/>
+            <a:ext cx="1740568" cy="673769"/>
+          </a:xfrm>
+          <a:prstGeom prst="rect">
+            <a:avLst/>
+          </a:prstGeom>
+          <a:solidFill>
+            <a:srgbClr val="FFF5D8"/>
+          </a:solidFill>
+          <a:ln>
+            <a:solidFill>
+              <a:srgbClr val="568EFF"/>
+            </a:solidFill>
+          </a:ln>
+        </p:spPr>
+        <p:style>
+          <a:lnRef idx="2">
+            <a:schemeClr val="accent1">
+              <a:shade val="50000"/>
+            </a:schemeClr>
+          </a:lnRef>
+          <a:fillRef idx="1">
+            <a:schemeClr val="accent1"/>
+          </a:fillRef>
+          <a:effectRef idx="0">
+            <a:schemeClr val="accent1"/>
+          </a:effectRef>
+          <a:fontRef idx="minor">
+            <a:schemeClr val="lt1"/>
+          </a:fontRef>
+        </p:style>
+        <p:txBody>
+          <a:bodyPr rtlCol="0" anchor="ctr"/>
+          <a:lstStyle/>
+          <a:p>
+            <a:pPr algn="ctr"/>
+            <a:endParaRPr lang="it-IT" dirty="0"/>
+          </a:p>
+        </p:txBody>
+      </p:sp>
+      <p:cxnSp>
+        <p:nvCxnSpPr>
+          <p:cNvPr id="9" name="Connettore diritto 8">
+            <a:extLst>
+              <a:ext uri="{FF2B5EF4-FFF2-40B4-BE49-F238E27FC236}">
+                <a16:creationId xmlns:a16="http://schemas.microsoft.com/office/drawing/2014/main" id="{BC12326F-D500-49B4-BACA-1A8753E174B6}"/>
+              </a:ext>
+            </a:extLst>
+          </p:cNvPr>
+          <p:cNvCxnSpPr>
+            <a:cxnSpLocks/>
+          </p:cNvCxnSpPr>
+          <p:nvPr/>
+        </p:nvCxnSpPr>
+        <p:spPr>
+          <a:xfrm>
+            <a:off x="6196264" y="4818963"/>
+            <a:ext cx="1740568" cy="0"/>
+          </a:xfrm>
+          <a:prstGeom prst="line">
+            <a:avLst/>
+          </a:prstGeom>
+          <a:ln>
+            <a:solidFill>
+              <a:srgbClr val="568EFF"/>
+            </a:solidFill>
+          </a:ln>
+        </p:spPr>
+        <p:style>
+          <a:lnRef idx="1">
+            <a:schemeClr val="accent1"/>
+          </a:lnRef>
+          <a:fillRef idx="0">
+            <a:schemeClr val="accent1"/>
+          </a:fillRef>
+          <a:effectRef idx="0">
+            <a:schemeClr val="accent1"/>
+          </a:effectRef>
+          <a:fontRef idx="minor">
+            <a:schemeClr val="tx1"/>
+          </a:fontRef>
+        </p:style>
+      </p:cxnSp>
+      <p:cxnSp>
+        <p:nvCxnSpPr>
+          <p:cNvPr id="10" name="Connettore diritto 9">
+            <a:extLst>
+              <a:ext uri="{FF2B5EF4-FFF2-40B4-BE49-F238E27FC236}">
+                <a16:creationId xmlns:a16="http://schemas.microsoft.com/office/drawing/2014/main" id="{EF97EDA9-C6ED-450B-B0E7-BFD0966071AC}"/>
+              </a:ext>
+            </a:extLst>
+          </p:cNvPr>
+          <p:cNvCxnSpPr>
+            <a:cxnSpLocks/>
+          </p:cNvCxnSpPr>
+          <p:nvPr/>
+        </p:nvCxnSpPr>
+        <p:spPr>
+          <a:xfrm>
+            <a:off x="6196264" y="4916218"/>
+            <a:ext cx="1740568" cy="0"/>
+          </a:xfrm>
+          <a:prstGeom prst="line">
+            <a:avLst/>
+          </a:prstGeom>
+          <a:ln>
+            <a:solidFill>
+              <a:srgbClr val="568EFF"/>
+            </a:solidFill>
+          </a:ln>
+        </p:spPr>
+        <p:style>
+          <a:lnRef idx="1">
+            <a:schemeClr val="accent1"/>
+          </a:lnRef>
+          <a:fillRef idx="0">
+            <a:schemeClr val="accent1"/>
+          </a:fillRef>
+          <a:effectRef idx="0">
+            <a:schemeClr val="accent1"/>
+          </a:effectRef>
+          <a:fontRef idx="minor">
+            <a:schemeClr val="tx1"/>
+          </a:fontRef>
+        </p:style>
+      </p:cxnSp>
+      <p:sp>
+        <p:nvSpPr>
+          <p:cNvPr id="11" name="CasellaDiTesto 10">
+            <a:extLst>
+              <a:ext uri="{FF2B5EF4-FFF2-40B4-BE49-F238E27FC236}">
+                <a16:creationId xmlns:a16="http://schemas.microsoft.com/office/drawing/2014/main" id="{6A3B119F-DC78-4A08-AB45-606C3B978D03}"/>
+              </a:ext>
+            </a:extLst>
+          </p:cNvPr>
+          <p:cNvSpPr txBox="1"/>
+          <p:nvPr/>
+        </p:nvSpPr>
+        <p:spPr>
+          <a:xfrm>
+            <a:off x="6196265" y="4545882"/>
+            <a:ext cx="1740568" cy="307777"/>
+          </a:xfrm>
+          <a:prstGeom prst="rect">
+            <a:avLst/>
+          </a:prstGeom>
+          <a:noFill/>
+        </p:spPr>
+        <p:txBody>
+          <a:bodyPr wrap="square" rtlCol="0">
+            <a:spAutoFit/>
+          </a:bodyPr>
+          <a:lstStyle/>
+          <a:p>
+            <a:pPr algn="ctr"/>
+            <a:r>
+              <a:rPr lang="it-IT" sz="1400" dirty="0" err="1"/>
+              <a:t>Observer</a:t>
+            </a:r>
+            <a:endParaRPr lang="it-IT" sz="1400" dirty="0"/>
+          </a:p>
+        </p:txBody>
+      </p:sp>
+      <p:sp>
+        <p:nvSpPr>
+          <p:cNvPr id="12" name="Rettangolo 11">
+            <a:extLst>
+              <a:ext uri="{FF2B5EF4-FFF2-40B4-BE49-F238E27FC236}">
+                <a16:creationId xmlns:a16="http://schemas.microsoft.com/office/drawing/2014/main" id="{3C8A410D-6751-4C24-8B95-394536755DDB}"/>
+              </a:ext>
+            </a:extLst>
+          </p:cNvPr>
+          <p:cNvSpPr/>
+          <p:nvPr/>
+        </p:nvSpPr>
+        <p:spPr>
+          <a:xfrm>
+            <a:off x="6121520" y="5883462"/>
+            <a:ext cx="1835075" cy="673769"/>
+          </a:xfrm>
+          <a:prstGeom prst="rect">
+            <a:avLst/>
+          </a:prstGeom>
+          <a:solidFill>
+            <a:srgbClr val="FFF5D8"/>
+          </a:solidFill>
+          <a:ln>
+            <a:solidFill>
+              <a:srgbClr val="568EFF"/>
+            </a:solidFill>
+          </a:ln>
+        </p:spPr>
+        <p:style>
+          <a:lnRef idx="2">
+            <a:schemeClr val="accent1">
+              <a:shade val="50000"/>
+            </a:schemeClr>
+          </a:lnRef>
+          <a:fillRef idx="1">
+            <a:schemeClr val="accent1"/>
+          </a:fillRef>
+          <a:effectRef idx="0">
+            <a:schemeClr val="accent1"/>
+          </a:effectRef>
+          <a:fontRef idx="minor">
+            <a:schemeClr val="lt1"/>
+          </a:fontRef>
+        </p:style>
+        <p:txBody>
+          <a:bodyPr rtlCol="0" anchor="ctr"/>
+          <a:lstStyle/>
+          <a:p>
+            <a:pPr algn="ctr"/>
+            <a:endParaRPr lang="it-IT"/>
+          </a:p>
+        </p:txBody>
+      </p:sp>
+      <p:cxnSp>
+        <p:nvCxnSpPr>
+          <p:cNvPr id="13" name="Connettore diritto 12">
+            <a:extLst>
+              <a:ext uri="{FF2B5EF4-FFF2-40B4-BE49-F238E27FC236}">
+                <a16:creationId xmlns:a16="http://schemas.microsoft.com/office/drawing/2014/main" id="{7FC93FEB-15BD-449D-BD42-DF13048BCE9F}"/>
+              </a:ext>
+            </a:extLst>
+          </p:cNvPr>
+          <p:cNvCxnSpPr>
+            <a:cxnSpLocks/>
+          </p:cNvCxnSpPr>
+          <p:nvPr/>
+        </p:nvCxnSpPr>
+        <p:spPr>
+          <a:xfrm>
+            <a:off x="6121521" y="6124095"/>
+            <a:ext cx="1815311" cy="0"/>
+          </a:xfrm>
+          <a:prstGeom prst="line">
+            <a:avLst/>
+          </a:prstGeom>
+          <a:ln>
+            <a:solidFill>
+              <a:srgbClr val="568EFF"/>
+            </a:solidFill>
+          </a:ln>
+        </p:spPr>
+        <p:style>
+          <a:lnRef idx="1">
+            <a:schemeClr val="accent1"/>
+          </a:lnRef>
+          <a:fillRef idx="0">
+            <a:schemeClr val="accent1"/>
+          </a:fillRef>
+          <a:effectRef idx="0">
+            <a:schemeClr val="accent1"/>
+          </a:effectRef>
+          <a:fontRef idx="minor">
+            <a:schemeClr val="tx1"/>
+          </a:fontRef>
+        </p:style>
+      </p:cxnSp>
+      <p:cxnSp>
+        <p:nvCxnSpPr>
+          <p:cNvPr id="14" name="Connettore diritto 13">
+            <a:extLst>
+              <a:ext uri="{FF2B5EF4-FFF2-40B4-BE49-F238E27FC236}">
+                <a16:creationId xmlns:a16="http://schemas.microsoft.com/office/drawing/2014/main" id="{85BF9133-2374-4A1A-958F-401F9FE8B119}"/>
+              </a:ext>
+            </a:extLst>
+          </p:cNvPr>
+          <p:cNvCxnSpPr>
+            <a:cxnSpLocks/>
+          </p:cNvCxnSpPr>
+          <p:nvPr/>
+        </p:nvCxnSpPr>
+        <p:spPr>
+          <a:xfrm>
+            <a:off x="6121521" y="6404832"/>
+            <a:ext cx="1835073" cy="0"/>
+          </a:xfrm>
+          <a:prstGeom prst="line">
+            <a:avLst/>
+          </a:prstGeom>
+          <a:ln>
+            <a:solidFill>
+              <a:srgbClr val="568EFF"/>
+            </a:solidFill>
+          </a:ln>
+        </p:spPr>
+        <p:style>
+          <a:lnRef idx="1">
+            <a:schemeClr val="accent1"/>
+          </a:lnRef>
+          <a:fillRef idx="0">
+            <a:schemeClr val="accent1"/>
+          </a:fillRef>
+          <a:effectRef idx="0">
+            <a:schemeClr val="accent1"/>
+          </a:effectRef>
+          <a:fontRef idx="minor">
+            <a:schemeClr val="tx1"/>
+          </a:fontRef>
+        </p:style>
+      </p:cxnSp>
+      <p:sp>
+        <p:nvSpPr>
+          <p:cNvPr id="15" name="CasellaDiTesto 14">
+            <a:extLst>
+              <a:ext uri="{FF2B5EF4-FFF2-40B4-BE49-F238E27FC236}">
+                <a16:creationId xmlns:a16="http://schemas.microsoft.com/office/drawing/2014/main" id="{D2B672D7-2FFE-47DE-B792-2C6A2EE2BF3E}"/>
+              </a:ext>
+            </a:extLst>
+          </p:cNvPr>
+          <p:cNvSpPr txBox="1"/>
+          <p:nvPr/>
+        </p:nvSpPr>
+        <p:spPr>
+          <a:xfrm>
+            <a:off x="6066212" y="5867733"/>
+            <a:ext cx="1860595" cy="307777"/>
+          </a:xfrm>
+          <a:prstGeom prst="rect">
+            <a:avLst/>
+          </a:prstGeom>
+          <a:noFill/>
+        </p:spPr>
+        <p:txBody>
+          <a:bodyPr wrap="square" rtlCol="0">
+            <a:spAutoFit/>
+          </a:bodyPr>
+          <a:lstStyle/>
+          <a:p>
+            <a:pPr algn="ctr"/>
+            <a:r>
+              <a:rPr lang="it-IT" sz="1400" dirty="0"/>
+              <a:t>Soggetto Concreto</a:t>
+            </a:r>
+          </a:p>
+        </p:txBody>
+      </p:sp>
+      <p:sp>
+        <p:nvSpPr>
+          <p:cNvPr id="16" name="Rettangolo 15">
+            <a:extLst>
+              <a:ext uri="{FF2B5EF4-FFF2-40B4-BE49-F238E27FC236}">
+                <a16:creationId xmlns:a16="http://schemas.microsoft.com/office/drawing/2014/main" id="{CB4A1C27-B224-44B0-A7C7-CA542E593ABD}"/>
+              </a:ext>
+            </a:extLst>
+          </p:cNvPr>
+          <p:cNvSpPr/>
+          <p:nvPr/>
+        </p:nvSpPr>
+        <p:spPr>
+          <a:xfrm>
+            <a:off x="9370271" y="4596014"/>
+            <a:ext cx="1740568" cy="673769"/>
+          </a:xfrm>
+          <a:prstGeom prst="rect">
+            <a:avLst/>
+          </a:prstGeom>
+          <a:solidFill>
+            <a:srgbClr val="FFF5D8"/>
+          </a:solidFill>
+          <a:ln>
+            <a:solidFill>
+              <a:srgbClr val="568EFF"/>
+            </a:solidFill>
+          </a:ln>
+        </p:spPr>
+        <p:style>
+          <a:lnRef idx="2">
+            <a:schemeClr val="accent1">
+              <a:shade val="50000"/>
+            </a:schemeClr>
+          </a:lnRef>
+          <a:fillRef idx="1">
+            <a:schemeClr val="accent1"/>
+          </a:fillRef>
+          <a:effectRef idx="0">
+            <a:schemeClr val="accent1"/>
+          </a:effectRef>
+          <a:fontRef idx="minor">
+            <a:schemeClr val="lt1"/>
+          </a:fontRef>
+        </p:style>
+        <p:txBody>
+          <a:bodyPr rtlCol="0" anchor="ctr"/>
+          <a:lstStyle/>
+          <a:p>
+            <a:pPr algn="ctr"/>
+            <a:endParaRPr lang="it-IT"/>
+          </a:p>
+        </p:txBody>
+      </p:sp>
+      <p:cxnSp>
+        <p:nvCxnSpPr>
+          <p:cNvPr id="17" name="Connettore diritto 16">
+            <a:extLst>
+              <a:ext uri="{FF2B5EF4-FFF2-40B4-BE49-F238E27FC236}">
+                <a16:creationId xmlns:a16="http://schemas.microsoft.com/office/drawing/2014/main" id="{990D2C70-B5E3-4103-ADD8-40BDD026324E}"/>
+              </a:ext>
+            </a:extLst>
+          </p:cNvPr>
+          <p:cNvCxnSpPr>
+            <a:cxnSpLocks/>
+          </p:cNvCxnSpPr>
+          <p:nvPr/>
+        </p:nvCxnSpPr>
+        <p:spPr>
+          <a:xfrm>
+            <a:off x="9370271" y="4836647"/>
+            <a:ext cx="1740568" cy="0"/>
+          </a:xfrm>
+          <a:prstGeom prst="line">
+            <a:avLst/>
+          </a:prstGeom>
+          <a:ln>
+            <a:solidFill>
+              <a:srgbClr val="568EFF"/>
+            </a:solidFill>
+          </a:ln>
+        </p:spPr>
+        <p:style>
+          <a:lnRef idx="1">
+            <a:schemeClr val="accent1"/>
+          </a:lnRef>
+          <a:fillRef idx="0">
+            <a:schemeClr val="accent1"/>
+          </a:fillRef>
+          <a:effectRef idx="0">
+            <a:schemeClr val="accent1"/>
+          </a:effectRef>
+          <a:fontRef idx="minor">
+            <a:schemeClr val="tx1"/>
+          </a:fontRef>
+        </p:style>
+      </p:cxnSp>
+      <p:cxnSp>
+        <p:nvCxnSpPr>
+          <p:cNvPr id="18" name="Connettore diritto 17">
+            <a:extLst>
+              <a:ext uri="{FF2B5EF4-FFF2-40B4-BE49-F238E27FC236}">
+                <a16:creationId xmlns:a16="http://schemas.microsoft.com/office/drawing/2014/main" id="{4E786B0F-EE32-4B08-B5E4-A09014E0E572}"/>
+              </a:ext>
+            </a:extLst>
+          </p:cNvPr>
+          <p:cNvCxnSpPr>
+            <a:cxnSpLocks/>
+          </p:cNvCxnSpPr>
+          <p:nvPr/>
+        </p:nvCxnSpPr>
+        <p:spPr>
+          <a:xfrm>
+            <a:off x="9370271" y="5117384"/>
+            <a:ext cx="1740568" cy="0"/>
+          </a:xfrm>
+          <a:prstGeom prst="line">
+            <a:avLst/>
+          </a:prstGeom>
+          <a:ln>
+            <a:solidFill>
+              <a:srgbClr val="568EFF"/>
+            </a:solidFill>
+          </a:ln>
+        </p:spPr>
+        <p:style>
+          <a:lnRef idx="1">
+            <a:schemeClr val="accent1"/>
+          </a:lnRef>
+          <a:fillRef idx="0">
+            <a:schemeClr val="accent1"/>
+          </a:fillRef>
+          <a:effectRef idx="0">
+            <a:schemeClr val="accent1"/>
+          </a:effectRef>
+          <a:fontRef idx="minor">
+            <a:schemeClr val="tx1"/>
+          </a:fontRef>
+        </p:style>
+      </p:cxnSp>
+      <p:sp>
+        <p:nvSpPr>
+          <p:cNvPr id="19" name="CasellaDiTesto 18">
+            <a:extLst>
+              <a:ext uri="{FF2B5EF4-FFF2-40B4-BE49-F238E27FC236}">
+                <a16:creationId xmlns:a16="http://schemas.microsoft.com/office/drawing/2014/main" id="{074BEBE8-6A10-476E-9163-F9C04842D4A9}"/>
+              </a:ext>
+            </a:extLst>
+          </p:cNvPr>
+          <p:cNvSpPr txBox="1"/>
+          <p:nvPr/>
+        </p:nvSpPr>
+        <p:spPr>
+          <a:xfrm>
+            <a:off x="9323018" y="4568744"/>
+            <a:ext cx="1835074" cy="307777"/>
+          </a:xfrm>
+          <a:prstGeom prst="rect">
+            <a:avLst/>
+          </a:prstGeom>
+          <a:noFill/>
+        </p:spPr>
+        <p:txBody>
+          <a:bodyPr wrap="square" rtlCol="0">
+            <a:spAutoFit/>
+          </a:bodyPr>
+          <a:lstStyle/>
+          <a:p>
+            <a:pPr algn="ctr"/>
+            <a:r>
+              <a:rPr lang="it-IT" sz="1400" dirty="0" err="1"/>
+              <a:t>Observer</a:t>
+            </a:r>
+            <a:r>
+              <a:rPr lang="it-IT" sz="1400" dirty="0"/>
+              <a:t> concreto</a:t>
+            </a:r>
+          </a:p>
+        </p:txBody>
+      </p:sp>
+      <p:sp>
+        <p:nvSpPr>
+          <p:cNvPr id="24" name="CasellaDiTesto 23">
+            <a:extLst>
+              <a:ext uri="{FF2B5EF4-FFF2-40B4-BE49-F238E27FC236}">
+                <a16:creationId xmlns:a16="http://schemas.microsoft.com/office/drawing/2014/main" id="{0CFDE27A-2BBA-488F-9FE5-A86169E62B37}"/>
+              </a:ext>
+            </a:extLst>
+          </p:cNvPr>
+          <p:cNvSpPr txBox="1"/>
+          <p:nvPr/>
+        </p:nvSpPr>
+        <p:spPr>
+          <a:xfrm>
+            <a:off x="4953242" y="4571917"/>
+            <a:ext cx="269626" cy="276999"/>
+          </a:xfrm>
+          <a:prstGeom prst="rect">
+            <a:avLst/>
+          </a:prstGeom>
+          <a:noFill/>
+        </p:spPr>
+        <p:txBody>
+          <a:bodyPr wrap="none" rtlCol="0">
+            <a:spAutoFit/>
+          </a:bodyPr>
+          <a:lstStyle/>
+          <a:p>
+            <a:r>
+              <a:rPr lang="it-IT" sz="1200" dirty="0"/>
+              <a:t>1</a:t>
+            </a:r>
+          </a:p>
+        </p:txBody>
+      </p:sp>
+      <p:sp>
+        <p:nvSpPr>
+          <p:cNvPr id="26" name="CasellaDiTesto 25">
+            <a:extLst>
+              <a:ext uri="{FF2B5EF4-FFF2-40B4-BE49-F238E27FC236}">
+                <a16:creationId xmlns:a16="http://schemas.microsoft.com/office/drawing/2014/main" id="{C1EB35BA-A66C-4A74-BDB7-FB49B86CE415}"/>
+              </a:ext>
+            </a:extLst>
+          </p:cNvPr>
+          <p:cNvSpPr txBox="1"/>
+          <p:nvPr/>
+        </p:nvSpPr>
+        <p:spPr>
+          <a:xfrm>
+            <a:off x="8388713" y="5953503"/>
+            <a:ext cx="1419723" cy="276999"/>
+          </a:xfrm>
+          <a:prstGeom prst="rect">
+            <a:avLst/>
+          </a:prstGeom>
+          <a:noFill/>
+        </p:spPr>
+        <p:txBody>
+          <a:bodyPr wrap="square" rtlCol="0">
+            <a:spAutoFit/>
+          </a:bodyPr>
+          <a:lstStyle/>
+          <a:p>
+            <a:r>
+              <a:rPr lang="it-IT" sz="1200"/>
+              <a:t>+soggetto</a:t>
+            </a:r>
+            <a:endParaRPr lang="it-IT" sz="1200" dirty="0"/>
+          </a:p>
+        </p:txBody>
+      </p:sp>
+      <p:sp>
+        <p:nvSpPr>
+          <p:cNvPr id="31" name="CasellaDiTesto 30">
+            <a:extLst>
+              <a:ext uri="{FF2B5EF4-FFF2-40B4-BE49-F238E27FC236}">
+                <a16:creationId xmlns:a16="http://schemas.microsoft.com/office/drawing/2014/main" id="{B915F119-48A0-4CDB-B07B-F6F2D1BD25CA}"/>
+              </a:ext>
+            </a:extLst>
+          </p:cNvPr>
+          <p:cNvSpPr txBox="1"/>
+          <p:nvPr/>
+        </p:nvSpPr>
+        <p:spPr>
+          <a:xfrm>
+            <a:off x="3182093" y="4703729"/>
+            <a:ext cx="1859718" cy="830997"/>
+          </a:xfrm>
+          <a:prstGeom prst="rect">
+            <a:avLst/>
+          </a:prstGeom>
+          <a:noFill/>
+        </p:spPr>
+        <p:txBody>
+          <a:bodyPr wrap="square" rtlCol="0">
+            <a:spAutoFit/>
+          </a:bodyPr>
+          <a:lstStyle/>
+          <a:p>
+            <a:r>
+              <a:rPr lang="it-IT" sz="1200" dirty="0"/>
+              <a:t>+</a:t>
+            </a:r>
+            <a:r>
+              <a:rPr lang="it-IT" sz="1200" dirty="0" err="1"/>
+              <a:t>Register</a:t>
+            </a:r>
+            <a:r>
+              <a:rPr lang="it-IT" sz="1200" dirty="0"/>
+              <a:t>(</a:t>
+            </a:r>
+            <a:r>
+              <a:rPr lang="it-IT" sz="1200" dirty="0" err="1"/>
+              <a:t>Observer</a:t>
+            </a:r>
+            <a:r>
+              <a:rPr lang="it-IT" sz="1200" dirty="0"/>
+              <a:t>)</a:t>
+            </a:r>
+          </a:p>
+          <a:p>
+            <a:r>
+              <a:rPr lang="it-IT" sz="1200" dirty="0"/>
+              <a:t>+</a:t>
+            </a:r>
+            <a:r>
+              <a:rPr lang="it-IT" sz="1200" dirty="0" err="1"/>
+              <a:t>UnRegister</a:t>
+            </a:r>
+            <a:r>
+              <a:rPr lang="it-IT" sz="1200" dirty="0"/>
+              <a:t>(</a:t>
+            </a:r>
+            <a:r>
+              <a:rPr lang="it-IT" sz="1200" dirty="0" err="1"/>
+              <a:t>Observer</a:t>
+            </a:r>
+            <a:r>
+              <a:rPr lang="it-IT" sz="1200" dirty="0"/>
+              <a:t>)</a:t>
+            </a:r>
+          </a:p>
+          <a:p>
+            <a:r>
+              <a:rPr lang="it-IT" sz="1200" dirty="0"/>
+              <a:t>+</a:t>
+            </a:r>
+            <a:r>
+              <a:rPr lang="it-IT" sz="1200" dirty="0" err="1"/>
+              <a:t>NotifyAll</a:t>
+            </a:r>
+            <a:r>
+              <a:rPr lang="it-IT" sz="1200" dirty="0"/>
+              <a:t>()</a:t>
+            </a:r>
+          </a:p>
+          <a:p>
+            <a:endParaRPr lang="it-IT" sz="1200" dirty="0"/>
+          </a:p>
+        </p:txBody>
+      </p:sp>
+      <p:sp>
+        <p:nvSpPr>
+          <p:cNvPr id="36" name="CasellaDiTesto 35">
+            <a:extLst>
+              <a:ext uri="{FF2B5EF4-FFF2-40B4-BE49-F238E27FC236}">
+                <a16:creationId xmlns:a16="http://schemas.microsoft.com/office/drawing/2014/main" id="{42C4ECBB-4A4E-488F-8B44-D92A32485647}"/>
+              </a:ext>
+            </a:extLst>
+          </p:cNvPr>
+          <p:cNvSpPr txBox="1"/>
+          <p:nvPr/>
+        </p:nvSpPr>
+        <p:spPr>
+          <a:xfrm>
+            <a:off x="6191960" y="4919000"/>
+            <a:ext cx="1313158" cy="276999"/>
+          </a:xfrm>
+          <a:prstGeom prst="rect">
+            <a:avLst/>
+          </a:prstGeom>
+          <a:noFill/>
+        </p:spPr>
+        <p:txBody>
+          <a:bodyPr wrap="square" rtlCol="0">
+            <a:spAutoFit/>
+          </a:bodyPr>
+          <a:lstStyle/>
+          <a:p>
+            <a:r>
+              <a:rPr lang="it-IT" sz="1200" dirty="0"/>
+              <a:t>+Update()</a:t>
+            </a:r>
+          </a:p>
+        </p:txBody>
+      </p:sp>
+      <p:sp>
+        <p:nvSpPr>
+          <p:cNvPr id="38" name="Decisione 37">
+            <a:extLst>
+              <a:ext uri="{FF2B5EF4-FFF2-40B4-BE49-F238E27FC236}">
+                <a16:creationId xmlns:a16="http://schemas.microsoft.com/office/drawing/2014/main" id="{BB53D5C8-B97C-4F90-8C6A-2E2EC7E2B111}"/>
+              </a:ext>
+            </a:extLst>
+          </p:cNvPr>
+          <p:cNvSpPr/>
+          <p:nvPr/>
+        </p:nvSpPr>
+        <p:spPr>
+          <a:xfrm>
+            <a:off x="4971848" y="4852068"/>
+            <a:ext cx="209564" cy="113466"/>
+          </a:xfrm>
+          <a:prstGeom prst="flowChartDecision">
+            <a:avLst/>
+          </a:prstGeom>
+          <a:noFill/>
+          <a:ln>
+            <a:solidFill>
+              <a:srgbClr val="568EFF"/>
+            </a:solidFill>
+          </a:ln>
+        </p:spPr>
+        <p:style>
+          <a:lnRef idx="2">
+            <a:schemeClr val="accent1">
+              <a:shade val="50000"/>
+            </a:schemeClr>
+          </a:lnRef>
+          <a:fillRef idx="1">
+            <a:schemeClr val="accent1"/>
+          </a:fillRef>
+          <a:effectRef idx="0">
+            <a:schemeClr val="accent1"/>
+          </a:effectRef>
+          <a:fontRef idx="minor">
+            <a:schemeClr val="lt1"/>
+          </a:fontRef>
+        </p:style>
+        <p:txBody>
+          <a:bodyPr rtlCol="0" anchor="ctr"/>
+          <a:lstStyle/>
+          <a:p>
+            <a:pPr algn="ctr"/>
+            <a:endParaRPr lang="it-IT"/>
+          </a:p>
+        </p:txBody>
+      </p:sp>
+      <p:cxnSp>
+        <p:nvCxnSpPr>
+          <p:cNvPr id="40" name="Connettore diritto 39">
+            <a:extLst>
+              <a:ext uri="{FF2B5EF4-FFF2-40B4-BE49-F238E27FC236}">
+                <a16:creationId xmlns:a16="http://schemas.microsoft.com/office/drawing/2014/main" id="{C2903018-9F07-46DE-9907-D81612C270F7}"/>
+              </a:ext>
+            </a:extLst>
+          </p:cNvPr>
+          <p:cNvCxnSpPr>
+            <a:cxnSpLocks/>
+            <a:stCxn id="38" idx="3"/>
+            <a:endCxn id="8" idx="1"/>
+          </p:cNvCxnSpPr>
+          <p:nvPr/>
+        </p:nvCxnSpPr>
+        <p:spPr>
+          <a:xfrm>
+            <a:off x="5181412" y="4908801"/>
+            <a:ext cx="1014852" cy="6414"/>
+          </a:xfrm>
+          <a:prstGeom prst="line">
+            <a:avLst/>
+          </a:prstGeom>
+        </p:spPr>
+        <p:style>
+          <a:lnRef idx="1">
+            <a:schemeClr val="accent1"/>
+          </a:lnRef>
+          <a:fillRef idx="0">
+            <a:schemeClr val="accent1"/>
+          </a:fillRef>
+          <a:effectRef idx="0">
+            <a:schemeClr val="accent1"/>
+          </a:effectRef>
+          <a:fontRef idx="minor">
+            <a:schemeClr val="tx1"/>
+          </a:fontRef>
+        </p:style>
+      </p:cxnSp>
+      <p:sp>
+        <p:nvSpPr>
+          <p:cNvPr id="46" name="CasellaDiTesto 45">
+            <a:extLst>
+              <a:ext uri="{FF2B5EF4-FFF2-40B4-BE49-F238E27FC236}">
+                <a16:creationId xmlns:a16="http://schemas.microsoft.com/office/drawing/2014/main" id="{93CF0412-C955-4327-8728-310B1B91A7BE}"/>
+              </a:ext>
+            </a:extLst>
+          </p:cNvPr>
+          <p:cNvSpPr txBox="1"/>
+          <p:nvPr/>
+        </p:nvSpPr>
+        <p:spPr>
+          <a:xfrm>
+            <a:off x="5993931" y="4565344"/>
+            <a:ext cx="282450" cy="369332"/>
+          </a:xfrm>
+          <a:prstGeom prst="rect">
+            <a:avLst/>
+          </a:prstGeom>
+          <a:noFill/>
+        </p:spPr>
+        <p:txBody>
+          <a:bodyPr wrap="none" rtlCol="0">
+            <a:spAutoFit/>
+          </a:bodyPr>
+          <a:lstStyle/>
+          <a:p>
             <a:r>
               <a:rPr lang="it-IT" dirty="0"/>
-              <a:t>Un esempio di codice riutilizzabile è la funzionalità di Login</a:t>
-            </a:r>
-            <a:r>
-              <a:rPr lang="it-IT" dirty="0" smtClean="0"/>
-              <a:t>:</a:t>
-            </a:r>
-          </a:p>
-          <a:p>
-            <a:endParaRPr lang="it-IT" dirty="0"/>
-          </a:p>
-          <a:p>
-            <a:endParaRPr lang="it-IT" dirty="0" smtClean="0"/>
-          </a:p>
-          <a:p>
-            <a:endParaRPr lang="it-IT" dirty="0"/>
-          </a:p>
-          <a:p>
-            <a:endParaRPr lang="it-IT" dirty="0" smtClean="0"/>
-          </a:p>
-          <a:p>
-            <a:endParaRPr lang="it-IT" dirty="0" smtClean="0"/>
-          </a:p>
-          <a:p>
-            <a:endParaRPr lang="it-IT" dirty="0"/>
-          </a:p>
-          <a:p>
-            <a:endParaRPr lang="it-IT" dirty="0" smtClean="0"/>
-          </a:p>
-          <a:p>
-            <a:endParaRPr lang="it-IT" dirty="0" smtClean="0"/>
-          </a:p>
-        </p:txBody>
-      </p:sp>
+              <a:t>*</a:t>
+            </a:r>
+          </a:p>
+        </p:txBody>
+      </p:sp>
+      <p:sp>
+        <p:nvSpPr>
+          <p:cNvPr id="47" name="Triangolo isoscele 46">
+            <a:extLst>
+              <a:ext uri="{FF2B5EF4-FFF2-40B4-BE49-F238E27FC236}">
+                <a16:creationId xmlns:a16="http://schemas.microsoft.com/office/drawing/2014/main" id="{116F5BB0-EA90-459B-989E-827228FEBACC}"/>
+              </a:ext>
+            </a:extLst>
+          </p:cNvPr>
+          <p:cNvSpPr/>
+          <p:nvPr/>
+        </p:nvSpPr>
+        <p:spPr>
+          <a:xfrm rot="16200000">
+            <a:off x="7983251" y="4857379"/>
+            <a:ext cx="112123" cy="154593"/>
+          </a:xfrm>
+          <a:prstGeom prst="triangle">
+            <a:avLst/>
+          </a:prstGeom>
+          <a:noFill/>
+          <a:ln>
+            <a:solidFill>
+              <a:srgbClr val="568EFF"/>
+            </a:solidFill>
+          </a:ln>
+        </p:spPr>
+        <p:style>
+          <a:lnRef idx="2">
+            <a:schemeClr val="accent1">
+              <a:shade val="50000"/>
+            </a:schemeClr>
+          </a:lnRef>
+          <a:fillRef idx="1">
+            <a:schemeClr val="accent1"/>
+          </a:fillRef>
+          <a:effectRef idx="0">
+            <a:schemeClr val="accent1"/>
+          </a:effectRef>
+          <a:fontRef idx="minor">
+            <a:schemeClr val="lt1"/>
+          </a:fontRef>
+        </p:style>
+        <p:txBody>
+          <a:bodyPr rtlCol="0" anchor="ctr"/>
+          <a:lstStyle/>
+          <a:p>
+            <a:pPr algn="ctr"/>
+            <a:endParaRPr lang="it-IT"/>
+          </a:p>
+        </p:txBody>
+      </p:sp>
+      <p:sp>
+        <p:nvSpPr>
+          <p:cNvPr id="48" name="Triangolo isoscele 47">
+            <a:extLst>
+              <a:ext uri="{FF2B5EF4-FFF2-40B4-BE49-F238E27FC236}">
+                <a16:creationId xmlns:a16="http://schemas.microsoft.com/office/drawing/2014/main" id="{8E71ECF8-12F7-411D-A002-6241CCDCFC92}"/>
+              </a:ext>
+            </a:extLst>
+          </p:cNvPr>
+          <p:cNvSpPr/>
+          <p:nvPr/>
+        </p:nvSpPr>
+        <p:spPr>
+          <a:xfrm>
+            <a:off x="3873917" y="5370020"/>
+            <a:ext cx="112123" cy="154593"/>
+          </a:xfrm>
+          <a:prstGeom prst="triangle">
+            <a:avLst/>
+          </a:prstGeom>
+          <a:noFill/>
+          <a:ln>
+            <a:solidFill>
+              <a:srgbClr val="568EFF"/>
+            </a:solidFill>
+          </a:ln>
+        </p:spPr>
+        <p:style>
+          <a:lnRef idx="2">
+            <a:schemeClr val="accent1">
+              <a:shade val="50000"/>
+            </a:schemeClr>
+          </a:lnRef>
+          <a:fillRef idx="1">
+            <a:schemeClr val="accent1"/>
+          </a:fillRef>
+          <a:effectRef idx="0">
+            <a:schemeClr val="accent1"/>
+          </a:effectRef>
+          <a:fontRef idx="minor">
+            <a:schemeClr val="lt1"/>
+          </a:fontRef>
+        </p:style>
+        <p:txBody>
+          <a:bodyPr rtlCol="0" anchor="ctr"/>
+          <a:lstStyle/>
+          <a:p>
+            <a:pPr algn="ctr"/>
+            <a:endParaRPr lang="it-IT"/>
+          </a:p>
+        </p:txBody>
+      </p:sp>
+      <p:cxnSp>
+        <p:nvCxnSpPr>
+          <p:cNvPr id="50" name="Connettore a gomito 49">
+            <a:extLst>
+              <a:ext uri="{FF2B5EF4-FFF2-40B4-BE49-F238E27FC236}">
+                <a16:creationId xmlns:a16="http://schemas.microsoft.com/office/drawing/2014/main" id="{A38907E4-3064-410D-8147-C1F6C197DC73}"/>
+              </a:ext>
+            </a:extLst>
+          </p:cNvPr>
+          <p:cNvCxnSpPr>
+            <a:cxnSpLocks/>
+            <a:stCxn id="48" idx="3"/>
+            <a:endCxn id="12" idx="1"/>
+          </p:cNvCxnSpPr>
+          <p:nvPr/>
+        </p:nvCxnSpPr>
+        <p:spPr>
+          <a:xfrm rot="16200000" flipH="1">
+            <a:off x="4677882" y="4776709"/>
+            <a:ext cx="695734" cy="2191541"/>
+          </a:xfrm>
+          <a:prstGeom prst="bentConnector2">
+            <a:avLst/>
+          </a:prstGeom>
+          <a:ln>
+            <a:solidFill>
+              <a:srgbClr val="568EFF"/>
+            </a:solidFill>
+          </a:ln>
+        </p:spPr>
+        <p:style>
+          <a:lnRef idx="1">
+            <a:schemeClr val="accent1"/>
+          </a:lnRef>
+          <a:fillRef idx="0">
+            <a:schemeClr val="accent1"/>
+          </a:fillRef>
+          <a:effectRef idx="0">
+            <a:schemeClr val="accent1"/>
+          </a:effectRef>
+          <a:fontRef idx="minor">
+            <a:schemeClr val="tx1"/>
+          </a:fontRef>
+        </p:style>
+      </p:cxnSp>
+      <p:cxnSp>
+        <p:nvCxnSpPr>
+          <p:cNvPr id="52" name="Connettore diritto 51">
+            <a:extLst>
+              <a:ext uri="{FF2B5EF4-FFF2-40B4-BE49-F238E27FC236}">
+                <a16:creationId xmlns:a16="http://schemas.microsoft.com/office/drawing/2014/main" id="{F4264E7B-10F1-43C1-BAFA-A570862AA77F}"/>
+              </a:ext>
+            </a:extLst>
+          </p:cNvPr>
+          <p:cNvCxnSpPr>
+            <a:stCxn id="47" idx="3"/>
+            <a:endCxn id="16" idx="1"/>
+          </p:cNvCxnSpPr>
+          <p:nvPr/>
+        </p:nvCxnSpPr>
+        <p:spPr>
+          <a:xfrm flipV="1">
+            <a:off x="8116609" y="4932899"/>
+            <a:ext cx="1253662" cy="1776"/>
+          </a:xfrm>
+          <a:prstGeom prst="line">
+            <a:avLst/>
+          </a:prstGeom>
+          <a:ln>
+            <a:solidFill>
+              <a:srgbClr val="568EFF"/>
+            </a:solidFill>
+          </a:ln>
+        </p:spPr>
+        <p:style>
+          <a:lnRef idx="1">
+            <a:schemeClr val="accent1"/>
+          </a:lnRef>
+          <a:fillRef idx="0">
+            <a:schemeClr val="accent1"/>
+          </a:fillRef>
+          <a:effectRef idx="0">
+            <a:schemeClr val="accent1"/>
+          </a:effectRef>
+          <a:fontRef idx="minor">
+            <a:schemeClr val="tx1"/>
+          </a:fontRef>
+        </p:style>
+      </p:cxnSp>
+      <p:cxnSp>
+        <p:nvCxnSpPr>
+          <p:cNvPr id="55" name="Connettore a gomito 54">
+            <a:extLst>
+              <a:ext uri="{FF2B5EF4-FFF2-40B4-BE49-F238E27FC236}">
+                <a16:creationId xmlns:a16="http://schemas.microsoft.com/office/drawing/2014/main" id="{83DEAD39-7965-4057-B055-3BEE08CF1870}"/>
+              </a:ext>
+            </a:extLst>
+          </p:cNvPr>
+          <p:cNvCxnSpPr>
+            <a:cxnSpLocks/>
+            <a:stCxn id="16" idx="2"/>
+            <a:endCxn id="12" idx="3"/>
+          </p:cNvCxnSpPr>
+          <p:nvPr/>
+        </p:nvCxnSpPr>
+        <p:spPr>
+          <a:xfrm rot="5400000">
+            <a:off x="8623293" y="4603085"/>
+            <a:ext cx="950564" cy="2283960"/>
+          </a:xfrm>
+          <a:prstGeom prst="bentConnector2">
+            <a:avLst/>
+          </a:prstGeom>
+          <a:ln>
+            <a:solidFill>
+              <a:srgbClr val="568EFF"/>
+            </a:solidFill>
+            <a:tailEnd type="triangle"/>
+          </a:ln>
+        </p:spPr>
+        <p:style>
+          <a:lnRef idx="1">
+            <a:schemeClr val="accent1"/>
+          </a:lnRef>
+          <a:fillRef idx="0">
+            <a:schemeClr val="accent1"/>
+          </a:fillRef>
+          <a:effectRef idx="0">
+            <a:schemeClr val="accent1"/>
+          </a:effectRef>
+          <a:fontRef idx="minor">
+            <a:schemeClr val="tx1"/>
+          </a:fontRef>
+        </p:style>
+      </p:cxnSp>
     </p:spTree>
-    <p:extLst>
-      <p:ext uri="{BB962C8B-B14F-4D97-AF65-F5344CB8AC3E}">
-        <p14:creationId xmlns:p14="http://schemas.microsoft.com/office/powerpoint/2010/main" val="2901190215"/>
-      </p:ext>
-    </p:extLst>
   </p:cSld>
   <p:clrMapOvr>
     <a:masterClrMapping/>
@@ -22847,14 +22783,14 @@
 </p:sld>
 </file>
 
-<file path=ppt/slides/slide8.xml><?xml version="1.0" encoding="utf-8"?>
+<file path=ppt/slides/slide7.xml><?xml version="1.0" encoding="utf-8"?>
 <p:sld xmlns:a="http://schemas.openxmlformats.org/drawingml/2006/main" xmlns:r="http://schemas.openxmlformats.org/officeDocument/2006/relationships" xmlns:p="http://schemas.openxmlformats.org/presentationml/2006/main">
   <p:cSld>
     <p:bg>
       <p:bgPr>
         <a:gradFill rotWithShape="1">
           <a:gsLst>
-            <a:gs pos="0">
+            <a:gs pos="100000">
               <a:schemeClr val="bg2">
                 <a:tint val="90000"/>
                 <a:satMod val="92000"/>
@@ -22919,79 +22855,99 @@
           <a:p>
             <a:pPr lvl="0"/>
             <a:r>
-              <a:rPr lang="en-US" dirty="0" err="1" smtClean="0"/>
+              <a:rPr lang="en-US" dirty="0" err="1"/>
               <a:t>Riutilizzabilità</a:t>
             </a:r>
             <a:r>
-              <a:rPr lang="en-US" dirty="0" smtClean="0"/>
+              <a:rPr lang="en-US" dirty="0"/>
               <a:t> del </a:t>
             </a:r>
             <a:r>
-              <a:rPr lang="en-US" dirty="0" err="1" smtClean="0"/>
+              <a:rPr lang="en-US" dirty="0" err="1"/>
               <a:t>Codice</a:t>
             </a:r>
             <a:endParaRPr lang="en-US" dirty="0"/>
           </a:p>
         </p:txBody>
       </p:sp>
-      <p:pic>
-        <p:nvPicPr>
-          <p:cNvPr id="4" name="Immagine 3"/>
-          <p:cNvPicPr>
-            <a:picLocks noChangeAspect="1"/>
-          </p:cNvPicPr>
-          <p:nvPr/>
-        </p:nvPicPr>
-        <p:blipFill>
-          <a:blip r:embed="rId3">
+      <p:sp>
+        <p:nvSpPr>
+          <p:cNvPr id="3" name="Segnaposto contenuto 2">
             <a:extLst>
-              <a:ext uri="{28A0092B-C50C-407E-A947-70E740481C1C}">
-                <a14:useLocalDpi xmlns:a14="http://schemas.microsoft.com/office/drawing/2010/main" val="0"/>
+              <a:ext uri="{FF2B5EF4-FFF2-40B4-BE49-F238E27FC236}">
+                <a16:creationId xmlns:a16="http://schemas.microsoft.com/office/drawing/2014/main" id="{9FD96C0F-73F9-452F-A6FE-405DB0FE0C4C}"/>
               </a:ext>
             </a:extLst>
-          </a:blip>
-          <a:stretch>
-            <a:fillRect/>
-          </a:stretch>
-        </p:blipFill>
+          </p:cNvPr>
+          <p:cNvSpPr txBox="1">
+            <a:spLocks noGrp="1"/>
+          </p:cNvSpPr>
+          <p:nvPr>
+            <p:ph type="body" idx="4294967295"/>
+          </p:nvPr>
+        </p:nvSpPr>
         <p:spPr>
           <a:xfrm>
-            <a:off x="3279775" y="1264444"/>
-            <a:ext cx="5950964" cy="5477178"/>
-          </a:xfrm>
-          <a:prstGeom prst="rect">
-            <a:avLst/>
-          </a:prstGeom>
-        </p:spPr>
-      </p:pic>
+            <a:off x="3276600" y="2133600"/>
+            <a:ext cx="8915400" cy="4583084"/>
+          </a:xfrm>
+        </p:spPr>
+        <p:txBody>
+          <a:bodyPr/>
+          <a:lstStyle/>
+          <a:p>
+            <a:r>
+              <a:rPr lang="it-IT" dirty="0"/>
+              <a:t>Un esempio di codice riutilizzabile è la funzionalità di Login:</a:t>
+            </a:r>
+          </a:p>
+          <a:p>
+            <a:endParaRPr lang="it-IT" dirty="0"/>
+          </a:p>
+          <a:p>
+            <a:endParaRPr lang="it-IT" dirty="0"/>
+          </a:p>
+          <a:p>
+            <a:endParaRPr lang="it-IT" dirty="0"/>
+          </a:p>
+          <a:p>
+            <a:endParaRPr lang="it-IT" dirty="0"/>
+          </a:p>
+          <a:p>
+            <a:endParaRPr lang="it-IT" dirty="0"/>
+          </a:p>
+          <a:p>
+            <a:endParaRPr lang="it-IT" dirty="0"/>
+          </a:p>
+          <a:p>
+            <a:endParaRPr lang="it-IT" dirty="0"/>
+          </a:p>
+          <a:p>
+            <a:endParaRPr lang="it-IT" dirty="0"/>
+          </a:p>
+        </p:txBody>
+      </p:sp>
     </p:spTree>
     <p:extLst>
       <p:ext uri="{BB962C8B-B14F-4D97-AF65-F5344CB8AC3E}">
-        <p14:creationId xmlns:p14="http://schemas.microsoft.com/office/powerpoint/2010/main" val="656062299"/>
+        <p14:creationId xmlns:p14="http://schemas.microsoft.com/office/powerpoint/2010/main" val="2901190215"/>
       </p:ext>
     </p:extLst>
   </p:cSld>
   <p:clrMapOvr>
     <a:masterClrMapping/>
   </p:clrMapOvr>
-  <p:timing>
-    <p:tnLst>
-      <p:par>
-        <p:cTn id="1" dur="indefinite" restart="never" nodeType="tmRoot"/>
-      </p:par>
-    </p:tnLst>
-  </p:timing>
 </p:sld>
 </file>
 
-<file path=ppt/slides/slide9.xml><?xml version="1.0" encoding="utf-8"?>
+<file path=ppt/slides/slide8.xml><?xml version="1.0" encoding="utf-8"?>
 <p:sld xmlns:a="http://schemas.openxmlformats.org/drawingml/2006/main" xmlns:r="http://schemas.openxmlformats.org/officeDocument/2006/relationships" xmlns:p="http://schemas.openxmlformats.org/presentationml/2006/main">
   <p:cSld>
     <p:bg>
       <p:bgPr>
         <a:gradFill rotWithShape="1">
           <a:gsLst>
-            <a:gs pos="0">
+            <a:gs pos="100000">
               <a:schemeClr val="bg2">
                 <a:tint val="90000"/>
                 <a:satMod val="92000"/>
@@ -23056,15 +23012,145 @@
           <a:p>
             <a:pPr lvl="0"/>
             <a:r>
-              <a:rPr lang="en-US" dirty="0" err="1" smtClean="0"/>
+              <a:rPr lang="en-US" dirty="0" err="1"/>
               <a:t>Riutilizzabilità</a:t>
             </a:r>
             <a:r>
-              <a:rPr lang="en-US" dirty="0" smtClean="0"/>
+              <a:rPr lang="en-US" dirty="0"/>
               <a:t> del </a:t>
             </a:r>
             <a:r>
-              <a:rPr lang="en-US" dirty="0" err="1" smtClean="0"/>
+              <a:rPr lang="en-US" dirty="0" err="1"/>
+              <a:t>Codice</a:t>
+            </a:r>
+            <a:endParaRPr lang="en-US" dirty="0"/>
+          </a:p>
+        </p:txBody>
+      </p:sp>
+      <p:pic>
+        <p:nvPicPr>
+          <p:cNvPr id="4" name="Immagine 3"/>
+          <p:cNvPicPr>
+            <a:picLocks noChangeAspect="1"/>
+          </p:cNvPicPr>
+          <p:nvPr/>
+        </p:nvPicPr>
+        <p:blipFill>
+          <a:blip r:embed="rId3">
+            <a:extLst>
+              <a:ext uri="{28A0092B-C50C-407E-A947-70E740481C1C}">
+                <a14:useLocalDpi xmlns:a14="http://schemas.microsoft.com/office/drawing/2010/main" val="0"/>
+              </a:ext>
+            </a:extLst>
+          </a:blip>
+          <a:stretch>
+            <a:fillRect/>
+          </a:stretch>
+        </p:blipFill>
+        <p:spPr>
+          <a:xfrm>
+            <a:off x="3279775" y="1264444"/>
+            <a:ext cx="5950964" cy="5477178"/>
+          </a:xfrm>
+          <a:prstGeom prst="rect">
+            <a:avLst/>
+          </a:prstGeom>
+        </p:spPr>
+      </p:pic>
+    </p:spTree>
+    <p:extLst>
+      <p:ext uri="{BB962C8B-B14F-4D97-AF65-F5344CB8AC3E}">
+        <p14:creationId xmlns:p14="http://schemas.microsoft.com/office/powerpoint/2010/main" val="656062299"/>
+      </p:ext>
+    </p:extLst>
+  </p:cSld>
+  <p:clrMapOvr>
+    <a:masterClrMapping/>
+  </p:clrMapOvr>
+</p:sld>
+</file>
+
+<file path=ppt/slides/slide9.xml><?xml version="1.0" encoding="utf-8"?>
+<p:sld xmlns:a="http://schemas.openxmlformats.org/drawingml/2006/main" xmlns:r="http://schemas.openxmlformats.org/officeDocument/2006/relationships" xmlns:p="http://schemas.openxmlformats.org/presentationml/2006/main">
+  <p:cSld>
+    <p:bg>
+      <p:bgPr>
+        <a:gradFill rotWithShape="1">
+          <a:gsLst>
+            <a:gs pos="100000">
+              <a:schemeClr val="bg2">
+                <a:tint val="90000"/>
+                <a:satMod val="92000"/>
+                <a:lumMod val="120000"/>
+              </a:schemeClr>
+            </a:gs>
+            <a:gs pos="100000">
+              <a:schemeClr val="bg2">
+                <a:shade val="98000"/>
+                <a:satMod val="120000"/>
+                <a:lumMod val="66000"/>
+                <a:lumOff val="34000"/>
+              </a:schemeClr>
+            </a:gs>
+          </a:gsLst>
+          <a:path path="circle">
+            <a:fillToRect l="50000" t="50000" r="100000" b="100000"/>
+          </a:path>
+        </a:gradFill>
+        <a:effectLst/>
+      </p:bgPr>
+    </p:bg>
+    <p:spTree>
+      <p:nvGrpSpPr>
+        <p:cNvPr id="1" name=""/>
+        <p:cNvGrpSpPr/>
+        <p:nvPr/>
+      </p:nvGrpSpPr>
+      <p:grpSpPr>
+        <a:xfrm>
+          <a:off x="0" y="0"/>
+          <a:ext cx="0" cy="0"/>
+          <a:chOff x="0" y="0"/>
+          <a:chExt cx="0" cy="0"/>
+        </a:xfrm>
+      </p:grpSpPr>
+      <p:sp>
+        <p:nvSpPr>
+          <p:cNvPr id="2" name="Titolo 1">
+            <a:extLst>
+              <a:ext uri="{FF2B5EF4-FFF2-40B4-BE49-F238E27FC236}">
+                <a16:creationId xmlns:a16="http://schemas.microsoft.com/office/drawing/2014/main" id="{A9A2AE18-01FE-40DC-A465-66F5C4AA9BA2}"/>
+              </a:ext>
+            </a:extLst>
+          </p:cNvPr>
+          <p:cNvSpPr txBox="1">
+            <a:spLocks noGrp="1"/>
+          </p:cNvSpPr>
+          <p:nvPr>
+            <p:ph type="title" idx="4294967295"/>
+          </p:nvPr>
+        </p:nvSpPr>
+        <p:spPr>
+          <a:xfrm>
+            <a:off x="3279775" y="623888"/>
+            <a:ext cx="8912225" cy="1281112"/>
+          </a:xfrm>
+        </p:spPr>
+        <p:txBody>
+          <a:bodyPr/>
+          <a:lstStyle/>
+          <a:p>
+            <a:pPr lvl="0"/>
+            <a:r>
+              <a:rPr lang="en-US" dirty="0" err="1"/>
+              <a:t>Riutilizzabilità</a:t>
+            </a:r>
+            <a:r>
+              <a:rPr lang="en-US" dirty="0"/>
+              <a:t> del </a:t>
+            </a:r>
+            <a:r>
+              <a:rPr lang="en-US" dirty="0" err="1"/>
               <a:t>Codice</a:t>
             </a:r>
             <a:endParaRPr lang="en-US" dirty="0"/>
@@ -23103,25 +23189,25 @@
             </a:r>
           </a:p>
           <a:p>
-            <a:endParaRPr lang="it-IT" dirty="0" smtClean="0"/>
-          </a:p>
-          <a:p>
             <a:endParaRPr lang="it-IT" dirty="0"/>
           </a:p>
           <a:p>
-            <a:endParaRPr lang="it-IT" dirty="0" smtClean="0"/>
-          </a:p>
-          <a:p>
-            <a:endParaRPr lang="it-IT" dirty="0" smtClean="0"/>
-          </a:p>
-          <a:p>
             <a:endParaRPr lang="it-IT" dirty="0"/>
           </a:p>
           <a:p>
-            <a:endParaRPr lang="it-IT" dirty="0" smtClean="0"/>
-          </a:p>
-          <a:p>
-            <a:endParaRPr lang="it-IT" dirty="0" smtClean="0"/>
+            <a:endParaRPr lang="it-IT" dirty="0"/>
+          </a:p>
+          <a:p>
+            <a:endParaRPr lang="it-IT" dirty="0"/>
+          </a:p>
+          <a:p>
+            <a:endParaRPr lang="it-IT" dirty="0"/>
+          </a:p>
+          <a:p>
+            <a:endParaRPr lang="it-IT" dirty="0"/>
+          </a:p>
+          <a:p>
+            <a:endParaRPr lang="it-IT" dirty="0"/>
           </a:p>
         </p:txBody>
       </p:sp>

--- a/Progetto/Presentazione/Event Manager.pptx
+++ b/Progetto/Presentazione/Event Manager.pptx
@@ -2598,7 +2598,7 @@
             <a:fld id="{FC705422-EE29-4556-AA24-78C897E3AEA4}" type="datetime1">
               <a:rPr lang="it-IT" smtClean="0"/>
               <a:pPr lvl="0"/>
-              <a:t>14/11/2018</a:t>
+              <a:t>15/11/2018</a:t>
             </a:fld>
             <a:endParaRPr lang="it-IT"/>
           </a:p>
@@ -2940,7 +2940,7 @@
             <a:fld id="{FC705422-EE29-4556-AA24-78C897E3AEA4}" type="datetime1">
               <a:rPr lang="it-IT" smtClean="0"/>
               <a:pPr lvl="0"/>
-              <a:t>14/11/2018</a:t>
+              <a:t>15/11/2018</a:t>
             </a:fld>
             <a:endParaRPr lang="it-IT"/>
           </a:p>
@@ -3345,7 +3345,7 @@
             <a:fld id="{FC705422-EE29-4556-AA24-78C897E3AEA4}" type="datetime1">
               <a:rPr lang="it-IT" smtClean="0"/>
               <a:pPr lvl="0"/>
-              <a:t>14/11/2018</a:t>
+              <a:t>15/11/2018</a:t>
             </a:fld>
             <a:endParaRPr lang="it-IT"/>
           </a:p>
@@ -3685,7 +3685,7 @@
             <a:fld id="{FC705422-EE29-4556-AA24-78C897E3AEA4}" type="datetime1">
               <a:rPr lang="it-IT" smtClean="0"/>
               <a:pPr lvl="0"/>
-              <a:t>14/11/2018</a:t>
+              <a:t>15/11/2018</a:t>
             </a:fld>
             <a:endParaRPr lang="it-IT"/>
           </a:p>
@@ -4009,7 +4009,7 @@
             <a:fld id="{FC705422-EE29-4556-AA24-78C897E3AEA4}" type="datetime1">
               <a:rPr lang="it-IT" smtClean="0"/>
               <a:pPr lvl="0"/>
-              <a:t>14/11/2018</a:t>
+              <a:t>15/11/2018</a:t>
             </a:fld>
             <a:endParaRPr lang="it-IT"/>
           </a:p>
@@ -4409,7 +4409,7 @@
             <a:fld id="{FC705422-EE29-4556-AA24-78C897E3AEA4}" type="datetime1">
               <a:rPr lang="it-IT" smtClean="0"/>
               <a:pPr lvl="0"/>
-              <a:t>14/11/2018</a:t>
+              <a:t>15/11/2018</a:t>
             </a:fld>
             <a:endParaRPr lang="it-IT"/>
           </a:p>
@@ -4670,7 +4670,7 @@
             <a:fld id="{FC705422-EE29-4556-AA24-78C897E3AEA4}" type="datetime1">
               <a:rPr lang="it-IT" smtClean="0"/>
               <a:pPr lvl="0"/>
-              <a:t>14/11/2018</a:t>
+              <a:t>15/11/2018</a:t>
             </a:fld>
             <a:endParaRPr lang="it-IT"/>
           </a:p>
@@ -4936,7 +4936,7 @@
             <a:fld id="{FC705422-EE29-4556-AA24-78C897E3AEA4}" type="datetime1">
               <a:rPr lang="it-IT" smtClean="0"/>
               <a:pPr lvl="0"/>
-              <a:t>14/11/2018</a:t>
+              <a:t>15/11/2018</a:t>
             </a:fld>
             <a:endParaRPr lang="it-IT"/>
           </a:p>
@@ -5271,7 +5271,7 @@
             <a:fld id="{C3A8BDE6-3BB0-47D2-B966-816121F569E3}" type="datetime1">
               <a:rPr lang="it-IT" smtClean="0"/>
               <a:pPr lvl="0"/>
-              <a:t>14/11/2018</a:t>
+              <a:t>15/11/2018</a:t>
             </a:fld>
             <a:endParaRPr lang="it-IT"/>
           </a:p>
@@ -5542,7 +5542,7 @@
             <a:fld id="{C3A8BDE6-3BB0-47D2-B966-816121F569E3}" type="datetime1">
               <a:rPr lang="it-IT" smtClean="0"/>
               <a:pPr lvl="0"/>
-              <a:t>14/11/2018</a:t>
+              <a:t>15/11/2018</a:t>
             </a:fld>
             <a:endParaRPr lang="it-IT"/>
           </a:p>
@@ -5875,7 +5875,7 @@
             <a:fld id="{C3A8BDE6-3BB0-47D2-B966-816121F569E3}" type="datetime1">
               <a:rPr lang="it-IT" smtClean="0"/>
               <a:pPr lvl="0"/>
-              <a:t>14/11/2018</a:t>
+              <a:t>15/11/2018</a:t>
             </a:fld>
             <a:endParaRPr lang="it-IT"/>
           </a:p>
@@ -6146,7 +6146,7 @@
             <a:fld id="{FC705422-EE29-4556-AA24-78C897E3AEA4}" type="datetime1">
               <a:rPr lang="it-IT" smtClean="0"/>
               <a:pPr lvl="0"/>
-              <a:t>14/11/2018</a:t>
+              <a:t>15/11/2018</a:t>
             </a:fld>
             <a:endParaRPr lang="it-IT"/>
           </a:p>
@@ -6468,7 +6468,7 @@
             <a:fld id="{C3A8BDE6-3BB0-47D2-B966-816121F569E3}" type="datetime1">
               <a:rPr lang="it-IT" smtClean="0"/>
               <a:pPr lvl="0"/>
-              <a:t>14/11/2018</a:t>
+              <a:t>15/11/2018</a:t>
             </a:fld>
             <a:endParaRPr lang="it-IT"/>
           </a:p>
@@ -6929,7 +6929,7 @@
             <a:fld id="{C3A8BDE6-3BB0-47D2-B966-816121F569E3}" type="datetime1">
               <a:rPr lang="it-IT" smtClean="0"/>
               <a:pPr lvl="0"/>
-              <a:t>14/11/2018</a:t>
+              <a:t>15/11/2018</a:t>
             </a:fld>
             <a:endParaRPr lang="it-IT"/>
           </a:p>
@@ -7138,7 +7138,7 @@
             <a:fld id="{C3A8BDE6-3BB0-47D2-B966-816121F569E3}" type="datetime1">
               <a:rPr lang="it-IT" smtClean="0"/>
               <a:pPr lvl="0"/>
-              <a:t>14/11/2018</a:t>
+              <a:t>15/11/2018</a:t>
             </a:fld>
             <a:endParaRPr lang="it-IT"/>
           </a:p>
@@ -7319,7 +7319,7 @@
             <a:fld id="{C3A8BDE6-3BB0-47D2-B966-816121F569E3}" type="datetime1">
               <a:rPr lang="it-IT" smtClean="0"/>
               <a:pPr lvl="0"/>
-              <a:t>14/11/2018</a:t>
+              <a:t>15/11/2018</a:t>
             </a:fld>
             <a:endParaRPr lang="it-IT"/>
           </a:p>
@@ -7657,7 +7657,7 @@
             <a:fld id="{C3A8BDE6-3BB0-47D2-B966-816121F569E3}" type="datetime1">
               <a:rPr lang="it-IT" smtClean="0"/>
               <a:pPr lvl="0"/>
-              <a:t>14/11/2018</a:t>
+              <a:t>15/11/2018</a:t>
             </a:fld>
             <a:endParaRPr lang="it-IT"/>
           </a:p>
@@ -8006,7 +8006,7 @@
             <a:fld id="{C3A8BDE6-3BB0-47D2-B966-816121F569E3}" type="datetime1">
               <a:rPr lang="it-IT" smtClean="0"/>
               <a:pPr lvl="0"/>
-              <a:t>14/11/2018</a:t>
+              <a:t>15/11/2018</a:t>
             </a:fld>
             <a:endParaRPr lang="it-IT"/>
           </a:p>
@@ -8348,7 +8348,7 @@
             <a:fld id="{FC705422-EE29-4556-AA24-78C897E3AEA4}" type="datetime1">
               <a:rPr lang="it-IT" smtClean="0"/>
               <a:pPr lvl="0"/>
-              <a:t>14/11/2018</a:t>
+              <a:t>15/11/2018</a:t>
             </a:fld>
             <a:endParaRPr lang="it-IT"/>
           </a:p>
@@ -8753,7 +8753,7 @@
             <a:fld id="{FC705422-EE29-4556-AA24-78C897E3AEA4}" type="datetime1">
               <a:rPr lang="it-IT" smtClean="0"/>
               <a:pPr lvl="0"/>
-              <a:t>14/11/2018</a:t>
+              <a:t>15/11/2018</a:t>
             </a:fld>
             <a:endParaRPr lang="it-IT"/>
           </a:p>
@@ -9093,7 +9093,7 @@
             <a:fld id="{FC705422-EE29-4556-AA24-78C897E3AEA4}" type="datetime1">
               <a:rPr lang="it-IT" smtClean="0"/>
               <a:pPr lvl="0"/>
-              <a:t>14/11/2018</a:t>
+              <a:t>15/11/2018</a:t>
             </a:fld>
             <a:endParaRPr lang="it-IT"/>
           </a:p>
@@ -9417,7 +9417,7 @@
             <a:fld id="{FC705422-EE29-4556-AA24-78C897E3AEA4}" type="datetime1">
               <a:rPr lang="it-IT" smtClean="0"/>
               <a:pPr lvl="0"/>
-              <a:t>14/11/2018</a:t>
+              <a:t>15/11/2018</a:t>
             </a:fld>
             <a:endParaRPr lang="it-IT"/>
           </a:p>
@@ -9831,7 +9831,7 @@
             <a:fld id="{FC705422-EE29-4556-AA24-78C897E3AEA4}" type="datetime1">
               <a:rPr lang="it-IT" smtClean="0"/>
               <a:pPr lvl="0"/>
-              <a:t>14/11/2018</a:t>
+              <a:t>15/11/2018</a:t>
             </a:fld>
             <a:endParaRPr lang="it-IT"/>
           </a:p>
@@ -10155,7 +10155,7 @@
             <a:fld id="{FC705422-EE29-4556-AA24-78C897E3AEA4}" type="datetime1">
               <a:rPr lang="it-IT" smtClean="0"/>
               <a:pPr lvl="0"/>
-              <a:t>14/11/2018</a:t>
+              <a:t>15/11/2018</a:t>
             </a:fld>
             <a:endParaRPr lang="it-IT"/>
           </a:p>
@@ -10416,7 +10416,7 @@
             <a:fld id="{C3A8BDE6-3BB0-47D2-B966-816121F569E3}" type="datetime1">
               <a:rPr lang="it-IT" smtClean="0"/>
               <a:pPr lvl="0"/>
-              <a:t>14/11/2018</a:t>
+              <a:t>15/11/2018</a:t>
             </a:fld>
             <a:endParaRPr lang="it-IT"/>
           </a:p>
@@ -10682,7 +10682,7 @@
             <a:fld id="{C3A8BDE6-3BB0-47D2-B966-816121F569E3}" type="datetime1">
               <a:rPr lang="it-IT" smtClean="0"/>
               <a:pPr lvl="0"/>
-              <a:t>14/11/2018</a:t>
+              <a:t>15/11/2018</a:t>
             </a:fld>
             <a:endParaRPr lang="it-IT"/>
           </a:p>
@@ -11004,7 +11004,7 @@
             <a:fld id="{FC705422-EE29-4556-AA24-78C897E3AEA4}" type="datetime1">
               <a:rPr lang="it-IT" smtClean="0"/>
               <a:pPr lvl="0"/>
-              <a:t>14/11/2018</a:t>
+              <a:t>15/11/2018</a:t>
             </a:fld>
             <a:endParaRPr lang="it-IT"/>
           </a:p>
@@ -11465,7 +11465,7 @@
             <a:fld id="{FC705422-EE29-4556-AA24-78C897E3AEA4}" type="datetime1">
               <a:rPr lang="it-IT" smtClean="0"/>
               <a:pPr lvl="0"/>
-              <a:t>14/11/2018</a:t>
+              <a:t>15/11/2018</a:t>
             </a:fld>
             <a:endParaRPr lang="it-IT"/>
           </a:p>
@@ -11674,7 +11674,7 @@
             <a:fld id="{FC705422-EE29-4556-AA24-78C897E3AEA4}" type="datetime1">
               <a:rPr lang="it-IT" smtClean="0"/>
               <a:pPr lvl="0"/>
-              <a:t>14/11/2018</a:t>
+              <a:t>15/11/2018</a:t>
             </a:fld>
             <a:endParaRPr lang="it-IT"/>
           </a:p>
@@ -11855,7 +11855,7 @@
             <a:fld id="{FC705422-EE29-4556-AA24-78C897E3AEA4}" type="datetime1">
               <a:rPr lang="it-IT" smtClean="0"/>
               <a:pPr lvl="0"/>
-              <a:t>14/11/2018</a:t>
+              <a:t>15/11/2018</a:t>
             </a:fld>
             <a:endParaRPr lang="it-IT"/>
           </a:p>
@@ -12193,7 +12193,7 @@
             <a:fld id="{FC705422-EE29-4556-AA24-78C897E3AEA4}" type="datetime1">
               <a:rPr lang="it-IT" smtClean="0"/>
               <a:pPr lvl="0"/>
-              <a:t>14/11/2018</a:t>
+              <a:t>15/11/2018</a:t>
             </a:fld>
             <a:endParaRPr lang="it-IT"/>
           </a:p>
@@ -12542,7 +12542,7 @@
             <a:fld id="{FC705422-EE29-4556-AA24-78C897E3AEA4}" type="datetime1">
               <a:rPr lang="it-IT" smtClean="0"/>
               <a:pPr lvl="0"/>
-              <a:t>14/11/2018</a:t>
+              <a:t>15/11/2018</a:t>
             </a:fld>
             <a:endParaRPr lang="it-IT"/>
           </a:p>
@@ -14663,7 +14663,7 @@
             <a:fld id="{FC705422-EE29-4556-AA24-78C897E3AEA4}" type="datetime1">
               <a:rPr lang="it-IT" smtClean="0"/>
               <a:pPr lvl="0"/>
-              <a:t>14/11/2018</a:t>
+              <a:t>15/11/2018</a:t>
             </a:fld>
             <a:endParaRPr lang="it-IT"/>
           </a:p>
@@ -17137,7 +17137,7 @@
             <a:fld id="{FC705422-EE29-4556-AA24-78C897E3AEA4}" type="datetime1">
               <a:rPr lang="it-IT" smtClean="0"/>
               <a:pPr lvl="0"/>
-              <a:t>14/11/2018</a:t>
+              <a:t>15/11/2018</a:t>
             </a:fld>
             <a:endParaRPr lang="it-IT"/>
           </a:p>
@@ -17654,13 +17654,8 @@
                 <a:lumMod val="120000"/>
               </a:schemeClr>
             </a:gs>
-            <a:gs pos="100000">
-              <a:schemeClr val="bg2">
-                <a:shade val="98000"/>
-                <a:satMod val="120000"/>
-                <a:lumMod val="66000"/>
-                <a:lumOff val="34000"/>
-              </a:schemeClr>
+            <a:gs pos="0">
+              <a:schemeClr val="bg1"/>
             </a:gs>
           </a:gsLst>
           <a:path path="circle">
@@ -17818,13 +17813,8 @@
                 <a:lumMod val="120000"/>
               </a:schemeClr>
             </a:gs>
-            <a:gs pos="100000">
-              <a:schemeClr val="bg2">
-                <a:shade val="98000"/>
-                <a:satMod val="120000"/>
-                <a:lumMod val="66000"/>
-                <a:lumOff val="34000"/>
-              </a:schemeClr>
+            <a:gs pos="0">
+              <a:schemeClr val="bg1"/>
             </a:gs>
           </a:gsLst>
           <a:path path="circle">
@@ -18015,13 +18005,8 @@
                 <a:lumMod val="120000"/>
               </a:schemeClr>
             </a:gs>
-            <a:gs pos="100000">
-              <a:schemeClr val="bg2">
-                <a:shade val="98000"/>
-                <a:satMod val="120000"/>
-                <a:lumMod val="66000"/>
-                <a:lumOff val="34000"/>
-              </a:schemeClr>
+            <a:gs pos="0">
+              <a:schemeClr val="bg1"/>
             </a:gs>
           </a:gsLst>
           <a:path path="circle">
@@ -18237,13 +18222,8 @@
                 <a:lumMod val="120000"/>
               </a:schemeClr>
             </a:gs>
-            <a:gs pos="100000">
-              <a:schemeClr val="bg2">
-                <a:shade val="98000"/>
-                <a:satMod val="120000"/>
-                <a:lumMod val="66000"/>
-                <a:lumOff val="34000"/>
-              </a:schemeClr>
+            <a:gs pos="0">
+              <a:schemeClr val="bg1"/>
             </a:gs>
           </a:gsLst>
           <a:path path="circle">
@@ -18403,13 +18383,8 @@
                 <a:lumMod val="120000"/>
               </a:schemeClr>
             </a:gs>
-            <a:gs pos="100000">
-              <a:schemeClr val="bg2">
-                <a:shade val="98000"/>
-                <a:satMod val="120000"/>
-                <a:lumMod val="66000"/>
-                <a:lumOff val="34000"/>
-              </a:schemeClr>
+            <a:gs pos="0">
+              <a:schemeClr val="bg1"/>
             </a:gs>
           </a:gsLst>
           <a:path path="circle">
@@ -18455,13 +18430,8 @@
                 <a:lumMod val="120000"/>
               </a:schemeClr>
             </a:gs>
-            <a:gs pos="100000">
-              <a:schemeClr val="bg2">
-                <a:shade val="98000"/>
-                <a:satMod val="120000"/>
-                <a:lumMod val="66000"/>
-                <a:lumOff val="34000"/>
-              </a:schemeClr>
+            <a:gs pos="0">
+              <a:schemeClr val="bg1"/>
             </a:gs>
           </a:gsLst>
           <a:path path="circle">
@@ -18704,13 +18674,8 @@
                 <a:lumMod val="120000"/>
               </a:schemeClr>
             </a:gs>
-            <a:gs pos="100000">
-              <a:schemeClr val="bg2">
-                <a:shade val="98000"/>
-                <a:satMod val="120000"/>
-                <a:lumMod val="66000"/>
-                <a:lumOff val="34000"/>
-              </a:schemeClr>
+            <a:gs pos="0">
+              <a:schemeClr val="bg1"/>
             </a:gs>
           </a:gsLst>
           <a:path path="circle">
@@ -20071,13 +20036,8 @@
                 <a:lumMod val="120000"/>
               </a:schemeClr>
             </a:gs>
-            <a:gs pos="100000">
-              <a:schemeClr val="bg2">
-                <a:shade val="98000"/>
-                <a:satMod val="120000"/>
-                <a:lumMod val="66000"/>
-                <a:lumOff val="34000"/>
-              </a:schemeClr>
+            <a:gs pos="0">
+              <a:schemeClr val="bg1"/>
             </a:gs>
           </a:gsLst>
           <a:path path="circle">
@@ -21262,13 +21222,8 @@
                 <a:lumMod val="120000"/>
               </a:schemeClr>
             </a:gs>
-            <a:gs pos="100000">
-              <a:schemeClr val="bg2">
-                <a:shade val="98000"/>
-                <a:satMod val="120000"/>
-                <a:lumMod val="66000"/>
-                <a:lumOff val="34000"/>
-              </a:schemeClr>
+            <a:gs pos="0">
+              <a:schemeClr val="bg1"/>
             </a:gs>
           </a:gsLst>
           <a:path path="circle">
@@ -22797,13 +22752,8 @@
                 <a:lumMod val="120000"/>
               </a:schemeClr>
             </a:gs>
-            <a:gs pos="100000">
-              <a:schemeClr val="bg2">
-                <a:shade val="98000"/>
-                <a:satMod val="120000"/>
-                <a:lumMod val="66000"/>
-                <a:lumOff val="34000"/>
-              </a:schemeClr>
+            <a:gs pos="0">
+              <a:schemeClr val="bg1"/>
             </a:gs>
           </a:gsLst>
           <a:path path="circle">
@@ -22954,13 +22904,8 @@
                 <a:lumMod val="120000"/>
               </a:schemeClr>
             </a:gs>
-            <a:gs pos="100000">
-              <a:schemeClr val="bg2">
-                <a:shade val="98000"/>
-                <a:satMod val="120000"/>
-                <a:lumMod val="66000"/>
-                <a:lumOff val="34000"/>
-              </a:schemeClr>
+            <a:gs pos="0">
+              <a:schemeClr val="bg1"/>
             </a:gs>
           </a:gsLst>
           <a:path path="circle">
@@ -23084,13 +23029,8 @@
                 <a:lumMod val="120000"/>
               </a:schemeClr>
             </a:gs>
-            <a:gs pos="100000">
-              <a:schemeClr val="bg2">
-                <a:shade val="98000"/>
-                <a:satMod val="120000"/>
-                <a:lumMod val="66000"/>
-                <a:lumOff val="34000"/>
-              </a:schemeClr>
+            <a:gs pos="0">
+              <a:schemeClr val="bg1"/>
             </a:gs>
           </a:gsLst>
           <a:path path="circle">
